--- a/course/powerpoints/object_oriented_programming.pptx
+++ b/course/powerpoints/object_oriented_programming.pptx
@@ -69,6 +69,7 @@
     <p:sldId id="314" r:id="rId66"/>
     <p:sldId id="315" r:id="rId67"/>
     <p:sldId id="316" r:id="rId68"/>
+    <p:sldId id="317" r:id="rId69"/>
   </p:sldIdLst>
   <p:sldSz cx="24384000" cy="13716000"/>
   <p:notesSz cx="6858000" cy="9144000"/>
@@ -18081,14 +18082,112 @@
       </p:grpSpPr>
       <p:sp>
         <p:nvSpPr>
-          <p:cNvPr id="573" name="Objects Oriented Programming"/>
+          <p:cNvPr id="573" name="Final class"/>
+          <p:cNvSpPr txBox="1"/>
+          <p:nvPr>
+            <p:ph type="title" idx="4294967295"/>
+          </p:nvPr>
+        </p:nvSpPr>
+        <p:spPr>
+          <a:xfrm>
+            <a:off x="1206500" y="952500"/>
+            <a:ext cx="10477500" cy="1435100"/>
+          </a:xfrm>
+          <a:prstGeom prst="rect">
+            <a:avLst/>
+          </a:prstGeom>
+        </p:spPr>
+        <p:txBody>
+          <a:bodyPr/>
+          <a:lstStyle/>
+          <a:p>
+            <a:pPr/>
+            <a:r>
+              <a:t>Final class</a:t>
+            </a:r>
+          </a:p>
+        </p:txBody>
+      </p:sp>
+      <p:sp>
+        <p:nvSpPr>
+          <p:cNvPr id="574" name="Idea…"/>
+          <p:cNvSpPr txBox="1"/>
+          <p:nvPr>
+            <p:ph type="body" sz="half" idx="4294967295"/>
+          </p:nvPr>
+        </p:nvSpPr>
+        <p:spPr>
+          <a:xfrm>
+            <a:off x="1206500" y="4248504"/>
+            <a:ext cx="10477500" cy="8256012"/>
+          </a:xfrm>
+          <a:prstGeom prst="rect">
+            <a:avLst/>
+          </a:prstGeom>
+        </p:spPr>
+        <p:txBody>
+          <a:bodyPr/>
+          <a:lstStyle/>
+          <a:p>
+            <a:pPr marL="0" indent="0">
+              <a:buSzTx/>
+              <a:buNone/>
+            </a:pPr>
+            <a:r>
+              <a:t>Idea</a:t>
+            </a:r>
+          </a:p>
+          <a:p>
+            <a:pPr/>
+            <a:r>
+              <a:t>make sure you cannot inherit from a given class</a:t>
+            </a:r>
+          </a:p>
+          <a:p>
+            <a:pPr/>
+            <a:r>
+              <a:t>by declaring it final</a:t>
+            </a:r>
+          </a:p>
+        </p:txBody>
+      </p:sp>
+      <p:sp>
+        <p:nvSpPr>
+          <p:cNvPr id="575" name="Slide Number"/>
+          <p:cNvSpPr txBox="1"/>
+          <p:nvPr>
+            <p:ph type="sldNum" sz="quarter" idx="4294967295"/>
+          </p:nvPr>
+        </p:nvSpPr>
+        <p:spPr>
+          <a:prstGeom prst="rect">
+            <a:avLst/>
+          </a:prstGeom>
+          <a:extLst>
+            <a:ext uri="{C572A759-6A51-4108-AA02-DFA0A04FC94B}">
+              <ma14:wrappingTextBoxFlag xmlns:ma14="http://schemas.microsoft.com/office/mac/drawingml/2011/main" val="1"/>
+            </a:ext>
+          </a:extLst>
+        </p:spPr>
+        <p:txBody>
+          <a:bodyPr/>
+          <a:lstStyle/>
+          <a:p>
+            <a:pPr/>
+            <a:fld id="{86CB4B4D-7CA3-9044-876B-883B54F8677D}" type="slidenum"/>
+          </a:p>
+        </p:txBody>
+      </p:sp>
+      <p:sp>
+        <p:nvSpPr>
+          <p:cNvPr id="576" name="Object Oriented Programming | Inheritance"/>
           <p:cNvSpPr txBox="1"/>
           <p:nvPr/>
         </p:nvSpPr>
         <p:spPr>
           <a:xfrm>
-            <a:off x="20036166" y="3143"/>
-            <a:ext cx="4354679" cy="461366"/>
+            <a:off x="18444196" y="3143"/>
+            <a:ext cx="5946649" cy="461366"/>
           </a:xfrm>
           <a:prstGeom prst="rect">
             <a:avLst/>
@@ -18120,23 +18219,28 @@
           <a:p>
             <a:pPr/>
             <a:r>
-              <a:t>Objects Oriented Programming</a:t>
-            </a:r>
-          </a:p>
-        </p:txBody>
-      </p:sp>
-      <p:sp>
-        <p:nvSpPr>
-          <p:cNvPr id="574" name="Slide Number"/>
+              <a:t>Object Oriented Programming | Inheritance</a:t>
+            </a:r>
+          </a:p>
+        </p:txBody>
+      </p:sp>
+      <p:sp>
+        <p:nvSpPr>
+          <p:cNvPr id="577" name="C++11"/>
           <p:cNvSpPr txBox="1"/>
-          <p:nvPr>
-            <p:ph type="sldNum" sz="quarter" idx="4294967295"/>
-          </p:nvPr>
-        </p:nvSpPr>
-        <p:spPr>
-          <a:prstGeom prst="rect">
-            <a:avLst/>
-          </a:prstGeom>
+          <p:nvPr/>
+        </p:nvSpPr>
+        <p:spPr>
+          <a:xfrm>
+            <a:off x="2647" y="2528"/>
+            <a:ext cx="1039064" cy="461366"/>
+          </a:xfrm>
+          <a:prstGeom prst="rect">
+            <a:avLst/>
+          </a:prstGeom>
+          <a:ln w="12700">
+            <a:miter lim="400000"/>
+          </a:ln>
           <a:extLst>
             <a:ext uri="{C572A759-6A51-4108-AA02-DFA0A04FC94B}">
               <ma14:wrappingTextBoxFlag xmlns:ma14="http://schemas.microsoft.com/office/mac/drawingml/2011/main" val="1"/>
@@ -18144,17 +18248,31 @@
           </a:extLst>
         </p:spPr>
         <p:txBody>
-          <a:bodyPr/>
-          <a:lstStyle/>
-          <a:p>
-            <a:pPr/>
-            <a:fld id="{86CB4B4D-7CA3-9044-876B-883B54F8677D}" type="slidenum"/>
+          <a:bodyPr wrap="none" lIns="50800" tIns="50800" rIns="50800" bIns="50800" anchor="ctr">
+            <a:spAutoFit/>
+          </a:bodyPr>
+          <a:lstStyle>
+            <a:lvl1pPr>
+              <a:lnSpc>
+                <a:spcPct val="100000"/>
+              </a:lnSpc>
+              <a:spcBef>
+                <a:spcPts val="0"/>
+              </a:spcBef>
+              <a:defRPr sz="2400"/>
+            </a:lvl1pPr>
+          </a:lstStyle>
+          <a:p>
+            <a:pPr/>
+            <a:r>
+              <a:t>C++11</a:t>
+            </a:r>
           </a:p>
         </p:txBody>
       </p:sp>
       <p:grpSp>
         <p:nvGrpSpPr>
-          <p:cNvPr id="579" name="Group"/>
+          <p:cNvPr id="582" name="Group"/>
           <p:cNvGrpSpPr/>
           <p:nvPr/>
         </p:nvGrpSpPr>
@@ -18168,7 +18286,7 @@
         </p:grpSpPr>
         <p:pic>
           <p:nvPicPr>
-            <p:cNvPr id="575" name="pasted-movie.png" descr="pasted-movie.png"/>
+            <p:cNvPr id="578" name="pasted-movie.png" descr="pasted-movie.png"/>
             <p:cNvPicPr>
               <a:picLocks noChangeAspect="1"/>
             </p:cNvPicPr>
@@ -18199,7 +18317,7 @@
         </p:pic>
         <p:sp>
           <p:nvSpPr>
-            <p:cNvPr id="576" name="Gammasoft"/>
+            <p:cNvPr id="579" name="Gammasoft"/>
             <p:cNvSpPr txBox="1"/>
             <p:nvPr/>
           </p:nvSpPr>
@@ -18238,7 +18356,7 @@
         </p:sp>
         <p:sp>
           <p:nvSpPr>
-            <p:cNvPr id="577" name="Modern C++ Course"/>
+            <p:cNvPr id="580" name="Modern C++ Course"/>
             <p:cNvSpPr txBox="1"/>
             <p:nvPr/>
           </p:nvSpPr>
@@ -18277,7 +18395,7 @@
         </p:sp>
         <p:sp>
           <p:nvSpPr>
-            <p:cNvPr id="578" name="Rectangle"/>
+            <p:cNvPr id="581" name="Rectangle"/>
             <p:cNvSpPr/>
             <p:nvPr/>
           </p:nvSpPr>
@@ -18327,159 +18445,35 @@
           </p:txBody>
         </p:sp>
       </p:grpSp>
-      <p:sp>
-        <p:nvSpPr>
-          <p:cNvPr id="580" name="Objects Oriented Programming (OOP)"/>
-          <p:cNvSpPr txBox="1"/>
-          <p:nvPr>
-            <p:ph type="title" idx="4294967295"/>
-          </p:nvPr>
-        </p:nvSpPr>
-        <p:spPr>
-          <a:xfrm>
-            <a:off x="1206500" y="952500"/>
-            <a:ext cx="18969027" cy="1435100"/>
-          </a:xfrm>
-          <a:prstGeom prst="rect">
-            <a:avLst/>
-          </a:prstGeom>
-        </p:spPr>
-        <p:txBody>
-          <a:bodyPr/>
-          <a:lstStyle/>
-          <a:p>
-            <a:pPr/>
-            <a:r>
-              <a:t>Objects Oriented Programming (OOP) </a:t>
-            </a:r>
-          </a:p>
-        </p:txBody>
-      </p:sp>
-      <p:sp>
-        <p:nvSpPr>
-          <p:cNvPr id="581" name="Objects and classes…"/>
-          <p:cNvSpPr txBox="1"/>
-          <p:nvPr>
-            <p:ph type="body" idx="4294967295"/>
-          </p:nvPr>
-        </p:nvSpPr>
-        <p:spPr>
-          <a:prstGeom prst="rect">
-            <a:avLst/>
-          </a:prstGeom>
-        </p:spPr>
-        <p:txBody>
-          <a:bodyPr numCol="2" spcCol="1098550"/>
-          <a:lstStyle/>
-          <a:p>
-            <a:pPr/>
-            <a:r>
-              <a:t>Objects and classes</a:t>
-            </a:r>
-          </a:p>
-          <a:p>
-            <a:pPr/>
-            <a:r>
-              <a:t>Inheritance</a:t>
-            </a:r>
-          </a:p>
-          <a:p>
-            <a:pPr/>
-            <a:r>
-              <a:t>Constructors / Destructors</a:t>
-            </a:r>
-          </a:p>
-          <a:p>
-            <a:pPr/>
-            <a:r>
-              <a:t>Static members</a:t>
-            </a:r>
-          </a:p>
-          <a:p>
-            <a:pPr/>
-            <a:r>
-              <a:t>Allocating objects</a:t>
-            </a:r>
-          </a:p>
-          <a:p>
-            <a:pPr/>
-            <a:r>
-              <a:t>Advanced Object Oriented</a:t>
-            </a:r>
-          </a:p>
-          <a:p>
-            <a:pPr/>
-            <a:r>
-              <a:t>Type casing</a:t>
-            </a:r>
-          </a:p>
-          <a:p>
-            <a:pPr/>
-            <a:r>
-              <a:t>Operator overloading</a:t>
-            </a:r>
-          </a:p>
-          <a:p>
-            <a:pPr/>
-            <a:r>
-              <a:t>Function objects</a:t>
-            </a:r>
-          </a:p>
-          <a:p>
-            <a:pPr/>
-            <a:r>
-              <a:t>Name Lookups</a:t>
-            </a:r>
-          </a:p>
-        </p:txBody>
-      </p:sp>
-      <p:sp>
-        <p:nvSpPr>
-          <p:cNvPr id="582" name="Rectangle"/>
-          <p:cNvSpPr/>
+      <p:pic>
+        <p:nvPicPr>
+          <p:cNvPr id="583" name="pasted-movie.png" descr="pasted-movie.png"/>
+          <p:cNvPicPr>
+            <a:picLocks noChangeAspect="1"/>
+          </p:cNvPicPr>
           <p:nvPr/>
-        </p:nvSpPr>
-        <p:spPr>
-          <a:xfrm>
-            <a:off x="1229879" y="5418009"/>
-            <a:ext cx="10877146" cy="910672"/>
-          </a:xfrm>
-          <a:prstGeom prst="rect">
-            <a:avLst/>
-          </a:prstGeom>
-          <a:solidFill>
-            <a:srgbClr val="0080FF">
-              <a:alpha val="44038"/>
-            </a:srgbClr>
-          </a:solidFill>
+        </p:nvPicPr>
+        <p:blipFill>
+          <a:blip r:embed="rId3">
+            <a:extLst/>
+          </a:blip>
+          <a:stretch>
+            <a:fillRect/>
+          </a:stretch>
+        </p:blipFill>
+        <p:spPr>
+          <a:xfrm>
+            <a:off x="12869531" y="4318000"/>
+            <a:ext cx="10490201" cy="5080001"/>
+          </a:xfrm>
+          <a:prstGeom prst="rect">
+            <a:avLst/>
+          </a:prstGeom>
           <a:ln w="12700">
             <a:miter lim="400000"/>
           </a:ln>
         </p:spPr>
-        <p:txBody>
-          <a:bodyPr lIns="50800" tIns="50800" rIns="50800" bIns="50800" anchor="ctr"/>
-          <a:lstStyle/>
-          <a:p>
-            <a:pPr algn="ctr" defTabSz="825500">
-              <a:lnSpc>
-                <a:spcPct val="100000"/>
-              </a:lnSpc>
-              <a:spcBef>
-                <a:spcPts val="0"/>
-              </a:spcBef>
-              <a:defRPr sz="3200">
-                <a:solidFill>
-                  <a:srgbClr val="000000"/>
-                </a:solidFill>
-                <a:latin typeface="Helvetica Neue Medium"/>
-                <a:ea typeface="Helvetica Neue Medium"/>
-                <a:cs typeface="Helvetica Neue Medium"/>
-                <a:sym typeface="Helvetica Neue Medium"/>
-              </a:defRPr>
-            </a:pPr>
-          </a:p>
-        </p:txBody>
-      </p:sp>
+      </p:pic>
     </p:spTree>
   </p:cSld>
   <p:clrMapOvr>
@@ -18508,7 +18502,7 @@
       </p:grpSpPr>
       <p:sp>
         <p:nvSpPr>
-          <p:cNvPr id="584" name="Objects Oriented Programming"/>
+          <p:cNvPr id="585" name="Objects Oriented Programming"/>
           <p:cNvSpPr txBox="1"/>
           <p:nvPr/>
         </p:nvSpPr>
@@ -18554,7 +18548,7 @@
       </p:sp>
       <p:sp>
         <p:nvSpPr>
-          <p:cNvPr id="585" name="Slide Number"/>
+          <p:cNvPr id="586" name="Slide Number"/>
           <p:cNvSpPr txBox="1"/>
           <p:nvPr>
             <p:ph type="sldNum" sz="quarter" idx="4294967295"/>
@@ -18581,7 +18575,7 @@
       </p:sp>
       <p:grpSp>
         <p:nvGrpSpPr>
-          <p:cNvPr id="590" name="Group"/>
+          <p:cNvPr id="591" name="Group"/>
           <p:cNvGrpSpPr/>
           <p:nvPr/>
         </p:nvGrpSpPr>
@@ -18595,7 +18589,7 @@
         </p:grpSpPr>
         <p:pic>
           <p:nvPicPr>
-            <p:cNvPr id="586" name="pasted-movie.png" descr="pasted-movie.png"/>
+            <p:cNvPr id="587" name="pasted-movie.png" descr="pasted-movie.png"/>
             <p:cNvPicPr>
               <a:picLocks noChangeAspect="1"/>
             </p:cNvPicPr>
@@ -18626,7 +18620,7 @@
         </p:pic>
         <p:sp>
           <p:nvSpPr>
-            <p:cNvPr id="587" name="Gammasoft"/>
+            <p:cNvPr id="588" name="Gammasoft"/>
             <p:cNvSpPr txBox="1"/>
             <p:nvPr/>
           </p:nvSpPr>
@@ -18665,7 +18659,7 @@
         </p:sp>
         <p:sp>
           <p:nvSpPr>
-            <p:cNvPr id="588" name="Modern C++ Course"/>
+            <p:cNvPr id="589" name="Modern C++ Course"/>
             <p:cNvSpPr txBox="1"/>
             <p:nvPr/>
           </p:nvSpPr>
@@ -18704,7 +18698,7 @@
         </p:sp>
         <p:sp>
           <p:nvSpPr>
-            <p:cNvPr id="589" name="Rectangle"/>
+            <p:cNvPr id="590" name="Rectangle"/>
             <p:cNvSpPr/>
             <p:nvPr/>
           </p:nvSpPr>
@@ -18756,7 +18750,7 @@
       </p:grpSp>
       <p:sp>
         <p:nvSpPr>
-          <p:cNvPr id="591" name="Objects Oriented Programming (OOP)"/>
+          <p:cNvPr id="592" name="Objects Oriented Programming (OOP)"/>
           <p:cNvSpPr txBox="1"/>
           <p:nvPr>
             <p:ph type="title" idx="4294967295"/>
@@ -18784,7 +18778,7 @@
       </p:sp>
       <p:sp>
         <p:nvSpPr>
-          <p:cNvPr id="592" name="Objects and classes…"/>
+          <p:cNvPr id="593" name="Objects and classes…"/>
           <p:cNvSpPr txBox="1"/>
           <p:nvPr>
             <p:ph type="body" idx="4294967295"/>
@@ -18862,13 +18856,13 @@
       </p:sp>
       <p:sp>
         <p:nvSpPr>
-          <p:cNvPr id="593" name="Rectangle"/>
+          <p:cNvPr id="594" name="Rectangle"/>
           <p:cNvSpPr/>
           <p:nvPr/>
         </p:nvSpPr>
         <p:spPr>
           <a:xfrm>
-            <a:off x="1229879" y="6637209"/>
+            <a:off x="1229879" y="5418009"/>
             <a:ext cx="10877146" cy="910672"/>
           </a:xfrm>
           <a:prstGeom prst="rect">
@@ -18935,91 +18929,14 @@
       </p:grpSpPr>
       <p:sp>
         <p:nvSpPr>
-          <p:cNvPr id="595" name="Slide Title"/>
-          <p:cNvSpPr txBox="1"/>
-          <p:nvPr>
-            <p:ph type="title" idx="4294967295"/>
-          </p:nvPr>
-        </p:nvSpPr>
-        <p:spPr>
-          <a:xfrm>
-            <a:off x="1206500" y="952500"/>
-            <a:ext cx="10477500" cy="1435100"/>
-          </a:xfrm>
-          <a:prstGeom prst="rect">
-            <a:avLst/>
-          </a:prstGeom>
-        </p:spPr>
-        <p:txBody>
-          <a:bodyPr/>
-          <a:lstStyle/>
-          <a:p>
-            <a:pPr/>
-          </a:p>
-        </p:txBody>
-      </p:sp>
-      <p:sp>
-        <p:nvSpPr>
-          <p:cNvPr id="596" name="Slide bullet text"/>
-          <p:cNvSpPr txBox="1"/>
-          <p:nvPr>
-            <p:ph type="body" sz="half" idx="4294967295"/>
-          </p:nvPr>
-        </p:nvSpPr>
-        <p:spPr>
-          <a:xfrm>
-            <a:off x="1206500" y="4248504"/>
-            <a:ext cx="10477500" cy="8256012"/>
-          </a:xfrm>
-          <a:prstGeom prst="rect">
-            <a:avLst/>
-          </a:prstGeom>
-        </p:spPr>
-        <p:txBody>
-          <a:bodyPr/>
-          <a:lstStyle/>
-          <a:p>
-            <a:pPr/>
-          </a:p>
-        </p:txBody>
-      </p:sp>
-      <p:sp>
-        <p:nvSpPr>
-          <p:cNvPr id="597" name="Slide Number"/>
-          <p:cNvSpPr txBox="1"/>
-          <p:nvPr>
-            <p:ph type="sldNum" sz="quarter" idx="4294967295"/>
-          </p:nvPr>
-        </p:nvSpPr>
-        <p:spPr>
-          <a:prstGeom prst="rect">
-            <a:avLst/>
-          </a:prstGeom>
-          <a:extLst>
-            <a:ext uri="{C572A759-6A51-4108-AA02-DFA0A04FC94B}">
-              <ma14:wrappingTextBoxFlag xmlns:ma14="http://schemas.microsoft.com/office/mac/drawingml/2011/main" val="1"/>
-            </a:ext>
-          </a:extLst>
-        </p:spPr>
-        <p:txBody>
-          <a:bodyPr/>
-          <a:lstStyle/>
-          <a:p>
-            <a:pPr/>
-            <a:fld id="{86CB4B4D-7CA3-9044-876B-883B54F8677D}" type="slidenum"/>
-          </a:p>
-        </p:txBody>
-      </p:sp>
-      <p:sp>
-        <p:nvSpPr>
-          <p:cNvPr id="598" name="Object Oriented Programming | Constructors / Destructors"/>
+          <p:cNvPr id="596" name="Objects Oriented Programming"/>
           <p:cNvSpPr txBox="1"/>
           <p:nvPr/>
         </p:nvSpPr>
         <p:spPr>
           <a:xfrm>
-            <a:off x="16321874" y="3143"/>
-            <a:ext cx="8068971" cy="461366"/>
+            <a:off x="20036166" y="3143"/>
+            <a:ext cx="4354679" cy="461366"/>
           </a:xfrm>
           <a:prstGeom prst="rect">
             <a:avLst/>
@@ -19051,28 +18968,23 @@
           <a:p>
             <a:pPr/>
             <a:r>
-              <a:t>Object Oriented Programming | Constructors / Destructors</a:t>
-            </a:r>
-          </a:p>
-        </p:txBody>
-      </p:sp>
-      <p:sp>
-        <p:nvSpPr>
-          <p:cNvPr id="599" name="C++98"/>
+              <a:t>Objects Oriented Programming</a:t>
+            </a:r>
+          </a:p>
+        </p:txBody>
+      </p:sp>
+      <p:sp>
+        <p:nvSpPr>
+          <p:cNvPr id="597" name="Slide Number"/>
           <p:cNvSpPr txBox="1"/>
-          <p:nvPr/>
-        </p:nvSpPr>
-        <p:spPr>
-          <a:xfrm>
-            <a:off x="2647" y="2528"/>
-            <a:ext cx="1039064" cy="461366"/>
-          </a:xfrm>
-          <a:prstGeom prst="rect">
-            <a:avLst/>
-          </a:prstGeom>
-          <a:ln w="12700">
-            <a:miter lim="400000"/>
-          </a:ln>
+          <p:nvPr>
+            <p:ph type="sldNum" sz="quarter" idx="4294967295"/>
+          </p:nvPr>
+        </p:nvSpPr>
+        <p:spPr>
+          <a:prstGeom prst="rect">
+            <a:avLst/>
+          </a:prstGeom>
           <a:extLst>
             <a:ext uri="{C572A759-6A51-4108-AA02-DFA0A04FC94B}">
               <ma14:wrappingTextBoxFlag xmlns:ma14="http://schemas.microsoft.com/office/mac/drawingml/2011/main" val="1"/>
@@ -19080,31 +18992,17 @@
           </a:extLst>
         </p:spPr>
         <p:txBody>
-          <a:bodyPr wrap="none" lIns="50800" tIns="50800" rIns="50800" bIns="50800" anchor="ctr">
-            <a:spAutoFit/>
-          </a:bodyPr>
-          <a:lstStyle>
-            <a:lvl1pPr>
-              <a:lnSpc>
-                <a:spcPct val="100000"/>
-              </a:lnSpc>
-              <a:spcBef>
-                <a:spcPts val="0"/>
-              </a:spcBef>
-              <a:defRPr sz="2400"/>
-            </a:lvl1pPr>
-          </a:lstStyle>
-          <a:p>
-            <a:pPr/>
-            <a:r>
-              <a:t>C++98</a:t>
-            </a:r>
+          <a:bodyPr/>
+          <a:lstStyle/>
+          <a:p>
+            <a:pPr/>
+            <a:fld id="{86CB4B4D-7CA3-9044-876B-883B54F8677D}" type="slidenum"/>
           </a:p>
         </p:txBody>
       </p:sp>
       <p:grpSp>
         <p:nvGrpSpPr>
-          <p:cNvPr id="604" name="Group"/>
+          <p:cNvPr id="602" name="Group"/>
           <p:cNvGrpSpPr/>
           <p:nvPr/>
         </p:nvGrpSpPr>
@@ -19118,7 +19016,7 @@
         </p:grpSpPr>
         <p:pic>
           <p:nvPicPr>
-            <p:cNvPr id="600" name="pasted-movie.png" descr="pasted-movie.png"/>
+            <p:cNvPr id="598" name="pasted-movie.png" descr="pasted-movie.png"/>
             <p:cNvPicPr>
               <a:picLocks noChangeAspect="1"/>
             </p:cNvPicPr>
@@ -19149,7 +19047,7 @@
         </p:pic>
         <p:sp>
           <p:nvSpPr>
-            <p:cNvPr id="601" name="Gammasoft"/>
+            <p:cNvPr id="599" name="Gammasoft"/>
             <p:cNvSpPr txBox="1"/>
             <p:nvPr/>
           </p:nvSpPr>
@@ -19188,7 +19086,7 @@
         </p:sp>
         <p:sp>
           <p:nvSpPr>
-            <p:cNvPr id="602" name="Modern C++ Course"/>
+            <p:cNvPr id="600" name="Modern C++ Course"/>
             <p:cNvSpPr txBox="1"/>
             <p:nvPr/>
           </p:nvSpPr>
@@ -19227,7 +19125,530 @@
         </p:sp>
         <p:sp>
           <p:nvSpPr>
-            <p:cNvPr id="603" name="Rectangle"/>
+            <p:cNvPr id="601" name="Rectangle"/>
+            <p:cNvSpPr/>
+            <p:nvPr/>
+          </p:nvSpPr>
+          <p:spPr>
+            <a:xfrm>
+              <a:off x="0" y="0"/>
+              <a:ext cx="24381863" cy="1000421"/>
+            </a:xfrm>
+            <a:prstGeom prst="rect">
+              <a:avLst/>
+            </a:prstGeom>
+            <a:solidFill>
+              <a:srgbClr val="0080FF">
+                <a:alpha val="50561"/>
+              </a:srgbClr>
+            </a:solidFill>
+            <a:ln w="12700" cap="flat">
+              <a:noFill/>
+              <a:miter lim="400000"/>
+            </a:ln>
+            <a:effectLst/>
+          </p:spPr>
+          <p:txBody>
+            <a:bodyPr wrap="square" lIns="50800" tIns="50800" rIns="50800" bIns="50800" numCol="1" anchor="ctr">
+              <a:noAutofit/>
+            </a:bodyPr>
+            <a:lstStyle/>
+            <a:p>
+              <a:pPr algn="ctr" defTabSz="825500">
+                <a:lnSpc>
+                  <a:spcPct val="100000"/>
+                </a:lnSpc>
+                <a:spcBef>
+                  <a:spcPts val="0"/>
+                </a:spcBef>
+                <a:defRPr sz="3200">
+                  <a:solidFill>
+                    <a:srgbClr val="000000"/>
+                  </a:solidFill>
+                  <a:latin typeface="Helvetica Neue Medium"/>
+                  <a:ea typeface="Helvetica Neue Medium"/>
+                  <a:cs typeface="Helvetica Neue Medium"/>
+                  <a:sym typeface="Helvetica Neue Medium"/>
+                </a:defRPr>
+              </a:pPr>
+            </a:p>
+          </p:txBody>
+        </p:sp>
+      </p:grpSp>
+      <p:sp>
+        <p:nvSpPr>
+          <p:cNvPr id="603" name="Objects Oriented Programming (OOP)"/>
+          <p:cNvSpPr txBox="1"/>
+          <p:nvPr>
+            <p:ph type="title" idx="4294967295"/>
+          </p:nvPr>
+        </p:nvSpPr>
+        <p:spPr>
+          <a:xfrm>
+            <a:off x="1206500" y="952500"/>
+            <a:ext cx="18969027" cy="1435100"/>
+          </a:xfrm>
+          <a:prstGeom prst="rect">
+            <a:avLst/>
+          </a:prstGeom>
+        </p:spPr>
+        <p:txBody>
+          <a:bodyPr/>
+          <a:lstStyle/>
+          <a:p>
+            <a:pPr/>
+            <a:r>
+              <a:t>Objects Oriented Programming (OOP) </a:t>
+            </a:r>
+          </a:p>
+        </p:txBody>
+      </p:sp>
+      <p:sp>
+        <p:nvSpPr>
+          <p:cNvPr id="604" name="Objects and classes…"/>
+          <p:cNvSpPr txBox="1"/>
+          <p:nvPr>
+            <p:ph type="body" idx="4294967295"/>
+          </p:nvPr>
+        </p:nvSpPr>
+        <p:spPr>
+          <a:prstGeom prst="rect">
+            <a:avLst/>
+          </a:prstGeom>
+        </p:spPr>
+        <p:txBody>
+          <a:bodyPr numCol="2" spcCol="1098550"/>
+          <a:lstStyle/>
+          <a:p>
+            <a:pPr/>
+            <a:r>
+              <a:t>Objects and classes</a:t>
+            </a:r>
+          </a:p>
+          <a:p>
+            <a:pPr/>
+            <a:r>
+              <a:t>Inheritance</a:t>
+            </a:r>
+          </a:p>
+          <a:p>
+            <a:pPr/>
+            <a:r>
+              <a:t>Constructors / Destructors</a:t>
+            </a:r>
+          </a:p>
+          <a:p>
+            <a:pPr/>
+            <a:r>
+              <a:t>Static members</a:t>
+            </a:r>
+          </a:p>
+          <a:p>
+            <a:pPr/>
+            <a:r>
+              <a:t>Allocating objects</a:t>
+            </a:r>
+          </a:p>
+          <a:p>
+            <a:pPr/>
+            <a:r>
+              <a:t>Advanced Object Oriented</a:t>
+            </a:r>
+          </a:p>
+          <a:p>
+            <a:pPr/>
+            <a:r>
+              <a:t>Type casing</a:t>
+            </a:r>
+          </a:p>
+          <a:p>
+            <a:pPr/>
+            <a:r>
+              <a:t>Operator overloading</a:t>
+            </a:r>
+          </a:p>
+          <a:p>
+            <a:pPr/>
+            <a:r>
+              <a:t>Function objects</a:t>
+            </a:r>
+          </a:p>
+          <a:p>
+            <a:pPr/>
+            <a:r>
+              <a:t>Name Lookups</a:t>
+            </a:r>
+          </a:p>
+        </p:txBody>
+      </p:sp>
+      <p:sp>
+        <p:nvSpPr>
+          <p:cNvPr id="605" name="Rectangle"/>
+          <p:cNvSpPr/>
+          <p:nvPr/>
+        </p:nvSpPr>
+        <p:spPr>
+          <a:xfrm>
+            <a:off x="1229879" y="6637209"/>
+            <a:ext cx="10877146" cy="910672"/>
+          </a:xfrm>
+          <a:prstGeom prst="rect">
+            <a:avLst/>
+          </a:prstGeom>
+          <a:solidFill>
+            <a:srgbClr val="0080FF">
+              <a:alpha val="44038"/>
+            </a:srgbClr>
+          </a:solidFill>
+          <a:ln w="12700">
+            <a:miter lim="400000"/>
+          </a:ln>
+        </p:spPr>
+        <p:txBody>
+          <a:bodyPr lIns="50800" tIns="50800" rIns="50800" bIns="50800" anchor="ctr"/>
+          <a:lstStyle/>
+          <a:p>
+            <a:pPr algn="ctr" defTabSz="825500">
+              <a:lnSpc>
+                <a:spcPct val="100000"/>
+              </a:lnSpc>
+              <a:spcBef>
+                <a:spcPts val="0"/>
+              </a:spcBef>
+              <a:defRPr sz="3200">
+                <a:solidFill>
+                  <a:srgbClr val="000000"/>
+                </a:solidFill>
+                <a:latin typeface="Helvetica Neue Medium"/>
+                <a:ea typeface="Helvetica Neue Medium"/>
+                <a:cs typeface="Helvetica Neue Medium"/>
+                <a:sym typeface="Helvetica Neue Medium"/>
+              </a:defRPr>
+            </a:pPr>
+          </a:p>
+        </p:txBody>
+      </p:sp>
+    </p:spTree>
+  </p:cSld>
+  <p:clrMapOvr>
+    <a:masterClrMapping/>
+  </p:clrMapOvr>
+  <p:transition xmlns:p14="http://schemas.microsoft.com/office/powerpoint/2010/main" spd="med" advClick="1"/>
+</p:sld>
+</file>
+
+<file path=ppt/slides/slide37.xml><?xml version="1.0" encoding="utf-8"?>
+<p:sld xmlns:a="http://schemas.openxmlformats.org/drawingml/2006/main" xmlns:r="http://schemas.openxmlformats.org/officeDocument/2006/relationships" xmlns:p="http://schemas.openxmlformats.org/presentationml/2006/main" xmlns:m="http://schemas.openxmlformats.org/officeDocument/2006/math" xmlns:a14="http://schemas.microsoft.com/office/drawing/2010/main" showMasterSp="1" showMasterPhAnim="1">
+  <p:cSld>
+    <p:spTree>
+      <p:nvGrpSpPr>
+        <p:cNvPr id="1" name=""/>
+        <p:cNvGrpSpPr/>
+        <p:nvPr/>
+      </p:nvGrpSpPr>
+      <p:grpSpPr>
+        <a:xfrm>
+          <a:off x="0" y="0"/>
+          <a:ext cx="0" cy="0"/>
+          <a:chOff x="0" y="0"/>
+          <a:chExt cx="0" cy="0"/>
+        </a:xfrm>
+      </p:grpSpPr>
+      <p:sp>
+        <p:nvSpPr>
+          <p:cNvPr id="607" name="Slide Title"/>
+          <p:cNvSpPr txBox="1"/>
+          <p:nvPr>
+            <p:ph type="title" idx="4294967295"/>
+          </p:nvPr>
+        </p:nvSpPr>
+        <p:spPr>
+          <a:xfrm>
+            <a:off x="1206500" y="952500"/>
+            <a:ext cx="10477500" cy="1435100"/>
+          </a:xfrm>
+          <a:prstGeom prst="rect">
+            <a:avLst/>
+          </a:prstGeom>
+        </p:spPr>
+        <p:txBody>
+          <a:bodyPr/>
+          <a:lstStyle/>
+          <a:p>
+            <a:pPr/>
+          </a:p>
+        </p:txBody>
+      </p:sp>
+      <p:sp>
+        <p:nvSpPr>
+          <p:cNvPr id="608" name="Slide bullet text"/>
+          <p:cNvSpPr txBox="1"/>
+          <p:nvPr>
+            <p:ph type="body" sz="half" idx="4294967295"/>
+          </p:nvPr>
+        </p:nvSpPr>
+        <p:spPr>
+          <a:xfrm>
+            <a:off x="1206500" y="4248504"/>
+            <a:ext cx="10477500" cy="8256012"/>
+          </a:xfrm>
+          <a:prstGeom prst="rect">
+            <a:avLst/>
+          </a:prstGeom>
+        </p:spPr>
+        <p:txBody>
+          <a:bodyPr/>
+          <a:lstStyle/>
+          <a:p>
+            <a:pPr/>
+          </a:p>
+        </p:txBody>
+      </p:sp>
+      <p:sp>
+        <p:nvSpPr>
+          <p:cNvPr id="609" name="Slide Number"/>
+          <p:cNvSpPr txBox="1"/>
+          <p:nvPr>
+            <p:ph type="sldNum" sz="quarter" idx="4294967295"/>
+          </p:nvPr>
+        </p:nvSpPr>
+        <p:spPr>
+          <a:prstGeom prst="rect">
+            <a:avLst/>
+          </a:prstGeom>
+          <a:extLst>
+            <a:ext uri="{C572A759-6A51-4108-AA02-DFA0A04FC94B}">
+              <ma14:wrappingTextBoxFlag xmlns:ma14="http://schemas.microsoft.com/office/mac/drawingml/2011/main" val="1"/>
+            </a:ext>
+          </a:extLst>
+        </p:spPr>
+        <p:txBody>
+          <a:bodyPr/>
+          <a:lstStyle/>
+          <a:p>
+            <a:pPr/>
+            <a:fld id="{86CB4B4D-7CA3-9044-876B-883B54F8677D}" type="slidenum"/>
+          </a:p>
+        </p:txBody>
+      </p:sp>
+      <p:sp>
+        <p:nvSpPr>
+          <p:cNvPr id="610" name="Object Oriented Programming | Constructors / Destructors"/>
+          <p:cNvSpPr txBox="1"/>
+          <p:nvPr/>
+        </p:nvSpPr>
+        <p:spPr>
+          <a:xfrm>
+            <a:off x="16321874" y="3143"/>
+            <a:ext cx="8068971" cy="461366"/>
+          </a:xfrm>
+          <a:prstGeom prst="rect">
+            <a:avLst/>
+          </a:prstGeom>
+          <a:ln w="12700">
+            <a:miter lim="400000"/>
+          </a:ln>
+          <a:extLst>
+            <a:ext uri="{C572A759-6A51-4108-AA02-DFA0A04FC94B}">
+              <ma14:wrappingTextBoxFlag xmlns:ma14="http://schemas.microsoft.com/office/mac/drawingml/2011/main" val="1"/>
+            </a:ext>
+          </a:extLst>
+        </p:spPr>
+        <p:txBody>
+          <a:bodyPr wrap="none" lIns="50800" tIns="50800" rIns="50800" bIns="50800" anchor="ctr">
+            <a:spAutoFit/>
+          </a:bodyPr>
+          <a:lstStyle>
+            <a:lvl1pPr algn="r">
+              <a:lnSpc>
+                <a:spcPct val="100000"/>
+              </a:lnSpc>
+              <a:spcBef>
+                <a:spcPts val="0"/>
+              </a:spcBef>
+              <a:defRPr sz="2400"/>
+            </a:lvl1pPr>
+          </a:lstStyle>
+          <a:p>
+            <a:pPr/>
+            <a:r>
+              <a:t>Object Oriented Programming | Constructors / Destructors</a:t>
+            </a:r>
+          </a:p>
+        </p:txBody>
+      </p:sp>
+      <p:sp>
+        <p:nvSpPr>
+          <p:cNvPr id="611" name="C++98"/>
+          <p:cNvSpPr txBox="1"/>
+          <p:nvPr/>
+        </p:nvSpPr>
+        <p:spPr>
+          <a:xfrm>
+            <a:off x="2647" y="2528"/>
+            <a:ext cx="1039064" cy="461366"/>
+          </a:xfrm>
+          <a:prstGeom prst="rect">
+            <a:avLst/>
+          </a:prstGeom>
+          <a:ln w="12700">
+            <a:miter lim="400000"/>
+          </a:ln>
+          <a:extLst>
+            <a:ext uri="{C572A759-6A51-4108-AA02-DFA0A04FC94B}">
+              <ma14:wrappingTextBoxFlag xmlns:ma14="http://schemas.microsoft.com/office/mac/drawingml/2011/main" val="1"/>
+            </a:ext>
+          </a:extLst>
+        </p:spPr>
+        <p:txBody>
+          <a:bodyPr wrap="none" lIns="50800" tIns="50800" rIns="50800" bIns="50800" anchor="ctr">
+            <a:spAutoFit/>
+          </a:bodyPr>
+          <a:lstStyle>
+            <a:lvl1pPr>
+              <a:lnSpc>
+                <a:spcPct val="100000"/>
+              </a:lnSpc>
+              <a:spcBef>
+                <a:spcPts val="0"/>
+              </a:spcBef>
+              <a:defRPr sz="2400"/>
+            </a:lvl1pPr>
+          </a:lstStyle>
+          <a:p>
+            <a:pPr/>
+            <a:r>
+              <a:t>C++98</a:t>
+            </a:r>
+          </a:p>
+        </p:txBody>
+      </p:sp>
+      <p:grpSp>
+        <p:nvGrpSpPr>
+          <p:cNvPr id="616" name="Group"/>
+          <p:cNvGrpSpPr/>
+          <p:nvPr/>
+        </p:nvGrpSpPr>
+        <p:grpSpPr>
+          <a:xfrm>
+            <a:off x="1068" y="12709669"/>
+            <a:ext cx="24381864" cy="1000421"/>
+            <a:chOff x="0" y="0"/>
+            <a:chExt cx="24381862" cy="1000420"/>
+          </a:xfrm>
+        </p:grpSpPr>
+        <p:pic>
+          <p:nvPicPr>
+            <p:cNvPr id="612" name="pasted-movie.png" descr="pasted-movie.png"/>
+            <p:cNvPicPr>
+              <a:picLocks noChangeAspect="1"/>
+            </p:cNvPicPr>
+            <p:nvPr/>
+          </p:nvPicPr>
+          <p:blipFill>
+            <a:blip r:embed="rId2">
+              <a:extLst/>
+            </a:blip>
+            <a:stretch>
+              <a:fillRect/>
+            </a:stretch>
+          </p:blipFill>
+          <p:spPr>
+            <a:xfrm>
+              <a:off x="550774" y="93809"/>
+              <a:ext cx="812801" cy="812801"/>
+            </a:xfrm>
+            <a:prstGeom prst="rect">
+              <a:avLst/>
+            </a:prstGeom>
+            <a:ln w="12700" cap="flat">
+              <a:noFill/>
+              <a:miter lim="400000"/>
+            </a:ln>
+            <a:effectLst/>
+          </p:spPr>
+        </p:pic>
+        <p:sp>
+          <p:nvSpPr>
+            <p:cNvPr id="613" name="Gammasoft"/>
+            <p:cNvSpPr txBox="1"/>
+            <p:nvPr/>
+          </p:nvSpPr>
+          <p:spPr>
+            <a:xfrm>
+              <a:off x="1547842" y="95994"/>
+              <a:ext cx="3298851" cy="808432"/>
+            </a:xfrm>
+            <a:prstGeom prst="rect">
+              <a:avLst/>
+            </a:prstGeom>
+            <a:noFill/>
+            <a:ln w="12700" cap="flat">
+              <a:noFill/>
+              <a:miter lim="400000"/>
+            </a:ln>
+            <a:effectLst/>
+            <a:extLst>
+              <a:ext uri="{C572A759-6A51-4108-AA02-DFA0A04FC94B}">
+                <ma14:wrappingTextBoxFlag xmlns:ma14="http://schemas.microsoft.com/office/mac/drawingml/2011/main" val="1"/>
+              </a:ext>
+            </a:extLst>
+          </p:spPr>
+          <p:txBody>
+            <a:bodyPr wrap="none" lIns="50800" tIns="50800" rIns="50800" bIns="50800" numCol="1" anchor="ctr">
+              <a:spAutoFit/>
+            </a:bodyPr>
+            <a:lstStyle/>
+            <a:p>
+              <a:pPr/>
+              <a:r>
+                <a:t>Gammasoft</a:t>
+              </a:r>
+            </a:p>
+          </p:txBody>
+        </p:sp>
+        <p:sp>
+          <p:nvSpPr>
+            <p:cNvPr id="614" name="Modern C++ Course"/>
+            <p:cNvSpPr txBox="1"/>
+            <p:nvPr/>
+          </p:nvSpPr>
+          <p:spPr>
+            <a:xfrm>
+              <a:off x="18055790" y="95994"/>
+              <a:ext cx="5711649" cy="808432"/>
+            </a:xfrm>
+            <a:prstGeom prst="rect">
+              <a:avLst/>
+            </a:prstGeom>
+            <a:noFill/>
+            <a:ln w="12700" cap="flat">
+              <a:noFill/>
+              <a:miter lim="400000"/>
+            </a:ln>
+            <a:effectLst/>
+            <a:extLst>
+              <a:ext uri="{C572A759-6A51-4108-AA02-DFA0A04FC94B}">
+                <ma14:wrappingTextBoxFlag xmlns:ma14="http://schemas.microsoft.com/office/mac/drawingml/2011/main" val="1"/>
+              </a:ext>
+            </a:extLst>
+          </p:spPr>
+          <p:txBody>
+            <a:bodyPr wrap="none" lIns="50800" tIns="50800" rIns="50800" bIns="50800" numCol="1" anchor="ctr">
+              <a:spAutoFit/>
+            </a:bodyPr>
+            <a:lstStyle/>
+            <a:p>
+              <a:pPr/>
+              <a:r>
+                <a:t>Modern C++ Course</a:t>
+              </a:r>
+            </a:p>
+          </p:txBody>
+        </p:sp>
+        <p:sp>
+          <p:nvSpPr>
+            <p:cNvPr id="615" name="Rectangle"/>
             <p:cNvSpPr/>
             <p:nvPr/>
           </p:nvSpPr>
@@ -19286,7 +19707,7 @@
 </p:sld>
 </file>
 
-<file path=ppt/slides/slide37.xml><?xml version="1.0" encoding="utf-8"?>
+<file path=ppt/slides/slide38.xml><?xml version="1.0" encoding="utf-8"?>
 <p:sld xmlns:a="http://schemas.openxmlformats.org/drawingml/2006/main" xmlns:r="http://schemas.openxmlformats.org/officeDocument/2006/relationships" xmlns:p="http://schemas.openxmlformats.org/presentationml/2006/main" xmlns:m="http://schemas.openxmlformats.org/officeDocument/2006/math" xmlns:a14="http://schemas.microsoft.com/office/drawing/2010/main" showMasterSp="1" showMasterPhAnim="1">
   <p:cSld>
     <p:spTree>
@@ -19305,7 +19726,7 @@
       </p:grpSpPr>
       <p:sp>
         <p:nvSpPr>
-          <p:cNvPr id="606" name="Objects Oriented Programming"/>
+          <p:cNvPr id="618" name="Objects Oriented Programming"/>
           <p:cNvSpPr txBox="1"/>
           <p:nvPr/>
         </p:nvSpPr>
@@ -19351,7 +19772,7 @@
       </p:sp>
       <p:sp>
         <p:nvSpPr>
-          <p:cNvPr id="607" name="Slide Number"/>
+          <p:cNvPr id="619" name="Slide Number"/>
           <p:cNvSpPr txBox="1"/>
           <p:nvPr>
             <p:ph type="sldNum" sz="quarter" idx="4294967295"/>
@@ -19378,7 +19799,7 @@
       </p:sp>
       <p:grpSp>
         <p:nvGrpSpPr>
-          <p:cNvPr id="612" name="Group"/>
+          <p:cNvPr id="624" name="Group"/>
           <p:cNvGrpSpPr/>
           <p:nvPr/>
         </p:nvGrpSpPr>
@@ -19392,7 +19813,7 @@
         </p:grpSpPr>
         <p:pic>
           <p:nvPicPr>
-            <p:cNvPr id="608" name="pasted-movie.png" descr="pasted-movie.png"/>
+            <p:cNvPr id="620" name="pasted-movie.png" descr="pasted-movie.png"/>
             <p:cNvPicPr>
               <a:picLocks noChangeAspect="1"/>
             </p:cNvPicPr>
@@ -19423,7 +19844,7 @@
         </p:pic>
         <p:sp>
           <p:nvSpPr>
-            <p:cNvPr id="609" name="Gammasoft"/>
+            <p:cNvPr id="621" name="Gammasoft"/>
             <p:cNvSpPr txBox="1"/>
             <p:nvPr/>
           </p:nvSpPr>
@@ -19462,7 +19883,7 @@
         </p:sp>
         <p:sp>
           <p:nvSpPr>
-            <p:cNvPr id="610" name="Modern C++ Course"/>
+            <p:cNvPr id="622" name="Modern C++ Course"/>
             <p:cNvSpPr txBox="1"/>
             <p:nvPr/>
           </p:nvSpPr>
@@ -19501,7 +19922,7 @@
         </p:sp>
         <p:sp>
           <p:nvSpPr>
-            <p:cNvPr id="611" name="Rectangle"/>
+            <p:cNvPr id="623" name="Rectangle"/>
             <p:cNvSpPr/>
             <p:nvPr/>
           </p:nvSpPr>
@@ -19553,7 +19974,7 @@
       </p:grpSp>
       <p:sp>
         <p:nvSpPr>
-          <p:cNvPr id="613" name="Objects Oriented Programming (OOP)"/>
+          <p:cNvPr id="625" name="Objects Oriented Programming (OOP)"/>
           <p:cNvSpPr txBox="1"/>
           <p:nvPr>
             <p:ph type="title" idx="4294967295"/>
@@ -19581,7 +20002,7 @@
       </p:sp>
       <p:sp>
         <p:nvSpPr>
-          <p:cNvPr id="614" name="Objects and classes…"/>
+          <p:cNvPr id="626" name="Objects and classes…"/>
           <p:cNvSpPr txBox="1"/>
           <p:nvPr>
             <p:ph type="body" idx="4294967295"/>
@@ -19659,7 +20080,7 @@
       </p:sp>
       <p:sp>
         <p:nvSpPr>
-          <p:cNvPr id="615" name="Rectangle"/>
+          <p:cNvPr id="627" name="Rectangle"/>
           <p:cNvSpPr/>
           <p:nvPr/>
         </p:nvSpPr>
@@ -19713,7 +20134,7 @@
 </p:sld>
 </file>
 
-<file path=ppt/slides/slide38.xml><?xml version="1.0" encoding="utf-8"?>
+<file path=ppt/slides/slide39.xml><?xml version="1.0" encoding="utf-8"?>
 <p:sld xmlns:a="http://schemas.openxmlformats.org/drawingml/2006/main" xmlns:r="http://schemas.openxmlformats.org/officeDocument/2006/relationships" xmlns:p="http://schemas.openxmlformats.org/presentationml/2006/main" xmlns:m="http://schemas.openxmlformats.org/officeDocument/2006/math" xmlns:a14="http://schemas.microsoft.com/office/drawing/2010/main" showMasterSp="1" showMasterPhAnim="1">
   <p:cSld>
     <p:spTree>
@@ -19732,7 +20153,7 @@
       </p:grpSpPr>
       <p:sp>
         <p:nvSpPr>
-          <p:cNvPr id="617" name="Objects Oriented Programming"/>
+          <p:cNvPr id="629" name="Objects Oriented Programming"/>
           <p:cNvSpPr txBox="1"/>
           <p:nvPr/>
         </p:nvSpPr>
@@ -19778,7 +20199,7 @@
       </p:sp>
       <p:sp>
         <p:nvSpPr>
-          <p:cNvPr id="618" name="Slide Number"/>
+          <p:cNvPr id="630" name="Slide Number"/>
           <p:cNvSpPr txBox="1"/>
           <p:nvPr>
             <p:ph type="sldNum" sz="quarter" idx="4294967295"/>
@@ -19805,7 +20226,7 @@
       </p:sp>
       <p:grpSp>
         <p:nvGrpSpPr>
-          <p:cNvPr id="623" name="Group"/>
+          <p:cNvPr id="635" name="Group"/>
           <p:cNvGrpSpPr/>
           <p:nvPr/>
         </p:nvGrpSpPr>
@@ -19819,7 +20240,7 @@
         </p:grpSpPr>
         <p:pic>
           <p:nvPicPr>
-            <p:cNvPr id="619" name="pasted-movie.png" descr="pasted-movie.png"/>
+            <p:cNvPr id="631" name="pasted-movie.png" descr="pasted-movie.png"/>
             <p:cNvPicPr>
               <a:picLocks noChangeAspect="1"/>
             </p:cNvPicPr>
@@ -19850,7 +20271,7 @@
         </p:pic>
         <p:sp>
           <p:nvSpPr>
-            <p:cNvPr id="620" name="Gammasoft"/>
+            <p:cNvPr id="632" name="Gammasoft"/>
             <p:cNvSpPr txBox="1"/>
             <p:nvPr/>
           </p:nvSpPr>
@@ -19889,7 +20310,7 @@
         </p:sp>
         <p:sp>
           <p:nvSpPr>
-            <p:cNvPr id="621" name="Modern C++ Course"/>
+            <p:cNvPr id="633" name="Modern C++ Course"/>
             <p:cNvSpPr txBox="1"/>
             <p:nvPr/>
           </p:nvSpPr>
@@ -19928,7 +20349,7 @@
         </p:sp>
         <p:sp>
           <p:nvSpPr>
-            <p:cNvPr id="622" name="Rectangle"/>
+            <p:cNvPr id="634" name="Rectangle"/>
             <p:cNvSpPr/>
             <p:nvPr/>
           </p:nvSpPr>
@@ -19980,7 +20401,7 @@
       </p:grpSp>
       <p:sp>
         <p:nvSpPr>
-          <p:cNvPr id="624" name="Objects Oriented Programming (OOP)"/>
+          <p:cNvPr id="636" name="Objects Oriented Programming (OOP)"/>
           <p:cNvSpPr txBox="1"/>
           <p:nvPr>
             <p:ph type="title" idx="4294967295"/>
@@ -20008,7 +20429,7 @@
       </p:sp>
       <p:sp>
         <p:nvSpPr>
-          <p:cNvPr id="625" name="Objects and classes…"/>
+          <p:cNvPr id="637" name="Objects and classes…"/>
           <p:cNvSpPr txBox="1"/>
           <p:nvPr>
             <p:ph type="body" idx="4294967295"/>
@@ -20086,7 +20507,7 @@
       </p:sp>
       <p:sp>
         <p:nvSpPr>
-          <p:cNvPr id="626" name="Rectangle"/>
+          <p:cNvPr id="638" name="Rectangle"/>
           <p:cNvSpPr/>
           <p:nvPr/>
         </p:nvSpPr>
@@ -20131,376 +20552,6 @@
           </a:p>
         </p:txBody>
       </p:sp>
-    </p:spTree>
-  </p:cSld>
-  <p:clrMapOvr>
-    <a:masterClrMapping/>
-  </p:clrMapOvr>
-  <p:transition xmlns:p14="http://schemas.microsoft.com/office/powerpoint/2010/main" spd="med" advClick="1"/>
-</p:sld>
-</file>
-
-<file path=ppt/slides/slide39.xml><?xml version="1.0" encoding="utf-8"?>
-<p:sld xmlns:a="http://schemas.openxmlformats.org/drawingml/2006/main" xmlns:r="http://schemas.openxmlformats.org/officeDocument/2006/relationships" xmlns:p="http://schemas.openxmlformats.org/presentationml/2006/main" xmlns:m="http://schemas.openxmlformats.org/officeDocument/2006/math" xmlns:a14="http://schemas.microsoft.com/office/drawing/2010/main" showMasterSp="1" showMasterPhAnim="1">
-  <p:cSld>
-    <p:spTree>
-      <p:nvGrpSpPr>
-        <p:cNvPr id="1" name=""/>
-        <p:cNvGrpSpPr/>
-        <p:nvPr/>
-      </p:nvGrpSpPr>
-      <p:grpSpPr>
-        <a:xfrm>
-          <a:off x="0" y="0"/>
-          <a:ext cx="0" cy="0"/>
-          <a:chOff x="0" y="0"/>
-          <a:chExt cx="0" cy="0"/>
-        </a:xfrm>
-      </p:grpSpPr>
-      <p:sp>
-        <p:nvSpPr>
-          <p:cNvPr id="628" name="Slide Title"/>
-          <p:cNvSpPr txBox="1"/>
-          <p:nvPr>
-            <p:ph type="title" idx="4294967295"/>
-          </p:nvPr>
-        </p:nvSpPr>
-        <p:spPr>
-          <a:xfrm>
-            <a:off x="1206500" y="952500"/>
-            <a:ext cx="10477500" cy="1435100"/>
-          </a:xfrm>
-          <a:prstGeom prst="rect">
-            <a:avLst/>
-          </a:prstGeom>
-        </p:spPr>
-        <p:txBody>
-          <a:bodyPr/>
-          <a:lstStyle/>
-          <a:p>
-            <a:pPr/>
-          </a:p>
-        </p:txBody>
-      </p:sp>
-      <p:sp>
-        <p:nvSpPr>
-          <p:cNvPr id="629" name="Slide bullet text"/>
-          <p:cNvSpPr txBox="1"/>
-          <p:nvPr>
-            <p:ph type="body" sz="half" idx="4294967295"/>
-          </p:nvPr>
-        </p:nvSpPr>
-        <p:spPr>
-          <a:xfrm>
-            <a:off x="1206500" y="4248504"/>
-            <a:ext cx="10477500" cy="8256012"/>
-          </a:xfrm>
-          <a:prstGeom prst="rect">
-            <a:avLst/>
-          </a:prstGeom>
-        </p:spPr>
-        <p:txBody>
-          <a:bodyPr/>
-          <a:lstStyle/>
-          <a:p>
-            <a:pPr/>
-          </a:p>
-        </p:txBody>
-      </p:sp>
-      <p:sp>
-        <p:nvSpPr>
-          <p:cNvPr id="630" name="Slide Number"/>
-          <p:cNvSpPr txBox="1"/>
-          <p:nvPr>
-            <p:ph type="sldNum" sz="quarter" idx="4294967295"/>
-          </p:nvPr>
-        </p:nvSpPr>
-        <p:spPr>
-          <a:prstGeom prst="rect">
-            <a:avLst/>
-          </a:prstGeom>
-          <a:extLst>
-            <a:ext uri="{C572A759-6A51-4108-AA02-DFA0A04FC94B}">
-              <ma14:wrappingTextBoxFlag xmlns:ma14="http://schemas.microsoft.com/office/mac/drawingml/2011/main" val="1"/>
-            </a:ext>
-          </a:extLst>
-        </p:spPr>
-        <p:txBody>
-          <a:bodyPr/>
-          <a:lstStyle/>
-          <a:p>
-            <a:pPr/>
-            <a:fld id="{86CB4B4D-7CA3-9044-876B-883B54F8677D}" type="slidenum"/>
-          </a:p>
-        </p:txBody>
-      </p:sp>
-      <p:sp>
-        <p:nvSpPr>
-          <p:cNvPr id="631" name="Object Oriented Programming | Static members"/>
-          <p:cNvSpPr txBox="1"/>
-          <p:nvPr/>
-        </p:nvSpPr>
-        <p:spPr>
-          <a:xfrm>
-            <a:off x="17800154" y="3143"/>
-            <a:ext cx="6590691" cy="461366"/>
-          </a:xfrm>
-          <a:prstGeom prst="rect">
-            <a:avLst/>
-          </a:prstGeom>
-          <a:ln w="12700">
-            <a:miter lim="400000"/>
-          </a:ln>
-          <a:extLst>
-            <a:ext uri="{C572A759-6A51-4108-AA02-DFA0A04FC94B}">
-              <ma14:wrappingTextBoxFlag xmlns:ma14="http://schemas.microsoft.com/office/mac/drawingml/2011/main" val="1"/>
-            </a:ext>
-          </a:extLst>
-        </p:spPr>
-        <p:txBody>
-          <a:bodyPr wrap="none" lIns="50800" tIns="50800" rIns="50800" bIns="50800" anchor="ctr">
-            <a:spAutoFit/>
-          </a:bodyPr>
-          <a:lstStyle>
-            <a:lvl1pPr algn="r">
-              <a:lnSpc>
-                <a:spcPct val="100000"/>
-              </a:lnSpc>
-              <a:spcBef>
-                <a:spcPts val="0"/>
-              </a:spcBef>
-              <a:defRPr sz="2400"/>
-            </a:lvl1pPr>
-          </a:lstStyle>
-          <a:p>
-            <a:pPr/>
-            <a:r>
-              <a:t>Object Oriented Programming | Static members</a:t>
-            </a:r>
-          </a:p>
-        </p:txBody>
-      </p:sp>
-      <p:sp>
-        <p:nvSpPr>
-          <p:cNvPr id="632" name="C++98"/>
-          <p:cNvSpPr txBox="1"/>
-          <p:nvPr/>
-        </p:nvSpPr>
-        <p:spPr>
-          <a:xfrm>
-            <a:off x="2647" y="2528"/>
-            <a:ext cx="1039064" cy="461366"/>
-          </a:xfrm>
-          <a:prstGeom prst="rect">
-            <a:avLst/>
-          </a:prstGeom>
-          <a:ln w="12700">
-            <a:miter lim="400000"/>
-          </a:ln>
-          <a:extLst>
-            <a:ext uri="{C572A759-6A51-4108-AA02-DFA0A04FC94B}">
-              <ma14:wrappingTextBoxFlag xmlns:ma14="http://schemas.microsoft.com/office/mac/drawingml/2011/main" val="1"/>
-            </a:ext>
-          </a:extLst>
-        </p:spPr>
-        <p:txBody>
-          <a:bodyPr wrap="none" lIns="50800" tIns="50800" rIns="50800" bIns="50800" anchor="ctr">
-            <a:spAutoFit/>
-          </a:bodyPr>
-          <a:lstStyle>
-            <a:lvl1pPr>
-              <a:lnSpc>
-                <a:spcPct val="100000"/>
-              </a:lnSpc>
-              <a:spcBef>
-                <a:spcPts val="0"/>
-              </a:spcBef>
-              <a:defRPr sz="2400"/>
-            </a:lvl1pPr>
-          </a:lstStyle>
-          <a:p>
-            <a:pPr/>
-            <a:r>
-              <a:t>C++98</a:t>
-            </a:r>
-          </a:p>
-        </p:txBody>
-      </p:sp>
-      <p:grpSp>
-        <p:nvGrpSpPr>
-          <p:cNvPr id="637" name="Group"/>
-          <p:cNvGrpSpPr/>
-          <p:nvPr/>
-        </p:nvGrpSpPr>
-        <p:grpSpPr>
-          <a:xfrm>
-            <a:off x="1068" y="12709669"/>
-            <a:ext cx="24381864" cy="1000421"/>
-            <a:chOff x="0" y="0"/>
-            <a:chExt cx="24381862" cy="1000420"/>
-          </a:xfrm>
-        </p:grpSpPr>
-        <p:pic>
-          <p:nvPicPr>
-            <p:cNvPr id="633" name="pasted-movie.png" descr="pasted-movie.png"/>
-            <p:cNvPicPr>
-              <a:picLocks noChangeAspect="1"/>
-            </p:cNvPicPr>
-            <p:nvPr/>
-          </p:nvPicPr>
-          <p:blipFill>
-            <a:blip r:embed="rId2">
-              <a:extLst/>
-            </a:blip>
-            <a:stretch>
-              <a:fillRect/>
-            </a:stretch>
-          </p:blipFill>
-          <p:spPr>
-            <a:xfrm>
-              <a:off x="550774" y="93809"/>
-              <a:ext cx="812801" cy="812801"/>
-            </a:xfrm>
-            <a:prstGeom prst="rect">
-              <a:avLst/>
-            </a:prstGeom>
-            <a:ln w="12700" cap="flat">
-              <a:noFill/>
-              <a:miter lim="400000"/>
-            </a:ln>
-            <a:effectLst/>
-          </p:spPr>
-        </p:pic>
-        <p:sp>
-          <p:nvSpPr>
-            <p:cNvPr id="634" name="Gammasoft"/>
-            <p:cNvSpPr txBox="1"/>
-            <p:nvPr/>
-          </p:nvSpPr>
-          <p:spPr>
-            <a:xfrm>
-              <a:off x="1547842" y="95994"/>
-              <a:ext cx="3298851" cy="808432"/>
-            </a:xfrm>
-            <a:prstGeom prst="rect">
-              <a:avLst/>
-            </a:prstGeom>
-            <a:noFill/>
-            <a:ln w="12700" cap="flat">
-              <a:noFill/>
-              <a:miter lim="400000"/>
-            </a:ln>
-            <a:effectLst/>
-            <a:extLst>
-              <a:ext uri="{C572A759-6A51-4108-AA02-DFA0A04FC94B}">
-                <ma14:wrappingTextBoxFlag xmlns:ma14="http://schemas.microsoft.com/office/mac/drawingml/2011/main" val="1"/>
-              </a:ext>
-            </a:extLst>
-          </p:spPr>
-          <p:txBody>
-            <a:bodyPr wrap="none" lIns="50800" tIns="50800" rIns="50800" bIns="50800" numCol="1" anchor="ctr">
-              <a:spAutoFit/>
-            </a:bodyPr>
-            <a:lstStyle/>
-            <a:p>
-              <a:pPr/>
-              <a:r>
-                <a:t>Gammasoft</a:t>
-              </a:r>
-            </a:p>
-          </p:txBody>
-        </p:sp>
-        <p:sp>
-          <p:nvSpPr>
-            <p:cNvPr id="635" name="Modern C++ Course"/>
-            <p:cNvSpPr txBox="1"/>
-            <p:nvPr/>
-          </p:nvSpPr>
-          <p:spPr>
-            <a:xfrm>
-              <a:off x="18055790" y="95994"/>
-              <a:ext cx="5711649" cy="808432"/>
-            </a:xfrm>
-            <a:prstGeom prst="rect">
-              <a:avLst/>
-            </a:prstGeom>
-            <a:noFill/>
-            <a:ln w="12700" cap="flat">
-              <a:noFill/>
-              <a:miter lim="400000"/>
-            </a:ln>
-            <a:effectLst/>
-            <a:extLst>
-              <a:ext uri="{C572A759-6A51-4108-AA02-DFA0A04FC94B}">
-                <ma14:wrappingTextBoxFlag xmlns:ma14="http://schemas.microsoft.com/office/mac/drawingml/2011/main" val="1"/>
-              </a:ext>
-            </a:extLst>
-          </p:spPr>
-          <p:txBody>
-            <a:bodyPr wrap="none" lIns="50800" tIns="50800" rIns="50800" bIns="50800" numCol="1" anchor="ctr">
-              <a:spAutoFit/>
-            </a:bodyPr>
-            <a:lstStyle/>
-            <a:p>
-              <a:pPr/>
-              <a:r>
-                <a:t>Modern C++ Course</a:t>
-              </a:r>
-            </a:p>
-          </p:txBody>
-        </p:sp>
-        <p:sp>
-          <p:nvSpPr>
-            <p:cNvPr id="636" name="Rectangle"/>
-            <p:cNvSpPr/>
-            <p:nvPr/>
-          </p:nvSpPr>
-          <p:spPr>
-            <a:xfrm>
-              <a:off x="0" y="0"/>
-              <a:ext cx="24381863" cy="1000421"/>
-            </a:xfrm>
-            <a:prstGeom prst="rect">
-              <a:avLst/>
-            </a:prstGeom>
-            <a:solidFill>
-              <a:srgbClr val="0080FF">
-                <a:alpha val="50561"/>
-              </a:srgbClr>
-            </a:solidFill>
-            <a:ln w="12700" cap="flat">
-              <a:noFill/>
-              <a:miter lim="400000"/>
-            </a:ln>
-            <a:effectLst/>
-          </p:spPr>
-          <p:txBody>
-            <a:bodyPr wrap="square" lIns="50800" tIns="50800" rIns="50800" bIns="50800" numCol="1" anchor="ctr">
-              <a:noAutofit/>
-            </a:bodyPr>
-            <a:lstStyle/>
-            <a:p>
-              <a:pPr algn="ctr" defTabSz="825500">
-                <a:lnSpc>
-                  <a:spcPct val="100000"/>
-                </a:lnSpc>
-                <a:spcBef>
-                  <a:spcPts val="0"/>
-                </a:spcBef>
-                <a:defRPr sz="3200">
-                  <a:solidFill>
-                    <a:srgbClr val="000000"/>
-                  </a:solidFill>
-                  <a:latin typeface="Helvetica Neue Medium"/>
-                  <a:ea typeface="Helvetica Neue Medium"/>
-                  <a:cs typeface="Helvetica Neue Medium"/>
-                  <a:sym typeface="Helvetica Neue Medium"/>
-                </a:defRPr>
-              </a:pPr>
-            </a:p>
-          </p:txBody>
-        </p:sp>
-      </p:grpSp>
     </p:spTree>
   </p:cSld>
   <p:clrMapOvr>
@@ -20912,14 +20963,91 @@
       </p:grpSpPr>
       <p:sp>
         <p:nvSpPr>
-          <p:cNvPr id="639" name="Objects Oriented Programming"/>
+          <p:cNvPr id="640" name="Slide Title"/>
+          <p:cNvSpPr txBox="1"/>
+          <p:nvPr>
+            <p:ph type="title" idx="4294967295"/>
+          </p:nvPr>
+        </p:nvSpPr>
+        <p:spPr>
+          <a:xfrm>
+            <a:off x="1206500" y="952500"/>
+            <a:ext cx="10477500" cy="1435100"/>
+          </a:xfrm>
+          <a:prstGeom prst="rect">
+            <a:avLst/>
+          </a:prstGeom>
+        </p:spPr>
+        <p:txBody>
+          <a:bodyPr/>
+          <a:lstStyle/>
+          <a:p>
+            <a:pPr/>
+          </a:p>
+        </p:txBody>
+      </p:sp>
+      <p:sp>
+        <p:nvSpPr>
+          <p:cNvPr id="641" name="Slide bullet text"/>
+          <p:cNvSpPr txBox="1"/>
+          <p:nvPr>
+            <p:ph type="body" sz="half" idx="4294967295"/>
+          </p:nvPr>
+        </p:nvSpPr>
+        <p:spPr>
+          <a:xfrm>
+            <a:off x="1206500" y="4248504"/>
+            <a:ext cx="10477500" cy="8256012"/>
+          </a:xfrm>
+          <a:prstGeom prst="rect">
+            <a:avLst/>
+          </a:prstGeom>
+        </p:spPr>
+        <p:txBody>
+          <a:bodyPr/>
+          <a:lstStyle/>
+          <a:p>
+            <a:pPr/>
+          </a:p>
+        </p:txBody>
+      </p:sp>
+      <p:sp>
+        <p:nvSpPr>
+          <p:cNvPr id="642" name="Slide Number"/>
+          <p:cNvSpPr txBox="1"/>
+          <p:nvPr>
+            <p:ph type="sldNum" sz="quarter" idx="4294967295"/>
+          </p:nvPr>
+        </p:nvSpPr>
+        <p:spPr>
+          <a:prstGeom prst="rect">
+            <a:avLst/>
+          </a:prstGeom>
+          <a:extLst>
+            <a:ext uri="{C572A759-6A51-4108-AA02-DFA0A04FC94B}">
+              <ma14:wrappingTextBoxFlag xmlns:ma14="http://schemas.microsoft.com/office/mac/drawingml/2011/main" val="1"/>
+            </a:ext>
+          </a:extLst>
+        </p:spPr>
+        <p:txBody>
+          <a:bodyPr/>
+          <a:lstStyle/>
+          <a:p>
+            <a:pPr/>
+            <a:fld id="{86CB4B4D-7CA3-9044-876B-883B54F8677D}" type="slidenum"/>
+          </a:p>
+        </p:txBody>
+      </p:sp>
+      <p:sp>
+        <p:nvSpPr>
+          <p:cNvPr id="643" name="Object Oriented Programming | Static members"/>
           <p:cNvSpPr txBox="1"/>
           <p:nvPr/>
         </p:nvSpPr>
         <p:spPr>
           <a:xfrm>
-            <a:off x="20036166" y="3143"/>
-            <a:ext cx="4354679" cy="461366"/>
+            <a:off x="17800154" y="3143"/>
+            <a:ext cx="6590691" cy="461366"/>
           </a:xfrm>
           <a:prstGeom prst="rect">
             <a:avLst/>
@@ -20951,23 +21079,28 @@
           <a:p>
             <a:pPr/>
             <a:r>
-              <a:t>Objects Oriented Programming</a:t>
-            </a:r>
-          </a:p>
-        </p:txBody>
-      </p:sp>
-      <p:sp>
-        <p:nvSpPr>
-          <p:cNvPr id="640" name="Slide Number"/>
+              <a:t>Object Oriented Programming | Static members</a:t>
+            </a:r>
+          </a:p>
+        </p:txBody>
+      </p:sp>
+      <p:sp>
+        <p:nvSpPr>
+          <p:cNvPr id="644" name="C++98"/>
           <p:cNvSpPr txBox="1"/>
-          <p:nvPr>
-            <p:ph type="sldNum" sz="quarter" idx="4294967295"/>
-          </p:nvPr>
-        </p:nvSpPr>
-        <p:spPr>
-          <a:prstGeom prst="rect">
-            <a:avLst/>
-          </a:prstGeom>
+          <p:nvPr/>
+        </p:nvSpPr>
+        <p:spPr>
+          <a:xfrm>
+            <a:off x="2647" y="2528"/>
+            <a:ext cx="1039064" cy="461366"/>
+          </a:xfrm>
+          <a:prstGeom prst="rect">
+            <a:avLst/>
+          </a:prstGeom>
+          <a:ln w="12700">
+            <a:miter lim="400000"/>
+          </a:ln>
           <a:extLst>
             <a:ext uri="{C572A759-6A51-4108-AA02-DFA0A04FC94B}">
               <ma14:wrappingTextBoxFlag xmlns:ma14="http://schemas.microsoft.com/office/mac/drawingml/2011/main" val="1"/>
@@ -20975,17 +21108,31 @@
           </a:extLst>
         </p:spPr>
         <p:txBody>
-          <a:bodyPr/>
-          <a:lstStyle/>
-          <a:p>
-            <a:pPr/>
-            <a:fld id="{86CB4B4D-7CA3-9044-876B-883B54F8677D}" type="slidenum"/>
+          <a:bodyPr wrap="none" lIns="50800" tIns="50800" rIns="50800" bIns="50800" anchor="ctr">
+            <a:spAutoFit/>
+          </a:bodyPr>
+          <a:lstStyle>
+            <a:lvl1pPr>
+              <a:lnSpc>
+                <a:spcPct val="100000"/>
+              </a:lnSpc>
+              <a:spcBef>
+                <a:spcPts val="0"/>
+              </a:spcBef>
+              <a:defRPr sz="2400"/>
+            </a:lvl1pPr>
+          </a:lstStyle>
+          <a:p>
+            <a:pPr/>
+            <a:r>
+              <a:t>C++98</a:t>
+            </a:r>
           </a:p>
         </p:txBody>
       </p:sp>
       <p:grpSp>
         <p:nvGrpSpPr>
-          <p:cNvPr id="645" name="Group"/>
+          <p:cNvPr id="649" name="Group"/>
           <p:cNvGrpSpPr/>
           <p:nvPr/>
         </p:nvGrpSpPr>
@@ -20999,7 +21146,7 @@
         </p:grpSpPr>
         <p:pic>
           <p:nvPicPr>
-            <p:cNvPr id="641" name="pasted-movie.png" descr="pasted-movie.png"/>
+            <p:cNvPr id="645" name="pasted-movie.png" descr="pasted-movie.png"/>
             <p:cNvPicPr>
               <a:picLocks noChangeAspect="1"/>
             </p:cNvPicPr>
@@ -21030,7 +21177,7 @@
         </p:pic>
         <p:sp>
           <p:nvSpPr>
-            <p:cNvPr id="642" name="Gammasoft"/>
+            <p:cNvPr id="646" name="Gammasoft"/>
             <p:cNvSpPr txBox="1"/>
             <p:nvPr/>
           </p:nvSpPr>
@@ -21069,7 +21216,7 @@
         </p:sp>
         <p:sp>
           <p:nvSpPr>
-            <p:cNvPr id="643" name="Modern C++ Course"/>
+            <p:cNvPr id="647" name="Modern C++ Course"/>
             <p:cNvSpPr txBox="1"/>
             <p:nvPr/>
           </p:nvSpPr>
@@ -21108,957 +21255,7 @@
         </p:sp>
         <p:sp>
           <p:nvSpPr>
-            <p:cNvPr id="644" name="Rectangle"/>
-            <p:cNvSpPr/>
-            <p:nvPr/>
-          </p:nvSpPr>
-          <p:spPr>
-            <a:xfrm>
-              <a:off x="0" y="0"/>
-              <a:ext cx="24381863" cy="1000421"/>
-            </a:xfrm>
-            <a:prstGeom prst="rect">
-              <a:avLst/>
-            </a:prstGeom>
-            <a:solidFill>
-              <a:srgbClr val="0080FF">
-                <a:alpha val="50561"/>
-              </a:srgbClr>
-            </a:solidFill>
-            <a:ln w="12700" cap="flat">
-              <a:noFill/>
-              <a:miter lim="400000"/>
-            </a:ln>
-            <a:effectLst/>
-          </p:spPr>
-          <p:txBody>
-            <a:bodyPr wrap="square" lIns="50800" tIns="50800" rIns="50800" bIns="50800" numCol="1" anchor="ctr">
-              <a:noAutofit/>
-            </a:bodyPr>
-            <a:lstStyle/>
-            <a:p>
-              <a:pPr algn="ctr" defTabSz="825500">
-                <a:lnSpc>
-                  <a:spcPct val="100000"/>
-                </a:lnSpc>
-                <a:spcBef>
-                  <a:spcPts val="0"/>
-                </a:spcBef>
-                <a:defRPr sz="3200">
-                  <a:solidFill>
-                    <a:srgbClr val="000000"/>
-                  </a:solidFill>
-                  <a:latin typeface="Helvetica Neue Medium"/>
-                  <a:ea typeface="Helvetica Neue Medium"/>
-                  <a:cs typeface="Helvetica Neue Medium"/>
-                  <a:sym typeface="Helvetica Neue Medium"/>
-                </a:defRPr>
-              </a:pPr>
-            </a:p>
-          </p:txBody>
-        </p:sp>
-      </p:grpSp>
-      <p:sp>
-        <p:nvSpPr>
-          <p:cNvPr id="646" name="Objects Oriented Programming (OOP)"/>
-          <p:cNvSpPr txBox="1"/>
-          <p:nvPr>
-            <p:ph type="title" idx="4294967295"/>
-          </p:nvPr>
-        </p:nvSpPr>
-        <p:spPr>
-          <a:xfrm>
-            <a:off x="1206500" y="952500"/>
-            <a:ext cx="18969027" cy="1435100"/>
-          </a:xfrm>
-          <a:prstGeom prst="rect">
-            <a:avLst/>
-          </a:prstGeom>
-        </p:spPr>
-        <p:txBody>
-          <a:bodyPr/>
-          <a:lstStyle/>
-          <a:p>
-            <a:pPr/>
-            <a:r>
-              <a:t>Objects Oriented Programming (OOP) </a:t>
-            </a:r>
-          </a:p>
-        </p:txBody>
-      </p:sp>
-      <p:sp>
-        <p:nvSpPr>
-          <p:cNvPr id="647" name="Objects and classes…"/>
-          <p:cNvSpPr txBox="1"/>
-          <p:nvPr>
-            <p:ph type="body" idx="4294967295"/>
-          </p:nvPr>
-        </p:nvSpPr>
-        <p:spPr>
-          <a:prstGeom prst="rect">
-            <a:avLst/>
-          </a:prstGeom>
-        </p:spPr>
-        <p:txBody>
-          <a:bodyPr numCol="2" spcCol="1098550"/>
-          <a:lstStyle/>
-          <a:p>
-            <a:pPr/>
-            <a:r>
-              <a:t>Objects and classes</a:t>
-            </a:r>
-          </a:p>
-          <a:p>
-            <a:pPr/>
-            <a:r>
-              <a:t>Inheritance</a:t>
-            </a:r>
-          </a:p>
-          <a:p>
-            <a:pPr/>
-            <a:r>
-              <a:t>Constructors / Destructors</a:t>
-            </a:r>
-          </a:p>
-          <a:p>
-            <a:pPr/>
-            <a:r>
-              <a:t>Static members</a:t>
-            </a:r>
-          </a:p>
-          <a:p>
-            <a:pPr/>
-            <a:r>
-              <a:t>Allocating objects</a:t>
-            </a:r>
-          </a:p>
-          <a:p>
-            <a:pPr/>
-            <a:r>
-              <a:t>Advanced Object Oriented</a:t>
-            </a:r>
-          </a:p>
-          <a:p>
-            <a:pPr/>
-            <a:r>
-              <a:t>Type casing</a:t>
-            </a:r>
-          </a:p>
-          <a:p>
-            <a:pPr/>
-            <a:r>
-              <a:t>Operator overloading</a:t>
-            </a:r>
-          </a:p>
-          <a:p>
-            <a:pPr/>
-            <a:r>
-              <a:t>Function objects</a:t>
-            </a:r>
-          </a:p>
-          <a:p>
-            <a:pPr/>
-            <a:r>
-              <a:t>Name Lookups</a:t>
-            </a:r>
-          </a:p>
-        </p:txBody>
-      </p:sp>
-      <p:sp>
-        <p:nvSpPr>
-          <p:cNvPr id="648" name="Rectangle"/>
-          <p:cNvSpPr/>
-          <p:nvPr/>
-        </p:nvSpPr>
-        <p:spPr>
-          <a:xfrm>
-            <a:off x="1229879" y="7881808"/>
-            <a:ext cx="10877146" cy="910672"/>
-          </a:xfrm>
-          <a:prstGeom prst="rect">
-            <a:avLst/>
-          </a:prstGeom>
-          <a:solidFill>
-            <a:srgbClr val="0080FF">
-              <a:alpha val="44038"/>
-            </a:srgbClr>
-          </a:solidFill>
-          <a:ln w="12700">
-            <a:miter lim="400000"/>
-          </a:ln>
-        </p:spPr>
-        <p:txBody>
-          <a:bodyPr lIns="50800" tIns="50800" rIns="50800" bIns="50800" anchor="ctr"/>
-          <a:lstStyle/>
-          <a:p>
-            <a:pPr algn="ctr" defTabSz="825500">
-              <a:lnSpc>
-                <a:spcPct val="100000"/>
-              </a:lnSpc>
-              <a:spcBef>
-                <a:spcPts val="0"/>
-              </a:spcBef>
-              <a:defRPr sz="3200">
-                <a:solidFill>
-                  <a:srgbClr val="000000"/>
-                </a:solidFill>
-                <a:latin typeface="Helvetica Neue Medium"/>
-                <a:ea typeface="Helvetica Neue Medium"/>
-                <a:cs typeface="Helvetica Neue Medium"/>
-                <a:sym typeface="Helvetica Neue Medium"/>
-              </a:defRPr>
-            </a:pPr>
-          </a:p>
-        </p:txBody>
-      </p:sp>
-    </p:spTree>
-  </p:cSld>
-  <p:clrMapOvr>
-    <a:masterClrMapping/>
-  </p:clrMapOvr>
-  <p:transition xmlns:p14="http://schemas.microsoft.com/office/powerpoint/2010/main" spd="med" advClick="1"/>
-</p:sld>
-</file>
-
-<file path=ppt/slides/slide41.xml><?xml version="1.0" encoding="utf-8"?>
-<p:sld xmlns:a="http://schemas.openxmlformats.org/drawingml/2006/main" xmlns:r="http://schemas.openxmlformats.org/officeDocument/2006/relationships" xmlns:p="http://schemas.openxmlformats.org/presentationml/2006/main" xmlns:m="http://schemas.openxmlformats.org/officeDocument/2006/math" xmlns:a14="http://schemas.microsoft.com/office/drawing/2010/main" showMasterSp="1" showMasterPhAnim="1">
-  <p:cSld>
-    <p:spTree>
-      <p:nvGrpSpPr>
-        <p:cNvPr id="1" name=""/>
-        <p:cNvGrpSpPr/>
-        <p:nvPr/>
-      </p:nvGrpSpPr>
-      <p:grpSpPr>
-        <a:xfrm>
-          <a:off x="0" y="0"/>
-          <a:ext cx="0" cy="0"/>
-          <a:chOff x="0" y="0"/>
-          <a:chExt cx="0" cy="0"/>
-        </a:xfrm>
-      </p:grpSpPr>
-      <p:sp>
-        <p:nvSpPr>
-          <p:cNvPr id="650" name="Objects Oriented Programming"/>
-          <p:cNvSpPr txBox="1"/>
-          <p:nvPr/>
-        </p:nvSpPr>
-        <p:spPr>
-          <a:xfrm>
-            <a:off x="20036166" y="3143"/>
-            <a:ext cx="4354679" cy="461366"/>
-          </a:xfrm>
-          <a:prstGeom prst="rect">
-            <a:avLst/>
-          </a:prstGeom>
-          <a:ln w="12700">
-            <a:miter lim="400000"/>
-          </a:ln>
-          <a:extLst>
-            <a:ext uri="{C572A759-6A51-4108-AA02-DFA0A04FC94B}">
-              <ma14:wrappingTextBoxFlag xmlns:ma14="http://schemas.microsoft.com/office/mac/drawingml/2011/main" val="1"/>
-            </a:ext>
-          </a:extLst>
-        </p:spPr>
-        <p:txBody>
-          <a:bodyPr wrap="none" lIns="50800" tIns="50800" rIns="50800" bIns="50800" anchor="ctr">
-            <a:spAutoFit/>
-          </a:bodyPr>
-          <a:lstStyle>
-            <a:lvl1pPr algn="r">
-              <a:lnSpc>
-                <a:spcPct val="100000"/>
-              </a:lnSpc>
-              <a:spcBef>
-                <a:spcPts val="0"/>
-              </a:spcBef>
-              <a:defRPr sz="2400"/>
-            </a:lvl1pPr>
-          </a:lstStyle>
-          <a:p>
-            <a:pPr/>
-            <a:r>
-              <a:t>Objects Oriented Programming</a:t>
-            </a:r>
-          </a:p>
-        </p:txBody>
-      </p:sp>
-      <p:sp>
-        <p:nvSpPr>
-          <p:cNvPr id="651" name="Slide Number"/>
-          <p:cNvSpPr txBox="1"/>
-          <p:nvPr>
-            <p:ph type="sldNum" sz="quarter" idx="4294967295"/>
-          </p:nvPr>
-        </p:nvSpPr>
-        <p:spPr>
-          <a:prstGeom prst="rect">
-            <a:avLst/>
-          </a:prstGeom>
-          <a:extLst>
-            <a:ext uri="{C572A759-6A51-4108-AA02-DFA0A04FC94B}">
-              <ma14:wrappingTextBoxFlag xmlns:ma14="http://schemas.microsoft.com/office/mac/drawingml/2011/main" val="1"/>
-            </a:ext>
-          </a:extLst>
-        </p:spPr>
-        <p:txBody>
-          <a:bodyPr/>
-          <a:lstStyle/>
-          <a:p>
-            <a:pPr/>
-            <a:fld id="{86CB4B4D-7CA3-9044-876B-883B54F8677D}" type="slidenum"/>
-          </a:p>
-        </p:txBody>
-      </p:sp>
-      <p:grpSp>
-        <p:nvGrpSpPr>
-          <p:cNvPr id="656" name="Group"/>
-          <p:cNvGrpSpPr/>
-          <p:nvPr/>
-        </p:nvGrpSpPr>
-        <p:grpSpPr>
-          <a:xfrm>
-            <a:off x="1068" y="12709669"/>
-            <a:ext cx="24381864" cy="1000421"/>
-            <a:chOff x="0" y="0"/>
-            <a:chExt cx="24381862" cy="1000420"/>
-          </a:xfrm>
-        </p:grpSpPr>
-        <p:pic>
-          <p:nvPicPr>
-            <p:cNvPr id="652" name="pasted-movie.png" descr="pasted-movie.png"/>
-            <p:cNvPicPr>
-              <a:picLocks noChangeAspect="1"/>
-            </p:cNvPicPr>
-            <p:nvPr/>
-          </p:nvPicPr>
-          <p:blipFill>
-            <a:blip r:embed="rId2">
-              <a:extLst/>
-            </a:blip>
-            <a:stretch>
-              <a:fillRect/>
-            </a:stretch>
-          </p:blipFill>
-          <p:spPr>
-            <a:xfrm>
-              <a:off x="550774" y="93809"/>
-              <a:ext cx="812801" cy="812801"/>
-            </a:xfrm>
-            <a:prstGeom prst="rect">
-              <a:avLst/>
-            </a:prstGeom>
-            <a:ln w="12700" cap="flat">
-              <a:noFill/>
-              <a:miter lim="400000"/>
-            </a:ln>
-            <a:effectLst/>
-          </p:spPr>
-        </p:pic>
-        <p:sp>
-          <p:nvSpPr>
-            <p:cNvPr id="653" name="Gammasoft"/>
-            <p:cNvSpPr txBox="1"/>
-            <p:nvPr/>
-          </p:nvSpPr>
-          <p:spPr>
-            <a:xfrm>
-              <a:off x="1547842" y="95994"/>
-              <a:ext cx="3298851" cy="808432"/>
-            </a:xfrm>
-            <a:prstGeom prst="rect">
-              <a:avLst/>
-            </a:prstGeom>
-            <a:noFill/>
-            <a:ln w="12700" cap="flat">
-              <a:noFill/>
-              <a:miter lim="400000"/>
-            </a:ln>
-            <a:effectLst/>
-            <a:extLst>
-              <a:ext uri="{C572A759-6A51-4108-AA02-DFA0A04FC94B}">
-                <ma14:wrappingTextBoxFlag xmlns:ma14="http://schemas.microsoft.com/office/mac/drawingml/2011/main" val="1"/>
-              </a:ext>
-            </a:extLst>
-          </p:spPr>
-          <p:txBody>
-            <a:bodyPr wrap="none" lIns="50800" tIns="50800" rIns="50800" bIns="50800" numCol="1" anchor="ctr">
-              <a:spAutoFit/>
-            </a:bodyPr>
-            <a:lstStyle/>
-            <a:p>
-              <a:pPr/>
-              <a:r>
-                <a:t>Gammasoft</a:t>
-              </a:r>
-            </a:p>
-          </p:txBody>
-        </p:sp>
-        <p:sp>
-          <p:nvSpPr>
-            <p:cNvPr id="654" name="Modern C++ Course"/>
-            <p:cNvSpPr txBox="1"/>
-            <p:nvPr/>
-          </p:nvSpPr>
-          <p:spPr>
-            <a:xfrm>
-              <a:off x="18055790" y="95994"/>
-              <a:ext cx="5711649" cy="808432"/>
-            </a:xfrm>
-            <a:prstGeom prst="rect">
-              <a:avLst/>
-            </a:prstGeom>
-            <a:noFill/>
-            <a:ln w="12700" cap="flat">
-              <a:noFill/>
-              <a:miter lim="400000"/>
-            </a:ln>
-            <a:effectLst/>
-            <a:extLst>
-              <a:ext uri="{C572A759-6A51-4108-AA02-DFA0A04FC94B}">
-                <ma14:wrappingTextBoxFlag xmlns:ma14="http://schemas.microsoft.com/office/mac/drawingml/2011/main" val="1"/>
-              </a:ext>
-            </a:extLst>
-          </p:spPr>
-          <p:txBody>
-            <a:bodyPr wrap="none" lIns="50800" tIns="50800" rIns="50800" bIns="50800" numCol="1" anchor="ctr">
-              <a:spAutoFit/>
-            </a:bodyPr>
-            <a:lstStyle/>
-            <a:p>
-              <a:pPr/>
-              <a:r>
-                <a:t>Modern C++ Course</a:t>
-              </a:r>
-            </a:p>
-          </p:txBody>
-        </p:sp>
-        <p:sp>
-          <p:nvSpPr>
-            <p:cNvPr id="655" name="Rectangle"/>
-            <p:cNvSpPr/>
-            <p:nvPr/>
-          </p:nvSpPr>
-          <p:spPr>
-            <a:xfrm>
-              <a:off x="0" y="0"/>
-              <a:ext cx="24381863" cy="1000421"/>
-            </a:xfrm>
-            <a:prstGeom prst="rect">
-              <a:avLst/>
-            </a:prstGeom>
-            <a:solidFill>
-              <a:srgbClr val="0080FF">
-                <a:alpha val="50561"/>
-              </a:srgbClr>
-            </a:solidFill>
-            <a:ln w="12700" cap="flat">
-              <a:noFill/>
-              <a:miter lim="400000"/>
-            </a:ln>
-            <a:effectLst/>
-          </p:spPr>
-          <p:txBody>
-            <a:bodyPr wrap="square" lIns="50800" tIns="50800" rIns="50800" bIns="50800" numCol="1" anchor="ctr">
-              <a:noAutofit/>
-            </a:bodyPr>
-            <a:lstStyle/>
-            <a:p>
-              <a:pPr algn="ctr" defTabSz="825500">
-                <a:lnSpc>
-                  <a:spcPct val="100000"/>
-                </a:lnSpc>
-                <a:spcBef>
-                  <a:spcPts val="0"/>
-                </a:spcBef>
-                <a:defRPr sz="3200">
-                  <a:solidFill>
-                    <a:srgbClr val="000000"/>
-                  </a:solidFill>
-                  <a:latin typeface="Helvetica Neue Medium"/>
-                  <a:ea typeface="Helvetica Neue Medium"/>
-                  <a:cs typeface="Helvetica Neue Medium"/>
-                  <a:sym typeface="Helvetica Neue Medium"/>
-                </a:defRPr>
-              </a:pPr>
-            </a:p>
-          </p:txBody>
-        </p:sp>
-      </p:grpSp>
-      <p:sp>
-        <p:nvSpPr>
-          <p:cNvPr id="657" name="Objects Oriented Programming (OOP)"/>
-          <p:cNvSpPr txBox="1"/>
-          <p:nvPr>
-            <p:ph type="title" idx="4294967295"/>
-          </p:nvPr>
-        </p:nvSpPr>
-        <p:spPr>
-          <a:xfrm>
-            <a:off x="1206500" y="952500"/>
-            <a:ext cx="18969027" cy="1435100"/>
-          </a:xfrm>
-          <a:prstGeom prst="rect">
-            <a:avLst/>
-          </a:prstGeom>
-        </p:spPr>
-        <p:txBody>
-          <a:bodyPr/>
-          <a:lstStyle/>
-          <a:p>
-            <a:pPr/>
-            <a:r>
-              <a:t>Objects Oriented Programming (OOP) </a:t>
-            </a:r>
-          </a:p>
-        </p:txBody>
-      </p:sp>
-      <p:sp>
-        <p:nvSpPr>
-          <p:cNvPr id="658" name="Objects and classes…"/>
-          <p:cNvSpPr txBox="1"/>
-          <p:nvPr>
-            <p:ph type="body" idx="4294967295"/>
-          </p:nvPr>
-        </p:nvSpPr>
-        <p:spPr>
-          <a:prstGeom prst="rect">
-            <a:avLst/>
-          </a:prstGeom>
-        </p:spPr>
-        <p:txBody>
-          <a:bodyPr numCol="2" spcCol="1098550"/>
-          <a:lstStyle/>
-          <a:p>
-            <a:pPr/>
-            <a:r>
-              <a:t>Objects and classes</a:t>
-            </a:r>
-          </a:p>
-          <a:p>
-            <a:pPr/>
-            <a:r>
-              <a:t>Inheritance</a:t>
-            </a:r>
-          </a:p>
-          <a:p>
-            <a:pPr/>
-            <a:r>
-              <a:t>Constructors / Destructors</a:t>
-            </a:r>
-          </a:p>
-          <a:p>
-            <a:pPr/>
-            <a:r>
-              <a:t>Static members</a:t>
-            </a:r>
-          </a:p>
-          <a:p>
-            <a:pPr/>
-            <a:r>
-              <a:t>Allocating objects</a:t>
-            </a:r>
-          </a:p>
-          <a:p>
-            <a:pPr/>
-            <a:r>
-              <a:t>Advanced Object Oriented</a:t>
-            </a:r>
-          </a:p>
-          <a:p>
-            <a:pPr/>
-            <a:r>
-              <a:t>Type casing</a:t>
-            </a:r>
-          </a:p>
-          <a:p>
-            <a:pPr/>
-            <a:r>
-              <a:t>Operator overloading</a:t>
-            </a:r>
-          </a:p>
-          <a:p>
-            <a:pPr/>
-            <a:r>
-              <a:t>Function objects</a:t>
-            </a:r>
-          </a:p>
-          <a:p>
-            <a:pPr/>
-            <a:r>
-              <a:t>Name Lookups</a:t>
-            </a:r>
-          </a:p>
-        </p:txBody>
-      </p:sp>
-      <p:sp>
-        <p:nvSpPr>
-          <p:cNvPr id="659" name="Rectangle"/>
-          <p:cNvSpPr/>
-          <p:nvPr/>
-        </p:nvSpPr>
-        <p:spPr>
-          <a:xfrm>
-            <a:off x="1229879" y="9075608"/>
-            <a:ext cx="10877146" cy="910672"/>
-          </a:xfrm>
-          <a:prstGeom prst="rect">
-            <a:avLst/>
-          </a:prstGeom>
-          <a:solidFill>
-            <a:srgbClr val="0080FF">
-              <a:alpha val="44038"/>
-            </a:srgbClr>
-          </a:solidFill>
-          <a:ln w="12700">
-            <a:miter lim="400000"/>
-          </a:ln>
-        </p:spPr>
-        <p:txBody>
-          <a:bodyPr lIns="50800" tIns="50800" rIns="50800" bIns="50800" anchor="ctr"/>
-          <a:lstStyle/>
-          <a:p>
-            <a:pPr algn="ctr" defTabSz="825500">
-              <a:lnSpc>
-                <a:spcPct val="100000"/>
-              </a:lnSpc>
-              <a:spcBef>
-                <a:spcPts val="0"/>
-              </a:spcBef>
-              <a:defRPr sz="3200">
-                <a:solidFill>
-                  <a:srgbClr val="000000"/>
-                </a:solidFill>
-                <a:latin typeface="Helvetica Neue Medium"/>
-                <a:ea typeface="Helvetica Neue Medium"/>
-                <a:cs typeface="Helvetica Neue Medium"/>
-                <a:sym typeface="Helvetica Neue Medium"/>
-              </a:defRPr>
-            </a:pPr>
-          </a:p>
-        </p:txBody>
-      </p:sp>
-    </p:spTree>
-  </p:cSld>
-  <p:clrMapOvr>
-    <a:masterClrMapping/>
-  </p:clrMapOvr>
-  <p:transition xmlns:p14="http://schemas.microsoft.com/office/powerpoint/2010/main" spd="med" advClick="1"/>
-</p:sld>
-</file>
-
-<file path=ppt/slides/slide42.xml><?xml version="1.0" encoding="utf-8"?>
-<p:sld xmlns:a="http://schemas.openxmlformats.org/drawingml/2006/main" xmlns:r="http://schemas.openxmlformats.org/officeDocument/2006/relationships" xmlns:p="http://schemas.openxmlformats.org/presentationml/2006/main" xmlns:m="http://schemas.openxmlformats.org/officeDocument/2006/math" xmlns:a14="http://schemas.microsoft.com/office/drawing/2010/main" showMasterSp="1" showMasterPhAnim="1">
-  <p:cSld>
-    <p:spTree>
-      <p:nvGrpSpPr>
-        <p:cNvPr id="1" name=""/>
-        <p:cNvGrpSpPr/>
-        <p:nvPr/>
-      </p:nvGrpSpPr>
-      <p:grpSpPr>
-        <a:xfrm>
-          <a:off x="0" y="0"/>
-          <a:ext cx="0" cy="0"/>
-          <a:chOff x="0" y="0"/>
-          <a:chExt cx="0" cy="0"/>
-        </a:xfrm>
-      </p:grpSpPr>
-      <p:sp>
-        <p:nvSpPr>
-          <p:cNvPr id="661" name="Slide Title"/>
-          <p:cNvSpPr txBox="1"/>
-          <p:nvPr>
-            <p:ph type="title" idx="4294967295"/>
-          </p:nvPr>
-        </p:nvSpPr>
-        <p:spPr>
-          <a:xfrm>
-            <a:off x="1206500" y="952500"/>
-            <a:ext cx="10477500" cy="1435100"/>
-          </a:xfrm>
-          <a:prstGeom prst="rect">
-            <a:avLst/>
-          </a:prstGeom>
-        </p:spPr>
-        <p:txBody>
-          <a:bodyPr/>
-          <a:lstStyle/>
-          <a:p>
-            <a:pPr/>
-          </a:p>
-        </p:txBody>
-      </p:sp>
-      <p:sp>
-        <p:nvSpPr>
-          <p:cNvPr id="662" name="Slide bullet text"/>
-          <p:cNvSpPr txBox="1"/>
-          <p:nvPr>
-            <p:ph type="body" sz="half" idx="4294967295"/>
-          </p:nvPr>
-        </p:nvSpPr>
-        <p:spPr>
-          <a:xfrm>
-            <a:off x="1206500" y="4248504"/>
-            <a:ext cx="10477500" cy="8256012"/>
-          </a:xfrm>
-          <a:prstGeom prst="rect">
-            <a:avLst/>
-          </a:prstGeom>
-        </p:spPr>
-        <p:txBody>
-          <a:bodyPr/>
-          <a:lstStyle/>
-          <a:p>
-            <a:pPr/>
-          </a:p>
-        </p:txBody>
-      </p:sp>
-      <p:sp>
-        <p:nvSpPr>
-          <p:cNvPr id="663" name="Slide Number"/>
-          <p:cNvSpPr txBox="1"/>
-          <p:nvPr>
-            <p:ph type="sldNum" sz="quarter" idx="4294967295"/>
-          </p:nvPr>
-        </p:nvSpPr>
-        <p:spPr>
-          <a:prstGeom prst="rect">
-            <a:avLst/>
-          </a:prstGeom>
-          <a:extLst>
-            <a:ext uri="{C572A759-6A51-4108-AA02-DFA0A04FC94B}">
-              <ma14:wrappingTextBoxFlag xmlns:ma14="http://schemas.microsoft.com/office/mac/drawingml/2011/main" val="1"/>
-            </a:ext>
-          </a:extLst>
-        </p:spPr>
-        <p:txBody>
-          <a:bodyPr/>
-          <a:lstStyle/>
-          <a:p>
-            <a:pPr/>
-            <a:fld id="{86CB4B4D-7CA3-9044-876B-883B54F8677D}" type="slidenum"/>
-          </a:p>
-        </p:txBody>
-      </p:sp>
-      <p:sp>
-        <p:nvSpPr>
-          <p:cNvPr id="664" name="Object Oriented Programming | Allocating objects"/>
-          <p:cNvSpPr txBox="1"/>
-          <p:nvPr/>
-        </p:nvSpPr>
-        <p:spPr>
-          <a:xfrm>
-            <a:off x="17524309" y="3143"/>
-            <a:ext cx="6866536" cy="461366"/>
-          </a:xfrm>
-          <a:prstGeom prst="rect">
-            <a:avLst/>
-          </a:prstGeom>
-          <a:ln w="12700">
-            <a:miter lim="400000"/>
-          </a:ln>
-          <a:extLst>
-            <a:ext uri="{C572A759-6A51-4108-AA02-DFA0A04FC94B}">
-              <ma14:wrappingTextBoxFlag xmlns:ma14="http://schemas.microsoft.com/office/mac/drawingml/2011/main" val="1"/>
-            </a:ext>
-          </a:extLst>
-        </p:spPr>
-        <p:txBody>
-          <a:bodyPr wrap="none" lIns="50800" tIns="50800" rIns="50800" bIns="50800" anchor="ctr">
-            <a:spAutoFit/>
-          </a:bodyPr>
-          <a:lstStyle>
-            <a:lvl1pPr algn="r">
-              <a:lnSpc>
-                <a:spcPct val="100000"/>
-              </a:lnSpc>
-              <a:spcBef>
-                <a:spcPts val="0"/>
-              </a:spcBef>
-              <a:defRPr sz="2400"/>
-            </a:lvl1pPr>
-          </a:lstStyle>
-          <a:p>
-            <a:pPr/>
-            <a:r>
-              <a:t>Object Oriented Programming | Allocating objects</a:t>
-            </a:r>
-          </a:p>
-        </p:txBody>
-      </p:sp>
-      <p:sp>
-        <p:nvSpPr>
-          <p:cNvPr id="665" name="C++98"/>
-          <p:cNvSpPr txBox="1"/>
-          <p:nvPr/>
-        </p:nvSpPr>
-        <p:spPr>
-          <a:xfrm>
-            <a:off x="2647" y="2528"/>
-            <a:ext cx="1039064" cy="461366"/>
-          </a:xfrm>
-          <a:prstGeom prst="rect">
-            <a:avLst/>
-          </a:prstGeom>
-          <a:ln w="12700">
-            <a:miter lim="400000"/>
-          </a:ln>
-          <a:extLst>
-            <a:ext uri="{C572A759-6A51-4108-AA02-DFA0A04FC94B}">
-              <ma14:wrappingTextBoxFlag xmlns:ma14="http://schemas.microsoft.com/office/mac/drawingml/2011/main" val="1"/>
-            </a:ext>
-          </a:extLst>
-        </p:spPr>
-        <p:txBody>
-          <a:bodyPr wrap="none" lIns="50800" tIns="50800" rIns="50800" bIns="50800" anchor="ctr">
-            <a:spAutoFit/>
-          </a:bodyPr>
-          <a:lstStyle>
-            <a:lvl1pPr>
-              <a:lnSpc>
-                <a:spcPct val="100000"/>
-              </a:lnSpc>
-              <a:spcBef>
-                <a:spcPts val="0"/>
-              </a:spcBef>
-              <a:defRPr sz="2400"/>
-            </a:lvl1pPr>
-          </a:lstStyle>
-          <a:p>
-            <a:pPr/>
-            <a:r>
-              <a:t>C++98</a:t>
-            </a:r>
-          </a:p>
-        </p:txBody>
-      </p:sp>
-      <p:grpSp>
-        <p:nvGrpSpPr>
-          <p:cNvPr id="670" name="Group"/>
-          <p:cNvGrpSpPr/>
-          <p:nvPr/>
-        </p:nvGrpSpPr>
-        <p:grpSpPr>
-          <a:xfrm>
-            <a:off x="1068" y="12709669"/>
-            <a:ext cx="24381864" cy="1000421"/>
-            <a:chOff x="0" y="0"/>
-            <a:chExt cx="24381862" cy="1000420"/>
-          </a:xfrm>
-        </p:grpSpPr>
-        <p:pic>
-          <p:nvPicPr>
-            <p:cNvPr id="666" name="pasted-movie.png" descr="pasted-movie.png"/>
-            <p:cNvPicPr>
-              <a:picLocks noChangeAspect="1"/>
-            </p:cNvPicPr>
-            <p:nvPr/>
-          </p:nvPicPr>
-          <p:blipFill>
-            <a:blip r:embed="rId2">
-              <a:extLst/>
-            </a:blip>
-            <a:stretch>
-              <a:fillRect/>
-            </a:stretch>
-          </p:blipFill>
-          <p:spPr>
-            <a:xfrm>
-              <a:off x="550774" y="93809"/>
-              <a:ext cx="812801" cy="812801"/>
-            </a:xfrm>
-            <a:prstGeom prst="rect">
-              <a:avLst/>
-            </a:prstGeom>
-            <a:ln w="12700" cap="flat">
-              <a:noFill/>
-              <a:miter lim="400000"/>
-            </a:ln>
-            <a:effectLst/>
-          </p:spPr>
-        </p:pic>
-        <p:sp>
-          <p:nvSpPr>
-            <p:cNvPr id="667" name="Gammasoft"/>
-            <p:cNvSpPr txBox="1"/>
-            <p:nvPr/>
-          </p:nvSpPr>
-          <p:spPr>
-            <a:xfrm>
-              <a:off x="1547842" y="95994"/>
-              <a:ext cx="3298851" cy="808432"/>
-            </a:xfrm>
-            <a:prstGeom prst="rect">
-              <a:avLst/>
-            </a:prstGeom>
-            <a:noFill/>
-            <a:ln w="12700" cap="flat">
-              <a:noFill/>
-              <a:miter lim="400000"/>
-            </a:ln>
-            <a:effectLst/>
-            <a:extLst>
-              <a:ext uri="{C572A759-6A51-4108-AA02-DFA0A04FC94B}">
-                <ma14:wrappingTextBoxFlag xmlns:ma14="http://schemas.microsoft.com/office/mac/drawingml/2011/main" val="1"/>
-              </a:ext>
-            </a:extLst>
-          </p:spPr>
-          <p:txBody>
-            <a:bodyPr wrap="none" lIns="50800" tIns="50800" rIns="50800" bIns="50800" numCol="1" anchor="ctr">
-              <a:spAutoFit/>
-            </a:bodyPr>
-            <a:lstStyle/>
-            <a:p>
-              <a:pPr/>
-              <a:r>
-                <a:t>Gammasoft</a:t>
-              </a:r>
-            </a:p>
-          </p:txBody>
-        </p:sp>
-        <p:sp>
-          <p:nvSpPr>
-            <p:cNvPr id="668" name="Modern C++ Course"/>
-            <p:cNvSpPr txBox="1"/>
-            <p:nvPr/>
-          </p:nvSpPr>
-          <p:spPr>
-            <a:xfrm>
-              <a:off x="18055790" y="95994"/>
-              <a:ext cx="5711649" cy="808432"/>
-            </a:xfrm>
-            <a:prstGeom prst="rect">
-              <a:avLst/>
-            </a:prstGeom>
-            <a:noFill/>
-            <a:ln w="12700" cap="flat">
-              <a:noFill/>
-              <a:miter lim="400000"/>
-            </a:ln>
-            <a:effectLst/>
-            <a:extLst>
-              <a:ext uri="{C572A759-6A51-4108-AA02-DFA0A04FC94B}">
-                <ma14:wrappingTextBoxFlag xmlns:ma14="http://schemas.microsoft.com/office/mac/drawingml/2011/main" val="1"/>
-              </a:ext>
-            </a:extLst>
-          </p:spPr>
-          <p:txBody>
-            <a:bodyPr wrap="none" lIns="50800" tIns="50800" rIns="50800" bIns="50800" numCol="1" anchor="ctr">
-              <a:spAutoFit/>
-            </a:bodyPr>
-            <a:lstStyle/>
-            <a:p>
-              <a:pPr/>
-              <a:r>
-                <a:t>Modern C++ Course</a:t>
-              </a:r>
-            </a:p>
-          </p:txBody>
-        </p:sp>
-        <p:sp>
-          <p:nvSpPr>
-            <p:cNvPr id="669" name="Rectangle"/>
+            <p:cNvPr id="648" name="Rectangle"/>
             <p:cNvSpPr/>
             <p:nvPr/>
           </p:nvSpPr>
@@ -22117,7 +21314,7 @@
 </p:sld>
 </file>
 
-<file path=ppt/slides/slide43.xml><?xml version="1.0" encoding="utf-8"?>
+<file path=ppt/slides/slide41.xml><?xml version="1.0" encoding="utf-8"?>
 <p:sld xmlns:a="http://schemas.openxmlformats.org/drawingml/2006/main" xmlns:r="http://schemas.openxmlformats.org/officeDocument/2006/relationships" xmlns:p="http://schemas.openxmlformats.org/presentationml/2006/main" xmlns:m="http://schemas.openxmlformats.org/officeDocument/2006/math" xmlns:a14="http://schemas.microsoft.com/office/drawing/2010/main" showMasterSp="1" showMasterPhAnim="1">
   <p:cSld>
     <p:spTree>
@@ -22136,7 +21333,7 @@
       </p:grpSpPr>
       <p:sp>
         <p:nvSpPr>
-          <p:cNvPr id="672" name="Objects Oriented Programming"/>
+          <p:cNvPr id="651" name="Objects Oriented Programming"/>
           <p:cNvSpPr txBox="1"/>
           <p:nvPr/>
         </p:nvSpPr>
@@ -22182,7 +21379,7 @@
       </p:sp>
       <p:sp>
         <p:nvSpPr>
-          <p:cNvPr id="673" name="Slide Number"/>
+          <p:cNvPr id="652" name="Slide Number"/>
           <p:cNvSpPr txBox="1"/>
           <p:nvPr>
             <p:ph type="sldNum" sz="quarter" idx="4294967295"/>
@@ -22209,7 +21406,7 @@
       </p:sp>
       <p:grpSp>
         <p:nvGrpSpPr>
-          <p:cNvPr id="678" name="Group"/>
+          <p:cNvPr id="657" name="Group"/>
           <p:cNvGrpSpPr/>
           <p:nvPr/>
         </p:nvGrpSpPr>
@@ -22223,7 +21420,7 @@
         </p:grpSpPr>
         <p:pic>
           <p:nvPicPr>
-            <p:cNvPr id="674" name="pasted-movie.png" descr="pasted-movie.png"/>
+            <p:cNvPr id="653" name="pasted-movie.png" descr="pasted-movie.png"/>
             <p:cNvPicPr>
               <a:picLocks noChangeAspect="1"/>
             </p:cNvPicPr>
@@ -22254,7 +21451,7 @@
         </p:pic>
         <p:sp>
           <p:nvSpPr>
-            <p:cNvPr id="675" name="Gammasoft"/>
+            <p:cNvPr id="654" name="Gammasoft"/>
             <p:cNvSpPr txBox="1"/>
             <p:nvPr/>
           </p:nvSpPr>
@@ -22293,7 +21490,7 @@
         </p:sp>
         <p:sp>
           <p:nvSpPr>
-            <p:cNvPr id="676" name="Modern C++ Course"/>
+            <p:cNvPr id="655" name="Modern C++ Course"/>
             <p:cNvSpPr txBox="1"/>
             <p:nvPr/>
           </p:nvSpPr>
@@ -22332,7 +21529,7 @@
         </p:sp>
         <p:sp>
           <p:nvSpPr>
-            <p:cNvPr id="677" name="Rectangle"/>
+            <p:cNvPr id="656" name="Rectangle"/>
             <p:cNvSpPr/>
             <p:nvPr/>
           </p:nvSpPr>
@@ -22384,7 +21581,7 @@
       </p:grpSp>
       <p:sp>
         <p:nvSpPr>
-          <p:cNvPr id="679" name="Objects Oriented Programming (OOP)"/>
+          <p:cNvPr id="658" name="Objects Oriented Programming (OOP)"/>
           <p:cNvSpPr txBox="1"/>
           <p:nvPr>
             <p:ph type="title" idx="4294967295"/>
@@ -22412,7 +21609,7 @@
       </p:sp>
       <p:sp>
         <p:nvSpPr>
-          <p:cNvPr id="680" name="Objects and classes…"/>
+          <p:cNvPr id="659" name="Objects and classes…"/>
           <p:cNvSpPr txBox="1"/>
           <p:nvPr>
             <p:ph type="body" idx="4294967295"/>
@@ -22490,13 +21687,13 @@
       </p:sp>
       <p:sp>
         <p:nvSpPr>
-          <p:cNvPr id="681" name="Rectangle"/>
+          <p:cNvPr id="660" name="Rectangle"/>
           <p:cNvSpPr/>
           <p:nvPr/>
         </p:nvSpPr>
         <p:spPr>
           <a:xfrm>
-            <a:off x="1229879" y="9075608"/>
+            <a:off x="1229879" y="7881808"/>
             <a:ext cx="10877146" cy="910672"/>
           </a:xfrm>
           <a:prstGeom prst="rect">
@@ -22544,7 +21741,7 @@
 </p:sld>
 </file>
 
-<file path=ppt/slides/slide44.xml><?xml version="1.0" encoding="utf-8"?>
+<file path=ppt/slides/slide42.xml><?xml version="1.0" encoding="utf-8"?>
 <p:sld xmlns:a="http://schemas.openxmlformats.org/drawingml/2006/main" xmlns:r="http://schemas.openxmlformats.org/officeDocument/2006/relationships" xmlns:p="http://schemas.openxmlformats.org/presentationml/2006/main" xmlns:m="http://schemas.openxmlformats.org/officeDocument/2006/math" xmlns:a14="http://schemas.microsoft.com/office/drawing/2010/main" showMasterSp="1" showMasterPhAnim="1">
   <p:cSld>
     <p:spTree>
@@ -22563,7 +21760,7 @@
       </p:grpSpPr>
       <p:sp>
         <p:nvSpPr>
-          <p:cNvPr id="683" name="Objects Oriented Programming"/>
+          <p:cNvPr id="662" name="Objects Oriented Programming"/>
           <p:cNvSpPr txBox="1"/>
           <p:nvPr/>
         </p:nvSpPr>
@@ -22609,7 +21806,7 @@
       </p:sp>
       <p:sp>
         <p:nvSpPr>
-          <p:cNvPr id="684" name="Slide Number"/>
+          <p:cNvPr id="663" name="Slide Number"/>
           <p:cNvSpPr txBox="1"/>
           <p:nvPr>
             <p:ph type="sldNum" sz="quarter" idx="4294967295"/>
@@ -22636,7 +21833,7 @@
       </p:sp>
       <p:grpSp>
         <p:nvGrpSpPr>
-          <p:cNvPr id="689" name="Group"/>
+          <p:cNvPr id="668" name="Group"/>
           <p:cNvGrpSpPr/>
           <p:nvPr/>
         </p:nvGrpSpPr>
@@ -22650,7 +21847,7 @@
         </p:grpSpPr>
         <p:pic>
           <p:nvPicPr>
-            <p:cNvPr id="685" name="pasted-movie.png" descr="pasted-movie.png"/>
+            <p:cNvPr id="664" name="pasted-movie.png" descr="pasted-movie.png"/>
             <p:cNvPicPr>
               <a:picLocks noChangeAspect="1"/>
             </p:cNvPicPr>
@@ -22681,7 +21878,7 @@
         </p:pic>
         <p:sp>
           <p:nvSpPr>
-            <p:cNvPr id="686" name="Gammasoft"/>
+            <p:cNvPr id="665" name="Gammasoft"/>
             <p:cNvSpPr txBox="1"/>
             <p:nvPr/>
           </p:nvSpPr>
@@ -22720,7 +21917,7 @@
         </p:sp>
         <p:sp>
           <p:nvSpPr>
-            <p:cNvPr id="687" name="Modern C++ Course"/>
+            <p:cNvPr id="666" name="Modern C++ Course"/>
             <p:cNvSpPr txBox="1"/>
             <p:nvPr/>
           </p:nvSpPr>
@@ -22759,7 +21956,7 @@
         </p:sp>
         <p:sp>
           <p:nvSpPr>
-            <p:cNvPr id="688" name="Rectangle"/>
+            <p:cNvPr id="667" name="Rectangle"/>
             <p:cNvSpPr/>
             <p:nvPr/>
           </p:nvSpPr>
@@ -22811,7 +22008,7 @@
       </p:grpSp>
       <p:sp>
         <p:nvSpPr>
-          <p:cNvPr id="690" name="Objects Oriented Programming (OOP)"/>
+          <p:cNvPr id="669" name="Objects Oriented Programming (OOP)"/>
           <p:cNvSpPr txBox="1"/>
           <p:nvPr>
             <p:ph type="title" idx="4294967295"/>
@@ -22839,7 +22036,7 @@
       </p:sp>
       <p:sp>
         <p:nvSpPr>
-          <p:cNvPr id="691" name="Objects and classes…"/>
+          <p:cNvPr id="670" name="Objects and classes…"/>
           <p:cNvSpPr txBox="1"/>
           <p:nvPr>
             <p:ph type="body" idx="4294967295"/>
@@ -22917,13 +22114,13 @@
       </p:sp>
       <p:sp>
         <p:nvSpPr>
-          <p:cNvPr id="692" name="Rectangle"/>
+          <p:cNvPr id="671" name="Rectangle"/>
           <p:cNvSpPr/>
           <p:nvPr/>
         </p:nvSpPr>
         <p:spPr>
           <a:xfrm>
-            <a:off x="1229879" y="10307508"/>
+            <a:off x="1229879" y="9075608"/>
             <a:ext cx="10877146" cy="910672"/>
           </a:xfrm>
           <a:prstGeom prst="rect">
@@ -22971,7 +22168,7 @@
 </p:sld>
 </file>
 
-<file path=ppt/slides/slide45.xml><?xml version="1.0" encoding="utf-8"?>
+<file path=ppt/slides/slide43.xml><?xml version="1.0" encoding="utf-8"?>
 <p:sld xmlns:a="http://schemas.openxmlformats.org/drawingml/2006/main" xmlns:r="http://schemas.openxmlformats.org/officeDocument/2006/relationships" xmlns:p="http://schemas.openxmlformats.org/presentationml/2006/main" xmlns:m="http://schemas.openxmlformats.org/officeDocument/2006/math" xmlns:a14="http://schemas.microsoft.com/office/drawing/2010/main" showMasterSp="1" showMasterPhAnim="1">
   <p:cSld>
     <p:spTree>
@@ -22990,7 +22187,7 @@
       </p:grpSpPr>
       <p:sp>
         <p:nvSpPr>
-          <p:cNvPr id="694" name="Slide Title"/>
+          <p:cNvPr id="673" name="Slide Title"/>
           <p:cNvSpPr txBox="1"/>
           <p:nvPr>
             <p:ph type="title" idx="4294967295"/>
@@ -23015,7 +22212,7 @@
       </p:sp>
       <p:sp>
         <p:nvSpPr>
-          <p:cNvPr id="695" name="Slide bullet text"/>
+          <p:cNvPr id="674" name="Slide bullet text"/>
           <p:cNvSpPr txBox="1"/>
           <p:nvPr>
             <p:ph type="body" sz="half" idx="4294967295"/>
@@ -23040,7 +22237,7 @@
       </p:sp>
       <p:sp>
         <p:nvSpPr>
-          <p:cNvPr id="696" name="Slide Number"/>
+          <p:cNvPr id="675" name="Slide Number"/>
           <p:cNvSpPr txBox="1"/>
           <p:nvPr>
             <p:ph type="sldNum" sz="quarter" idx="4294967295"/>
@@ -23067,14 +22264,14 @@
       </p:sp>
       <p:sp>
         <p:nvSpPr>
-          <p:cNvPr id="697" name="Object Oriented Programming | Advanced Object Oriented"/>
+          <p:cNvPr id="676" name="Object Oriented Programming | Allocating objects"/>
           <p:cNvSpPr txBox="1"/>
           <p:nvPr/>
         </p:nvSpPr>
         <p:spPr>
           <a:xfrm>
-            <a:off x="16332237" y="3143"/>
-            <a:ext cx="8058608" cy="461366"/>
+            <a:off x="17524309" y="3143"/>
+            <a:ext cx="6866536" cy="461366"/>
           </a:xfrm>
           <a:prstGeom prst="rect">
             <a:avLst/>
@@ -23106,14 +22303,14 @@
           <a:p>
             <a:pPr/>
             <a:r>
-              <a:t>Object Oriented Programming | Advanced Object Oriented</a:t>
-            </a:r>
-          </a:p>
-        </p:txBody>
-      </p:sp>
-      <p:sp>
-        <p:nvSpPr>
-          <p:cNvPr id="698" name="C++98"/>
+              <a:t>Object Oriented Programming | Allocating objects</a:t>
+            </a:r>
+          </a:p>
+        </p:txBody>
+      </p:sp>
+      <p:sp>
+        <p:nvSpPr>
+          <p:cNvPr id="677" name="C++98"/>
           <p:cNvSpPr txBox="1"/>
           <p:nvPr/>
         </p:nvSpPr>
@@ -23159,7 +22356,7 @@
       </p:sp>
       <p:grpSp>
         <p:nvGrpSpPr>
-          <p:cNvPr id="703" name="Group"/>
+          <p:cNvPr id="682" name="Group"/>
           <p:cNvGrpSpPr/>
           <p:nvPr/>
         </p:nvGrpSpPr>
@@ -23173,7 +22370,7 @@
         </p:grpSpPr>
         <p:pic>
           <p:nvPicPr>
-            <p:cNvPr id="699" name="pasted-movie.png" descr="pasted-movie.png"/>
+            <p:cNvPr id="678" name="pasted-movie.png" descr="pasted-movie.png"/>
             <p:cNvPicPr>
               <a:picLocks noChangeAspect="1"/>
             </p:cNvPicPr>
@@ -23204,7 +22401,7 @@
         </p:pic>
         <p:sp>
           <p:nvSpPr>
-            <p:cNvPr id="700" name="Gammasoft"/>
+            <p:cNvPr id="679" name="Gammasoft"/>
             <p:cNvSpPr txBox="1"/>
             <p:nvPr/>
           </p:nvSpPr>
@@ -23243,7 +22440,7 @@
         </p:sp>
         <p:sp>
           <p:nvSpPr>
-            <p:cNvPr id="701" name="Modern C++ Course"/>
+            <p:cNvPr id="680" name="Modern C++ Course"/>
             <p:cNvSpPr txBox="1"/>
             <p:nvPr/>
           </p:nvSpPr>
@@ -23282,7 +22479,7 @@
         </p:sp>
         <p:sp>
           <p:nvSpPr>
-            <p:cNvPr id="702" name="Rectangle"/>
+            <p:cNvPr id="681" name="Rectangle"/>
             <p:cNvSpPr/>
             <p:nvPr/>
           </p:nvSpPr>
@@ -23341,7 +22538,7 @@
 </p:sld>
 </file>
 
-<file path=ppt/slides/slide46.xml><?xml version="1.0" encoding="utf-8"?>
+<file path=ppt/slides/slide44.xml><?xml version="1.0" encoding="utf-8"?>
 <p:sld xmlns:a="http://schemas.openxmlformats.org/drawingml/2006/main" xmlns:r="http://schemas.openxmlformats.org/officeDocument/2006/relationships" xmlns:p="http://schemas.openxmlformats.org/presentationml/2006/main" xmlns:m="http://schemas.openxmlformats.org/officeDocument/2006/math" xmlns:a14="http://schemas.microsoft.com/office/drawing/2010/main" showMasterSp="1" showMasterPhAnim="1">
   <p:cSld>
     <p:spTree>
@@ -23360,7 +22557,7 @@
       </p:grpSpPr>
       <p:sp>
         <p:nvSpPr>
-          <p:cNvPr id="705" name="Objects Oriented Programming"/>
+          <p:cNvPr id="684" name="Objects Oriented Programming"/>
           <p:cNvSpPr txBox="1"/>
           <p:nvPr/>
         </p:nvSpPr>
@@ -23406,7 +22603,7 @@
       </p:sp>
       <p:sp>
         <p:nvSpPr>
-          <p:cNvPr id="706" name="Slide Number"/>
+          <p:cNvPr id="685" name="Slide Number"/>
           <p:cNvSpPr txBox="1"/>
           <p:nvPr>
             <p:ph type="sldNum" sz="quarter" idx="4294967295"/>
@@ -23433,7 +22630,7 @@
       </p:sp>
       <p:grpSp>
         <p:nvGrpSpPr>
-          <p:cNvPr id="711" name="Group"/>
+          <p:cNvPr id="690" name="Group"/>
           <p:cNvGrpSpPr/>
           <p:nvPr/>
         </p:nvGrpSpPr>
@@ -23447,7 +22644,7 @@
         </p:grpSpPr>
         <p:pic>
           <p:nvPicPr>
-            <p:cNvPr id="707" name="pasted-movie.png" descr="pasted-movie.png"/>
+            <p:cNvPr id="686" name="pasted-movie.png" descr="pasted-movie.png"/>
             <p:cNvPicPr>
               <a:picLocks noChangeAspect="1"/>
             </p:cNvPicPr>
@@ -23478,7 +22675,7 @@
         </p:pic>
         <p:sp>
           <p:nvSpPr>
-            <p:cNvPr id="708" name="Gammasoft"/>
+            <p:cNvPr id="687" name="Gammasoft"/>
             <p:cNvSpPr txBox="1"/>
             <p:nvPr/>
           </p:nvSpPr>
@@ -23517,7 +22714,7 @@
         </p:sp>
         <p:sp>
           <p:nvSpPr>
-            <p:cNvPr id="709" name="Modern C++ Course"/>
+            <p:cNvPr id="688" name="Modern C++ Course"/>
             <p:cNvSpPr txBox="1"/>
             <p:nvPr/>
           </p:nvSpPr>
@@ -23556,7 +22753,7 @@
         </p:sp>
         <p:sp>
           <p:nvSpPr>
-            <p:cNvPr id="710" name="Rectangle"/>
+            <p:cNvPr id="689" name="Rectangle"/>
             <p:cNvSpPr/>
             <p:nvPr/>
           </p:nvSpPr>
@@ -23608,7 +22805,7 @@
       </p:grpSp>
       <p:sp>
         <p:nvSpPr>
-          <p:cNvPr id="712" name="Objects Oriented Programming (OOP)"/>
+          <p:cNvPr id="691" name="Objects Oriented Programming (OOP)"/>
           <p:cNvSpPr txBox="1"/>
           <p:nvPr>
             <p:ph type="title" idx="4294967295"/>
@@ -23636,7 +22833,7 @@
       </p:sp>
       <p:sp>
         <p:nvSpPr>
-          <p:cNvPr id="713" name="Objects and classes…"/>
+          <p:cNvPr id="692" name="Objects and classes…"/>
           <p:cNvSpPr txBox="1"/>
           <p:nvPr>
             <p:ph type="body" idx="4294967295"/>
@@ -23714,13 +22911,13 @@
       </p:sp>
       <p:sp>
         <p:nvSpPr>
-          <p:cNvPr id="714" name="Rectangle"/>
+          <p:cNvPr id="693" name="Rectangle"/>
           <p:cNvSpPr/>
           <p:nvPr/>
         </p:nvSpPr>
         <p:spPr>
           <a:xfrm>
-            <a:off x="1229879" y="10307508"/>
+            <a:off x="1229879" y="9075608"/>
             <a:ext cx="10877146" cy="910672"/>
           </a:xfrm>
           <a:prstGeom prst="rect">
@@ -23768,7 +22965,7 @@
 </p:sld>
 </file>
 
-<file path=ppt/slides/slide47.xml><?xml version="1.0" encoding="utf-8"?>
+<file path=ppt/slides/slide45.xml><?xml version="1.0" encoding="utf-8"?>
 <p:sld xmlns:a="http://schemas.openxmlformats.org/drawingml/2006/main" xmlns:r="http://schemas.openxmlformats.org/officeDocument/2006/relationships" xmlns:p="http://schemas.openxmlformats.org/presentationml/2006/main" xmlns:m="http://schemas.openxmlformats.org/officeDocument/2006/math" xmlns:a14="http://schemas.microsoft.com/office/drawing/2010/main" showMasterSp="1" showMasterPhAnim="1">
   <p:cSld>
     <p:spTree>
@@ -23787,7 +22984,7 @@
       </p:grpSpPr>
       <p:sp>
         <p:nvSpPr>
-          <p:cNvPr id="716" name="Objects Oriented Programming"/>
+          <p:cNvPr id="695" name="Objects Oriented Programming"/>
           <p:cNvSpPr txBox="1"/>
           <p:nvPr/>
         </p:nvSpPr>
@@ -23833,7 +23030,7 @@
       </p:sp>
       <p:sp>
         <p:nvSpPr>
-          <p:cNvPr id="717" name="Slide Number"/>
+          <p:cNvPr id="696" name="Slide Number"/>
           <p:cNvSpPr txBox="1"/>
           <p:nvPr>
             <p:ph type="sldNum" sz="quarter" idx="4294967295"/>
@@ -23860,7 +23057,7 @@
       </p:sp>
       <p:grpSp>
         <p:nvGrpSpPr>
-          <p:cNvPr id="722" name="Group"/>
+          <p:cNvPr id="701" name="Group"/>
           <p:cNvGrpSpPr/>
           <p:nvPr/>
         </p:nvGrpSpPr>
@@ -23874,7 +23071,7 @@
         </p:grpSpPr>
         <p:pic>
           <p:nvPicPr>
-            <p:cNvPr id="718" name="pasted-movie.png" descr="pasted-movie.png"/>
+            <p:cNvPr id="697" name="pasted-movie.png" descr="pasted-movie.png"/>
             <p:cNvPicPr>
               <a:picLocks noChangeAspect="1"/>
             </p:cNvPicPr>
@@ -23905,7 +23102,7 @@
         </p:pic>
         <p:sp>
           <p:nvSpPr>
-            <p:cNvPr id="719" name="Gammasoft"/>
+            <p:cNvPr id="698" name="Gammasoft"/>
             <p:cNvSpPr txBox="1"/>
             <p:nvPr/>
           </p:nvSpPr>
@@ -23944,7 +23141,7 @@
         </p:sp>
         <p:sp>
           <p:nvSpPr>
-            <p:cNvPr id="720" name="Modern C++ Course"/>
+            <p:cNvPr id="699" name="Modern C++ Course"/>
             <p:cNvSpPr txBox="1"/>
             <p:nvPr/>
           </p:nvSpPr>
@@ -23983,7 +23180,7 @@
         </p:sp>
         <p:sp>
           <p:nvSpPr>
-            <p:cNvPr id="721" name="Rectangle"/>
+            <p:cNvPr id="700" name="Rectangle"/>
             <p:cNvSpPr/>
             <p:nvPr/>
           </p:nvSpPr>
@@ -24035,7 +23232,7 @@
       </p:grpSp>
       <p:sp>
         <p:nvSpPr>
-          <p:cNvPr id="723" name="Objects Oriented Programming (OOP)"/>
+          <p:cNvPr id="702" name="Objects Oriented Programming (OOP)"/>
           <p:cNvSpPr txBox="1"/>
           <p:nvPr>
             <p:ph type="title" idx="4294967295"/>
@@ -24063,7 +23260,7 @@
       </p:sp>
       <p:sp>
         <p:nvSpPr>
-          <p:cNvPr id="724" name="Objects and classes…"/>
+          <p:cNvPr id="703" name="Objects and classes…"/>
           <p:cNvSpPr txBox="1"/>
           <p:nvPr>
             <p:ph type="body" idx="4294967295"/>
@@ -24141,13 +23338,13 @@
       </p:sp>
       <p:sp>
         <p:nvSpPr>
-          <p:cNvPr id="725" name="Rectangle"/>
+          <p:cNvPr id="704" name="Rectangle"/>
           <p:cNvSpPr/>
           <p:nvPr/>
         </p:nvSpPr>
         <p:spPr>
           <a:xfrm>
-            <a:off x="1229879" y="11564808"/>
+            <a:off x="1229879" y="10307508"/>
             <a:ext cx="10877146" cy="910672"/>
           </a:xfrm>
           <a:prstGeom prst="rect">
@@ -24195,7 +23392,7 @@
 </p:sld>
 </file>
 
-<file path=ppt/slides/slide48.xml><?xml version="1.0" encoding="utf-8"?>
+<file path=ppt/slides/slide46.xml><?xml version="1.0" encoding="utf-8"?>
 <p:sld xmlns:a="http://schemas.openxmlformats.org/drawingml/2006/main" xmlns:r="http://schemas.openxmlformats.org/officeDocument/2006/relationships" xmlns:p="http://schemas.openxmlformats.org/presentationml/2006/main" xmlns:m="http://schemas.openxmlformats.org/officeDocument/2006/math" xmlns:a14="http://schemas.microsoft.com/office/drawing/2010/main" showMasterSp="1" showMasterPhAnim="1">
   <p:cSld>
     <p:spTree>
@@ -24214,7 +23411,7 @@
       </p:grpSpPr>
       <p:sp>
         <p:nvSpPr>
-          <p:cNvPr id="727" name="Slide Title"/>
+          <p:cNvPr id="706" name="Slide Title"/>
           <p:cNvSpPr txBox="1"/>
           <p:nvPr>
             <p:ph type="title" idx="4294967295"/>
@@ -24239,7 +23436,7 @@
       </p:sp>
       <p:sp>
         <p:nvSpPr>
-          <p:cNvPr id="728" name="Slide bullet text"/>
+          <p:cNvPr id="707" name="Slide bullet text"/>
           <p:cNvSpPr txBox="1"/>
           <p:nvPr>
             <p:ph type="body" sz="half" idx="4294967295"/>
@@ -24264,7 +23461,7 @@
       </p:sp>
       <p:sp>
         <p:nvSpPr>
-          <p:cNvPr id="729" name="Slide Number"/>
+          <p:cNvPr id="708" name="Slide Number"/>
           <p:cNvSpPr txBox="1"/>
           <p:nvPr>
             <p:ph type="sldNum" sz="quarter" idx="4294967295"/>
@@ -24291,14 +23488,14 @@
       </p:sp>
       <p:sp>
         <p:nvSpPr>
-          <p:cNvPr id="730" name="Object Oriented Programming | Type casing"/>
+          <p:cNvPr id="709" name="Object Oriented Programming | Advanced Object Oriented"/>
           <p:cNvSpPr txBox="1"/>
           <p:nvPr/>
         </p:nvSpPr>
         <p:spPr>
           <a:xfrm>
-            <a:off x="18336906" y="3143"/>
-            <a:ext cx="6053939" cy="461366"/>
+            <a:off x="16332237" y="3143"/>
+            <a:ext cx="8058608" cy="461366"/>
           </a:xfrm>
           <a:prstGeom prst="rect">
             <a:avLst/>
@@ -24330,14 +23527,14 @@
           <a:p>
             <a:pPr/>
             <a:r>
-              <a:t>Object Oriented Programming | Type casing</a:t>
-            </a:r>
-          </a:p>
-        </p:txBody>
-      </p:sp>
-      <p:sp>
-        <p:nvSpPr>
-          <p:cNvPr id="731" name="C++98"/>
+              <a:t>Object Oriented Programming | Advanced Object Oriented</a:t>
+            </a:r>
+          </a:p>
+        </p:txBody>
+      </p:sp>
+      <p:sp>
+        <p:nvSpPr>
+          <p:cNvPr id="710" name="C++98"/>
           <p:cNvSpPr txBox="1"/>
           <p:nvPr/>
         </p:nvSpPr>
@@ -24383,7 +23580,7 @@
       </p:sp>
       <p:grpSp>
         <p:nvGrpSpPr>
-          <p:cNvPr id="736" name="Group"/>
+          <p:cNvPr id="715" name="Group"/>
           <p:cNvGrpSpPr/>
           <p:nvPr/>
         </p:nvGrpSpPr>
@@ -24397,7 +23594,7 @@
         </p:grpSpPr>
         <p:pic>
           <p:nvPicPr>
-            <p:cNvPr id="732" name="pasted-movie.png" descr="pasted-movie.png"/>
+            <p:cNvPr id="711" name="pasted-movie.png" descr="pasted-movie.png"/>
             <p:cNvPicPr>
               <a:picLocks noChangeAspect="1"/>
             </p:cNvPicPr>
@@ -24428,7 +23625,7 @@
         </p:pic>
         <p:sp>
           <p:nvSpPr>
-            <p:cNvPr id="733" name="Gammasoft"/>
+            <p:cNvPr id="712" name="Gammasoft"/>
             <p:cNvSpPr txBox="1"/>
             <p:nvPr/>
           </p:nvSpPr>
@@ -24467,7 +23664,7 @@
         </p:sp>
         <p:sp>
           <p:nvSpPr>
-            <p:cNvPr id="734" name="Modern C++ Course"/>
+            <p:cNvPr id="713" name="Modern C++ Course"/>
             <p:cNvSpPr txBox="1"/>
             <p:nvPr/>
           </p:nvSpPr>
@@ -24506,7 +23703,7 @@
         </p:sp>
         <p:sp>
           <p:nvSpPr>
-            <p:cNvPr id="735" name="Rectangle"/>
+            <p:cNvPr id="714" name="Rectangle"/>
             <p:cNvSpPr/>
             <p:nvPr/>
           </p:nvSpPr>
@@ -24565,7 +23762,7 @@
 </p:sld>
 </file>
 
-<file path=ppt/slides/slide49.xml><?xml version="1.0" encoding="utf-8"?>
+<file path=ppt/slides/slide47.xml><?xml version="1.0" encoding="utf-8"?>
 <p:sld xmlns:a="http://schemas.openxmlformats.org/drawingml/2006/main" xmlns:r="http://schemas.openxmlformats.org/officeDocument/2006/relationships" xmlns:p="http://schemas.openxmlformats.org/presentationml/2006/main" xmlns:m="http://schemas.openxmlformats.org/officeDocument/2006/math" xmlns:a14="http://schemas.microsoft.com/office/drawing/2010/main" showMasterSp="1" showMasterPhAnim="1">
   <p:cSld>
     <p:spTree>
@@ -24584,7 +23781,7 @@
       </p:grpSpPr>
       <p:sp>
         <p:nvSpPr>
-          <p:cNvPr id="738" name="Objects Oriented Programming"/>
+          <p:cNvPr id="717" name="Objects Oriented Programming"/>
           <p:cNvSpPr txBox="1"/>
           <p:nvPr/>
         </p:nvSpPr>
@@ -24630,7 +23827,7 @@
       </p:sp>
       <p:sp>
         <p:nvSpPr>
-          <p:cNvPr id="739" name="Slide Number"/>
+          <p:cNvPr id="718" name="Slide Number"/>
           <p:cNvSpPr txBox="1"/>
           <p:nvPr>
             <p:ph type="sldNum" sz="quarter" idx="4294967295"/>
@@ -24657,7 +23854,7 @@
       </p:sp>
       <p:grpSp>
         <p:nvGrpSpPr>
-          <p:cNvPr id="744" name="Group"/>
+          <p:cNvPr id="723" name="Group"/>
           <p:cNvGrpSpPr/>
           <p:nvPr/>
         </p:nvGrpSpPr>
@@ -24671,7 +23868,7 @@
         </p:grpSpPr>
         <p:pic>
           <p:nvPicPr>
-            <p:cNvPr id="740" name="pasted-movie.png" descr="pasted-movie.png"/>
+            <p:cNvPr id="719" name="pasted-movie.png" descr="pasted-movie.png"/>
             <p:cNvPicPr>
               <a:picLocks noChangeAspect="1"/>
             </p:cNvPicPr>
@@ -24702,7 +23899,7 @@
         </p:pic>
         <p:sp>
           <p:nvSpPr>
-            <p:cNvPr id="741" name="Gammasoft"/>
+            <p:cNvPr id="720" name="Gammasoft"/>
             <p:cNvSpPr txBox="1"/>
             <p:nvPr/>
           </p:nvSpPr>
@@ -24741,7 +23938,7 @@
         </p:sp>
         <p:sp>
           <p:nvSpPr>
-            <p:cNvPr id="742" name="Modern C++ Course"/>
+            <p:cNvPr id="721" name="Modern C++ Course"/>
             <p:cNvSpPr txBox="1"/>
             <p:nvPr/>
           </p:nvSpPr>
@@ -24780,7 +23977,7 @@
         </p:sp>
         <p:sp>
           <p:nvSpPr>
-            <p:cNvPr id="743" name="Rectangle"/>
+            <p:cNvPr id="722" name="Rectangle"/>
             <p:cNvSpPr/>
             <p:nvPr/>
           </p:nvSpPr>
@@ -24832,7 +24029,7 @@
       </p:grpSp>
       <p:sp>
         <p:nvSpPr>
-          <p:cNvPr id="745" name="Objects Oriented Programming (OOP)"/>
+          <p:cNvPr id="724" name="Objects Oriented Programming (OOP)"/>
           <p:cNvSpPr txBox="1"/>
           <p:nvPr>
             <p:ph type="title" idx="4294967295"/>
@@ -24860,7 +24057,7 @@
       </p:sp>
       <p:sp>
         <p:nvSpPr>
-          <p:cNvPr id="746" name="Objects and classes…"/>
+          <p:cNvPr id="725" name="Objects and classes…"/>
           <p:cNvSpPr txBox="1"/>
           <p:nvPr>
             <p:ph type="body" idx="4294967295"/>
@@ -24938,13 +24135,13 @@
       </p:sp>
       <p:sp>
         <p:nvSpPr>
-          <p:cNvPr id="747" name="Rectangle"/>
+          <p:cNvPr id="726" name="Rectangle"/>
           <p:cNvSpPr/>
           <p:nvPr/>
         </p:nvSpPr>
         <p:spPr>
           <a:xfrm>
-            <a:off x="1229879" y="11564808"/>
+            <a:off x="1229879" y="10307508"/>
             <a:ext cx="10877146" cy="910672"/>
           </a:xfrm>
           <a:prstGeom prst="rect">
@@ -24983,6 +24180,803 @@
           </a:p>
         </p:txBody>
       </p:sp>
+    </p:spTree>
+  </p:cSld>
+  <p:clrMapOvr>
+    <a:masterClrMapping/>
+  </p:clrMapOvr>
+  <p:transition xmlns:p14="http://schemas.microsoft.com/office/powerpoint/2010/main" spd="med" advClick="1"/>
+</p:sld>
+</file>
+
+<file path=ppt/slides/slide48.xml><?xml version="1.0" encoding="utf-8"?>
+<p:sld xmlns:a="http://schemas.openxmlformats.org/drawingml/2006/main" xmlns:r="http://schemas.openxmlformats.org/officeDocument/2006/relationships" xmlns:p="http://schemas.openxmlformats.org/presentationml/2006/main" xmlns:m="http://schemas.openxmlformats.org/officeDocument/2006/math" xmlns:a14="http://schemas.microsoft.com/office/drawing/2010/main" showMasterSp="1" showMasterPhAnim="1">
+  <p:cSld>
+    <p:spTree>
+      <p:nvGrpSpPr>
+        <p:cNvPr id="1" name=""/>
+        <p:cNvGrpSpPr/>
+        <p:nvPr/>
+      </p:nvGrpSpPr>
+      <p:grpSpPr>
+        <a:xfrm>
+          <a:off x="0" y="0"/>
+          <a:ext cx="0" cy="0"/>
+          <a:chOff x="0" y="0"/>
+          <a:chExt cx="0" cy="0"/>
+        </a:xfrm>
+      </p:grpSpPr>
+      <p:sp>
+        <p:nvSpPr>
+          <p:cNvPr id="728" name="Objects Oriented Programming"/>
+          <p:cNvSpPr txBox="1"/>
+          <p:nvPr/>
+        </p:nvSpPr>
+        <p:spPr>
+          <a:xfrm>
+            <a:off x="20036166" y="3143"/>
+            <a:ext cx="4354679" cy="461366"/>
+          </a:xfrm>
+          <a:prstGeom prst="rect">
+            <a:avLst/>
+          </a:prstGeom>
+          <a:ln w="12700">
+            <a:miter lim="400000"/>
+          </a:ln>
+          <a:extLst>
+            <a:ext uri="{C572A759-6A51-4108-AA02-DFA0A04FC94B}">
+              <ma14:wrappingTextBoxFlag xmlns:ma14="http://schemas.microsoft.com/office/mac/drawingml/2011/main" val="1"/>
+            </a:ext>
+          </a:extLst>
+        </p:spPr>
+        <p:txBody>
+          <a:bodyPr wrap="none" lIns="50800" tIns="50800" rIns="50800" bIns="50800" anchor="ctr">
+            <a:spAutoFit/>
+          </a:bodyPr>
+          <a:lstStyle>
+            <a:lvl1pPr algn="r">
+              <a:lnSpc>
+                <a:spcPct val="100000"/>
+              </a:lnSpc>
+              <a:spcBef>
+                <a:spcPts val="0"/>
+              </a:spcBef>
+              <a:defRPr sz="2400"/>
+            </a:lvl1pPr>
+          </a:lstStyle>
+          <a:p>
+            <a:pPr/>
+            <a:r>
+              <a:t>Objects Oriented Programming</a:t>
+            </a:r>
+          </a:p>
+        </p:txBody>
+      </p:sp>
+      <p:sp>
+        <p:nvSpPr>
+          <p:cNvPr id="729" name="Slide Number"/>
+          <p:cNvSpPr txBox="1"/>
+          <p:nvPr>
+            <p:ph type="sldNum" sz="quarter" idx="4294967295"/>
+          </p:nvPr>
+        </p:nvSpPr>
+        <p:spPr>
+          <a:prstGeom prst="rect">
+            <a:avLst/>
+          </a:prstGeom>
+          <a:extLst>
+            <a:ext uri="{C572A759-6A51-4108-AA02-DFA0A04FC94B}">
+              <ma14:wrappingTextBoxFlag xmlns:ma14="http://schemas.microsoft.com/office/mac/drawingml/2011/main" val="1"/>
+            </a:ext>
+          </a:extLst>
+        </p:spPr>
+        <p:txBody>
+          <a:bodyPr/>
+          <a:lstStyle/>
+          <a:p>
+            <a:pPr/>
+            <a:fld id="{86CB4B4D-7CA3-9044-876B-883B54F8677D}" type="slidenum"/>
+          </a:p>
+        </p:txBody>
+      </p:sp>
+      <p:grpSp>
+        <p:nvGrpSpPr>
+          <p:cNvPr id="734" name="Group"/>
+          <p:cNvGrpSpPr/>
+          <p:nvPr/>
+        </p:nvGrpSpPr>
+        <p:grpSpPr>
+          <a:xfrm>
+            <a:off x="1068" y="12709669"/>
+            <a:ext cx="24381864" cy="1000421"/>
+            <a:chOff x="0" y="0"/>
+            <a:chExt cx="24381862" cy="1000420"/>
+          </a:xfrm>
+        </p:grpSpPr>
+        <p:pic>
+          <p:nvPicPr>
+            <p:cNvPr id="730" name="pasted-movie.png" descr="pasted-movie.png"/>
+            <p:cNvPicPr>
+              <a:picLocks noChangeAspect="1"/>
+            </p:cNvPicPr>
+            <p:nvPr/>
+          </p:nvPicPr>
+          <p:blipFill>
+            <a:blip r:embed="rId2">
+              <a:extLst/>
+            </a:blip>
+            <a:stretch>
+              <a:fillRect/>
+            </a:stretch>
+          </p:blipFill>
+          <p:spPr>
+            <a:xfrm>
+              <a:off x="550774" y="93809"/>
+              <a:ext cx="812801" cy="812801"/>
+            </a:xfrm>
+            <a:prstGeom prst="rect">
+              <a:avLst/>
+            </a:prstGeom>
+            <a:ln w="12700" cap="flat">
+              <a:noFill/>
+              <a:miter lim="400000"/>
+            </a:ln>
+            <a:effectLst/>
+          </p:spPr>
+        </p:pic>
+        <p:sp>
+          <p:nvSpPr>
+            <p:cNvPr id="731" name="Gammasoft"/>
+            <p:cNvSpPr txBox="1"/>
+            <p:nvPr/>
+          </p:nvSpPr>
+          <p:spPr>
+            <a:xfrm>
+              <a:off x="1547842" y="95994"/>
+              <a:ext cx="3298851" cy="808432"/>
+            </a:xfrm>
+            <a:prstGeom prst="rect">
+              <a:avLst/>
+            </a:prstGeom>
+            <a:noFill/>
+            <a:ln w="12700" cap="flat">
+              <a:noFill/>
+              <a:miter lim="400000"/>
+            </a:ln>
+            <a:effectLst/>
+            <a:extLst>
+              <a:ext uri="{C572A759-6A51-4108-AA02-DFA0A04FC94B}">
+                <ma14:wrappingTextBoxFlag xmlns:ma14="http://schemas.microsoft.com/office/mac/drawingml/2011/main" val="1"/>
+              </a:ext>
+            </a:extLst>
+          </p:spPr>
+          <p:txBody>
+            <a:bodyPr wrap="none" lIns="50800" tIns="50800" rIns="50800" bIns="50800" numCol="1" anchor="ctr">
+              <a:spAutoFit/>
+            </a:bodyPr>
+            <a:lstStyle/>
+            <a:p>
+              <a:pPr/>
+              <a:r>
+                <a:t>Gammasoft</a:t>
+              </a:r>
+            </a:p>
+          </p:txBody>
+        </p:sp>
+        <p:sp>
+          <p:nvSpPr>
+            <p:cNvPr id="732" name="Modern C++ Course"/>
+            <p:cNvSpPr txBox="1"/>
+            <p:nvPr/>
+          </p:nvSpPr>
+          <p:spPr>
+            <a:xfrm>
+              <a:off x="18055790" y="95994"/>
+              <a:ext cx="5711649" cy="808432"/>
+            </a:xfrm>
+            <a:prstGeom prst="rect">
+              <a:avLst/>
+            </a:prstGeom>
+            <a:noFill/>
+            <a:ln w="12700" cap="flat">
+              <a:noFill/>
+              <a:miter lim="400000"/>
+            </a:ln>
+            <a:effectLst/>
+            <a:extLst>
+              <a:ext uri="{C572A759-6A51-4108-AA02-DFA0A04FC94B}">
+                <ma14:wrappingTextBoxFlag xmlns:ma14="http://schemas.microsoft.com/office/mac/drawingml/2011/main" val="1"/>
+              </a:ext>
+            </a:extLst>
+          </p:spPr>
+          <p:txBody>
+            <a:bodyPr wrap="none" lIns="50800" tIns="50800" rIns="50800" bIns="50800" numCol="1" anchor="ctr">
+              <a:spAutoFit/>
+            </a:bodyPr>
+            <a:lstStyle/>
+            <a:p>
+              <a:pPr/>
+              <a:r>
+                <a:t>Modern C++ Course</a:t>
+              </a:r>
+            </a:p>
+          </p:txBody>
+        </p:sp>
+        <p:sp>
+          <p:nvSpPr>
+            <p:cNvPr id="733" name="Rectangle"/>
+            <p:cNvSpPr/>
+            <p:nvPr/>
+          </p:nvSpPr>
+          <p:spPr>
+            <a:xfrm>
+              <a:off x="0" y="0"/>
+              <a:ext cx="24381863" cy="1000421"/>
+            </a:xfrm>
+            <a:prstGeom prst="rect">
+              <a:avLst/>
+            </a:prstGeom>
+            <a:solidFill>
+              <a:srgbClr val="0080FF">
+                <a:alpha val="50561"/>
+              </a:srgbClr>
+            </a:solidFill>
+            <a:ln w="12700" cap="flat">
+              <a:noFill/>
+              <a:miter lim="400000"/>
+            </a:ln>
+            <a:effectLst/>
+          </p:spPr>
+          <p:txBody>
+            <a:bodyPr wrap="square" lIns="50800" tIns="50800" rIns="50800" bIns="50800" numCol="1" anchor="ctr">
+              <a:noAutofit/>
+            </a:bodyPr>
+            <a:lstStyle/>
+            <a:p>
+              <a:pPr algn="ctr" defTabSz="825500">
+                <a:lnSpc>
+                  <a:spcPct val="100000"/>
+                </a:lnSpc>
+                <a:spcBef>
+                  <a:spcPts val="0"/>
+                </a:spcBef>
+                <a:defRPr sz="3200">
+                  <a:solidFill>
+                    <a:srgbClr val="000000"/>
+                  </a:solidFill>
+                  <a:latin typeface="Helvetica Neue Medium"/>
+                  <a:ea typeface="Helvetica Neue Medium"/>
+                  <a:cs typeface="Helvetica Neue Medium"/>
+                  <a:sym typeface="Helvetica Neue Medium"/>
+                </a:defRPr>
+              </a:pPr>
+            </a:p>
+          </p:txBody>
+        </p:sp>
+      </p:grpSp>
+      <p:sp>
+        <p:nvSpPr>
+          <p:cNvPr id="735" name="Objects Oriented Programming (OOP)"/>
+          <p:cNvSpPr txBox="1"/>
+          <p:nvPr>
+            <p:ph type="title" idx="4294967295"/>
+          </p:nvPr>
+        </p:nvSpPr>
+        <p:spPr>
+          <a:xfrm>
+            <a:off x="1206500" y="952500"/>
+            <a:ext cx="18969027" cy="1435100"/>
+          </a:xfrm>
+          <a:prstGeom prst="rect">
+            <a:avLst/>
+          </a:prstGeom>
+        </p:spPr>
+        <p:txBody>
+          <a:bodyPr/>
+          <a:lstStyle/>
+          <a:p>
+            <a:pPr/>
+            <a:r>
+              <a:t>Objects Oriented Programming (OOP) </a:t>
+            </a:r>
+          </a:p>
+        </p:txBody>
+      </p:sp>
+      <p:sp>
+        <p:nvSpPr>
+          <p:cNvPr id="736" name="Objects and classes…"/>
+          <p:cNvSpPr txBox="1"/>
+          <p:nvPr>
+            <p:ph type="body" idx="4294967295"/>
+          </p:nvPr>
+        </p:nvSpPr>
+        <p:spPr>
+          <a:prstGeom prst="rect">
+            <a:avLst/>
+          </a:prstGeom>
+        </p:spPr>
+        <p:txBody>
+          <a:bodyPr numCol="2" spcCol="1098550"/>
+          <a:lstStyle/>
+          <a:p>
+            <a:pPr/>
+            <a:r>
+              <a:t>Objects and classes</a:t>
+            </a:r>
+          </a:p>
+          <a:p>
+            <a:pPr/>
+            <a:r>
+              <a:t>Inheritance</a:t>
+            </a:r>
+          </a:p>
+          <a:p>
+            <a:pPr/>
+            <a:r>
+              <a:t>Constructors / Destructors</a:t>
+            </a:r>
+          </a:p>
+          <a:p>
+            <a:pPr/>
+            <a:r>
+              <a:t>Static members</a:t>
+            </a:r>
+          </a:p>
+          <a:p>
+            <a:pPr/>
+            <a:r>
+              <a:t>Allocating objects</a:t>
+            </a:r>
+          </a:p>
+          <a:p>
+            <a:pPr/>
+            <a:r>
+              <a:t>Advanced Object Oriented</a:t>
+            </a:r>
+          </a:p>
+          <a:p>
+            <a:pPr/>
+            <a:r>
+              <a:t>Type casing</a:t>
+            </a:r>
+          </a:p>
+          <a:p>
+            <a:pPr/>
+            <a:r>
+              <a:t>Operator overloading</a:t>
+            </a:r>
+          </a:p>
+          <a:p>
+            <a:pPr/>
+            <a:r>
+              <a:t>Function objects</a:t>
+            </a:r>
+          </a:p>
+          <a:p>
+            <a:pPr/>
+            <a:r>
+              <a:t>Name Lookups</a:t>
+            </a:r>
+          </a:p>
+        </p:txBody>
+      </p:sp>
+      <p:sp>
+        <p:nvSpPr>
+          <p:cNvPr id="737" name="Rectangle"/>
+          <p:cNvSpPr/>
+          <p:nvPr/>
+        </p:nvSpPr>
+        <p:spPr>
+          <a:xfrm>
+            <a:off x="1229879" y="11564808"/>
+            <a:ext cx="10877146" cy="910672"/>
+          </a:xfrm>
+          <a:prstGeom prst="rect">
+            <a:avLst/>
+          </a:prstGeom>
+          <a:solidFill>
+            <a:srgbClr val="0080FF">
+              <a:alpha val="44038"/>
+            </a:srgbClr>
+          </a:solidFill>
+          <a:ln w="12700">
+            <a:miter lim="400000"/>
+          </a:ln>
+        </p:spPr>
+        <p:txBody>
+          <a:bodyPr lIns="50800" tIns="50800" rIns="50800" bIns="50800" anchor="ctr"/>
+          <a:lstStyle/>
+          <a:p>
+            <a:pPr algn="ctr" defTabSz="825500">
+              <a:lnSpc>
+                <a:spcPct val="100000"/>
+              </a:lnSpc>
+              <a:spcBef>
+                <a:spcPts val="0"/>
+              </a:spcBef>
+              <a:defRPr sz="3200">
+                <a:solidFill>
+                  <a:srgbClr val="000000"/>
+                </a:solidFill>
+                <a:latin typeface="Helvetica Neue Medium"/>
+                <a:ea typeface="Helvetica Neue Medium"/>
+                <a:cs typeface="Helvetica Neue Medium"/>
+                <a:sym typeface="Helvetica Neue Medium"/>
+              </a:defRPr>
+            </a:pPr>
+          </a:p>
+        </p:txBody>
+      </p:sp>
+    </p:spTree>
+  </p:cSld>
+  <p:clrMapOvr>
+    <a:masterClrMapping/>
+  </p:clrMapOvr>
+  <p:transition xmlns:p14="http://schemas.microsoft.com/office/powerpoint/2010/main" spd="med" advClick="1"/>
+</p:sld>
+</file>
+
+<file path=ppt/slides/slide49.xml><?xml version="1.0" encoding="utf-8"?>
+<p:sld xmlns:a="http://schemas.openxmlformats.org/drawingml/2006/main" xmlns:r="http://schemas.openxmlformats.org/officeDocument/2006/relationships" xmlns:p="http://schemas.openxmlformats.org/presentationml/2006/main" xmlns:m="http://schemas.openxmlformats.org/officeDocument/2006/math" xmlns:a14="http://schemas.microsoft.com/office/drawing/2010/main" showMasterSp="1" showMasterPhAnim="1">
+  <p:cSld>
+    <p:spTree>
+      <p:nvGrpSpPr>
+        <p:cNvPr id="1" name=""/>
+        <p:cNvGrpSpPr/>
+        <p:nvPr/>
+      </p:nvGrpSpPr>
+      <p:grpSpPr>
+        <a:xfrm>
+          <a:off x="0" y="0"/>
+          <a:ext cx="0" cy="0"/>
+          <a:chOff x="0" y="0"/>
+          <a:chExt cx="0" cy="0"/>
+        </a:xfrm>
+      </p:grpSpPr>
+      <p:sp>
+        <p:nvSpPr>
+          <p:cNvPr id="739" name="Slide Title"/>
+          <p:cNvSpPr txBox="1"/>
+          <p:nvPr>
+            <p:ph type="title" idx="4294967295"/>
+          </p:nvPr>
+        </p:nvSpPr>
+        <p:spPr>
+          <a:xfrm>
+            <a:off x="1206500" y="952500"/>
+            <a:ext cx="10477500" cy="1435100"/>
+          </a:xfrm>
+          <a:prstGeom prst="rect">
+            <a:avLst/>
+          </a:prstGeom>
+        </p:spPr>
+        <p:txBody>
+          <a:bodyPr/>
+          <a:lstStyle/>
+          <a:p>
+            <a:pPr/>
+          </a:p>
+        </p:txBody>
+      </p:sp>
+      <p:sp>
+        <p:nvSpPr>
+          <p:cNvPr id="740" name="Slide bullet text"/>
+          <p:cNvSpPr txBox="1"/>
+          <p:nvPr>
+            <p:ph type="body" sz="half" idx="4294967295"/>
+          </p:nvPr>
+        </p:nvSpPr>
+        <p:spPr>
+          <a:xfrm>
+            <a:off x="1206500" y="4248504"/>
+            <a:ext cx="10477500" cy="8256012"/>
+          </a:xfrm>
+          <a:prstGeom prst="rect">
+            <a:avLst/>
+          </a:prstGeom>
+        </p:spPr>
+        <p:txBody>
+          <a:bodyPr/>
+          <a:lstStyle/>
+          <a:p>
+            <a:pPr/>
+          </a:p>
+        </p:txBody>
+      </p:sp>
+      <p:sp>
+        <p:nvSpPr>
+          <p:cNvPr id="741" name="Slide Number"/>
+          <p:cNvSpPr txBox="1"/>
+          <p:nvPr>
+            <p:ph type="sldNum" sz="quarter" idx="4294967295"/>
+          </p:nvPr>
+        </p:nvSpPr>
+        <p:spPr>
+          <a:prstGeom prst="rect">
+            <a:avLst/>
+          </a:prstGeom>
+          <a:extLst>
+            <a:ext uri="{C572A759-6A51-4108-AA02-DFA0A04FC94B}">
+              <ma14:wrappingTextBoxFlag xmlns:ma14="http://schemas.microsoft.com/office/mac/drawingml/2011/main" val="1"/>
+            </a:ext>
+          </a:extLst>
+        </p:spPr>
+        <p:txBody>
+          <a:bodyPr/>
+          <a:lstStyle/>
+          <a:p>
+            <a:pPr/>
+            <a:fld id="{86CB4B4D-7CA3-9044-876B-883B54F8677D}" type="slidenum"/>
+          </a:p>
+        </p:txBody>
+      </p:sp>
+      <p:sp>
+        <p:nvSpPr>
+          <p:cNvPr id="742" name="Object Oriented Programming | Type casing"/>
+          <p:cNvSpPr txBox="1"/>
+          <p:nvPr/>
+        </p:nvSpPr>
+        <p:spPr>
+          <a:xfrm>
+            <a:off x="18336906" y="3143"/>
+            <a:ext cx="6053939" cy="461366"/>
+          </a:xfrm>
+          <a:prstGeom prst="rect">
+            <a:avLst/>
+          </a:prstGeom>
+          <a:ln w="12700">
+            <a:miter lim="400000"/>
+          </a:ln>
+          <a:extLst>
+            <a:ext uri="{C572A759-6A51-4108-AA02-DFA0A04FC94B}">
+              <ma14:wrappingTextBoxFlag xmlns:ma14="http://schemas.microsoft.com/office/mac/drawingml/2011/main" val="1"/>
+            </a:ext>
+          </a:extLst>
+        </p:spPr>
+        <p:txBody>
+          <a:bodyPr wrap="none" lIns="50800" tIns="50800" rIns="50800" bIns="50800" anchor="ctr">
+            <a:spAutoFit/>
+          </a:bodyPr>
+          <a:lstStyle>
+            <a:lvl1pPr algn="r">
+              <a:lnSpc>
+                <a:spcPct val="100000"/>
+              </a:lnSpc>
+              <a:spcBef>
+                <a:spcPts val="0"/>
+              </a:spcBef>
+              <a:defRPr sz="2400"/>
+            </a:lvl1pPr>
+          </a:lstStyle>
+          <a:p>
+            <a:pPr/>
+            <a:r>
+              <a:t>Object Oriented Programming | Type casing</a:t>
+            </a:r>
+          </a:p>
+        </p:txBody>
+      </p:sp>
+      <p:sp>
+        <p:nvSpPr>
+          <p:cNvPr id="743" name="C++98"/>
+          <p:cNvSpPr txBox="1"/>
+          <p:nvPr/>
+        </p:nvSpPr>
+        <p:spPr>
+          <a:xfrm>
+            <a:off x="2647" y="2528"/>
+            <a:ext cx="1039064" cy="461366"/>
+          </a:xfrm>
+          <a:prstGeom prst="rect">
+            <a:avLst/>
+          </a:prstGeom>
+          <a:ln w="12700">
+            <a:miter lim="400000"/>
+          </a:ln>
+          <a:extLst>
+            <a:ext uri="{C572A759-6A51-4108-AA02-DFA0A04FC94B}">
+              <ma14:wrappingTextBoxFlag xmlns:ma14="http://schemas.microsoft.com/office/mac/drawingml/2011/main" val="1"/>
+            </a:ext>
+          </a:extLst>
+        </p:spPr>
+        <p:txBody>
+          <a:bodyPr wrap="none" lIns="50800" tIns="50800" rIns="50800" bIns="50800" anchor="ctr">
+            <a:spAutoFit/>
+          </a:bodyPr>
+          <a:lstStyle>
+            <a:lvl1pPr>
+              <a:lnSpc>
+                <a:spcPct val="100000"/>
+              </a:lnSpc>
+              <a:spcBef>
+                <a:spcPts val="0"/>
+              </a:spcBef>
+              <a:defRPr sz="2400"/>
+            </a:lvl1pPr>
+          </a:lstStyle>
+          <a:p>
+            <a:pPr/>
+            <a:r>
+              <a:t>C++98</a:t>
+            </a:r>
+          </a:p>
+        </p:txBody>
+      </p:sp>
+      <p:grpSp>
+        <p:nvGrpSpPr>
+          <p:cNvPr id="748" name="Group"/>
+          <p:cNvGrpSpPr/>
+          <p:nvPr/>
+        </p:nvGrpSpPr>
+        <p:grpSpPr>
+          <a:xfrm>
+            <a:off x="1068" y="12709669"/>
+            <a:ext cx="24381864" cy="1000421"/>
+            <a:chOff x="0" y="0"/>
+            <a:chExt cx="24381862" cy="1000420"/>
+          </a:xfrm>
+        </p:grpSpPr>
+        <p:pic>
+          <p:nvPicPr>
+            <p:cNvPr id="744" name="pasted-movie.png" descr="pasted-movie.png"/>
+            <p:cNvPicPr>
+              <a:picLocks noChangeAspect="1"/>
+            </p:cNvPicPr>
+            <p:nvPr/>
+          </p:nvPicPr>
+          <p:blipFill>
+            <a:blip r:embed="rId2">
+              <a:extLst/>
+            </a:blip>
+            <a:stretch>
+              <a:fillRect/>
+            </a:stretch>
+          </p:blipFill>
+          <p:spPr>
+            <a:xfrm>
+              <a:off x="550774" y="93809"/>
+              <a:ext cx="812801" cy="812801"/>
+            </a:xfrm>
+            <a:prstGeom prst="rect">
+              <a:avLst/>
+            </a:prstGeom>
+            <a:ln w="12700" cap="flat">
+              <a:noFill/>
+              <a:miter lim="400000"/>
+            </a:ln>
+            <a:effectLst/>
+          </p:spPr>
+        </p:pic>
+        <p:sp>
+          <p:nvSpPr>
+            <p:cNvPr id="745" name="Gammasoft"/>
+            <p:cNvSpPr txBox="1"/>
+            <p:nvPr/>
+          </p:nvSpPr>
+          <p:spPr>
+            <a:xfrm>
+              <a:off x="1547842" y="95994"/>
+              <a:ext cx="3298851" cy="808432"/>
+            </a:xfrm>
+            <a:prstGeom prst="rect">
+              <a:avLst/>
+            </a:prstGeom>
+            <a:noFill/>
+            <a:ln w="12700" cap="flat">
+              <a:noFill/>
+              <a:miter lim="400000"/>
+            </a:ln>
+            <a:effectLst/>
+            <a:extLst>
+              <a:ext uri="{C572A759-6A51-4108-AA02-DFA0A04FC94B}">
+                <ma14:wrappingTextBoxFlag xmlns:ma14="http://schemas.microsoft.com/office/mac/drawingml/2011/main" val="1"/>
+              </a:ext>
+            </a:extLst>
+          </p:spPr>
+          <p:txBody>
+            <a:bodyPr wrap="none" lIns="50800" tIns="50800" rIns="50800" bIns="50800" numCol="1" anchor="ctr">
+              <a:spAutoFit/>
+            </a:bodyPr>
+            <a:lstStyle/>
+            <a:p>
+              <a:pPr/>
+              <a:r>
+                <a:t>Gammasoft</a:t>
+              </a:r>
+            </a:p>
+          </p:txBody>
+        </p:sp>
+        <p:sp>
+          <p:nvSpPr>
+            <p:cNvPr id="746" name="Modern C++ Course"/>
+            <p:cNvSpPr txBox="1"/>
+            <p:nvPr/>
+          </p:nvSpPr>
+          <p:spPr>
+            <a:xfrm>
+              <a:off x="18055790" y="95994"/>
+              <a:ext cx="5711649" cy="808432"/>
+            </a:xfrm>
+            <a:prstGeom prst="rect">
+              <a:avLst/>
+            </a:prstGeom>
+            <a:noFill/>
+            <a:ln w="12700" cap="flat">
+              <a:noFill/>
+              <a:miter lim="400000"/>
+            </a:ln>
+            <a:effectLst/>
+            <a:extLst>
+              <a:ext uri="{C572A759-6A51-4108-AA02-DFA0A04FC94B}">
+                <ma14:wrappingTextBoxFlag xmlns:ma14="http://schemas.microsoft.com/office/mac/drawingml/2011/main" val="1"/>
+              </a:ext>
+            </a:extLst>
+          </p:spPr>
+          <p:txBody>
+            <a:bodyPr wrap="none" lIns="50800" tIns="50800" rIns="50800" bIns="50800" numCol="1" anchor="ctr">
+              <a:spAutoFit/>
+            </a:bodyPr>
+            <a:lstStyle/>
+            <a:p>
+              <a:pPr/>
+              <a:r>
+                <a:t>Modern C++ Course</a:t>
+              </a:r>
+            </a:p>
+          </p:txBody>
+        </p:sp>
+        <p:sp>
+          <p:nvSpPr>
+            <p:cNvPr id="747" name="Rectangle"/>
+            <p:cNvSpPr/>
+            <p:nvPr/>
+          </p:nvSpPr>
+          <p:spPr>
+            <a:xfrm>
+              <a:off x="0" y="0"/>
+              <a:ext cx="24381863" cy="1000421"/>
+            </a:xfrm>
+            <a:prstGeom prst="rect">
+              <a:avLst/>
+            </a:prstGeom>
+            <a:solidFill>
+              <a:srgbClr val="0080FF">
+                <a:alpha val="50561"/>
+              </a:srgbClr>
+            </a:solidFill>
+            <a:ln w="12700" cap="flat">
+              <a:noFill/>
+              <a:miter lim="400000"/>
+            </a:ln>
+            <a:effectLst/>
+          </p:spPr>
+          <p:txBody>
+            <a:bodyPr wrap="square" lIns="50800" tIns="50800" rIns="50800" bIns="50800" numCol="1" anchor="ctr">
+              <a:noAutofit/>
+            </a:bodyPr>
+            <a:lstStyle/>
+            <a:p>
+              <a:pPr algn="ctr" defTabSz="825500">
+                <a:lnSpc>
+                  <a:spcPct val="100000"/>
+                </a:lnSpc>
+                <a:spcBef>
+                  <a:spcPts val="0"/>
+                </a:spcBef>
+                <a:defRPr sz="3200">
+                  <a:solidFill>
+                    <a:srgbClr val="000000"/>
+                  </a:solidFill>
+                  <a:latin typeface="Helvetica Neue Medium"/>
+                  <a:ea typeface="Helvetica Neue Medium"/>
+                  <a:cs typeface="Helvetica Neue Medium"/>
+                  <a:sym typeface="Helvetica Neue Medium"/>
+                </a:defRPr>
+              </a:pPr>
+            </a:p>
+          </p:txBody>
+        </p:sp>
+      </p:grpSp>
     </p:spTree>
   </p:cSld>
   <p:clrMapOvr>
@@ -25394,7 +25388,7 @@
       </p:grpSpPr>
       <p:sp>
         <p:nvSpPr>
-          <p:cNvPr id="749" name="Objects Oriented Programming"/>
+          <p:cNvPr id="750" name="Objects Oriented Programming"/>
           <p:cNvSpPr txBox="1"/>
           <p:nvPr/>
         </p:nvSpPr>
@@ -25440,7 +25434,7 @@
       </p:sp>
       <p:sp>
         <p:nvSpPr>
-          <p:cNvPr id="750" name="Slide Number"/>
+          <p:cNvPr id="751" name="Slide Number"/>
           <p:cNvSpPr txBox="1"/>
           <p:nvPr>
             <p:ph type="sldNum" sz="quarter" idx="4294967295"/>
@@ -25467,7 +25461,7 @@
       </p:sp>
       <p:grpSp>
         <p:nvGrpSpPr>
-          <p:cNvPr id="755" name="Group"/>
+          <p:cNvPr id="756" name="Group"/>
           <p:cNvGrpSpPr/>
           <p:nvPr/>
         </p:nvGrpSpPr>
@@ -25481,7 +25475,7 @@
         </p:grpSpPr>
         <p:pic>
           <p:nvPicPr>
-            <p:cNvPr id="751" name="pasted-movie.png" descr="pasted-movie.png"/>
+            <p:cNvPr id="752" name="pasted-movie.png" descr="pasted-movie.png"/>
             <p:cNvPicPr>
               <a:picLocks noChangeAspect="1"/>
             </p:cNvPicPr>
@@ -25512,7 +25506,7 @@
         </p:pic>
         <p:sp>
           <p:nvSpPr>
-            <p:cNvPr id="752" name="Gammasoft"/>
+            <p:cNvPr id="753" name="Gammasoft"/>
             <p:cNvSpPr txBox="1"/>
             <p:nvPr/>
           </p:nvSpPr>
@@ -25551,7 +25545,7 @@
         </p:sp>
         <p:sp>
           <p:nvSpPr>
-            <p:cNvPr id="753" name="Modern C++ Course"/>
+            <p:cNvPr id="754" name="Modern C++ Course"/>
             <p:cNvSpPr txBox="1"/>
             <p:nvPr/>
           </p:nvSpPr>
@@ -25590,7 +25584,7 @@
         </p:sp>
         <p:sp>
           <p:nvSpPr>
-            <p:cNvPr id="754" name="Rectangle"/>
+            <p:cNvPr id="755" name="Rectangle"/>
             <p:cNvSpPr/>
             <p:nvPr/>
           </p:nvSpPr>
@@ -25642,7 +25636,7 @@
       </p:grpSp>
       <p:sp>
         <p:nvSpPr>
-          <p:cNvPr id="756" name="Objects Oriented Programming (OOP)"/>
+          <p:cNvPr id="757" name="Objects Oriented Programming (OOP)"/>
           <p:cNvSpPr txBox="1"/>
           <p:nvPr>
             <p:ph type="title" idx="4294967295"/>
@@ -25670,7 +25664,7 @@
       </p:sp>
       <p:sp>
         <p:nvSpPr>
-          <p:cNvPr id="757" name="Objects and classes…"/>
+          <p:cNvPr id="758" name="Objects and classes…"/>
           <p:cNvSpPr txBox="1"/>
           <p:nvPr>
             <p:ph type="body" idx="4294967295"/>
@@ -25748,13 +25742,13 @@
       </p:sp>
       <p:sp>
         <p:nvSpPr>
-          <p:cNvPr id="758" name="Rectangle"/>
+          <p:cNvPr id="759" name="Rectangle"/>
           <p:cNvSpPr/>
           <p:nvPr/>
         </p:nvSpPr>
         <p:spPr>
           <a:xfrm>
-            <a:off x="12685279" y="4198809"/>
+            <a:off x="1229879" y="11564808"/>
             <a:ext cx="10877146" cy="910672"/>
           </a:xfrm>
           <a:prstGeom prst="rect">
@@ -25821,91 +25815,14 @@
       </p:grpSpPr>
       <p:sp>
         <p:nvSpPr>
-          <p:cNvPr id="760" name="Slide Title"/>
-          <p:cNvSpPr txBox="1"/>
-          <p:nvPr>
-            <p:ph type="title" idx="4294967295"/>
-          </p:nvPr>
-        </p:nvSpPr>
-        <p:spPr>
-          <a:xfrm>
-            <a:off x="1206500" y="952500"/>
-            <a:ext cx="10477500" cy="1435100"/>
-          </a:xfrm>
-          <a:prstGeom prst="rect">
-            <a:avLst/>
-          </a:prstGeom>
-        </p:spPr>
-        <p:txBody>
-          <a:bodyPr/>
-          <a:lstStyle/>
-          <a:p>
-            <a:pPr/>
-          </a:p>
-        </p:txBody>
-      </p:sp>
-      <p:sp>
-        <p:nvSpPr>
-          <p:cNvPr id="761" name="Slide bullet text"/>
-          <p:cNvSpPr txBox="1"/>
-          <p:nvPr>
-            <p:ph type="body" sz="half" idx="4294967295"/>
-          </p:nvPr>
-        </p:nvSpPr>
-        <p:spPr>
-          <a:xfrm>
-            <a:off x="1206500" y="4248504"/>
-            <a:ext cx="10477500" cy="8256012"/>
-          </a:xfrm>
-          <a:prstGeom prst="rect">
-            <a:avLst/>
-          </a:prstGeom>
-        </p:spPr>
-        <p:txBody>
-          <a:bodyPr/>
-          <a:lstStyle/>
-          <a:p>
-            <a:pPr/>
-          </a:p>
-        </p:txBody>
-      </p:sp>
-      <p:sp>
-        <p:nvSpPr>
-          <p:cNvPr id="762" name="Slide Number"/>
-          <p:cNvSpPr txBox="1"/>
-          <p:nvPr>
-            <p:ph type="sldNum" sz="quarter" idx="4294967295"/>
-          </p:nvPr>
-        </p:nvSpPr>
-        <p:spPr>
-          <a:prstGeom prst="rect">
-            <a:avLst/>
-          </a:prstGeom>
-          <a:extLst>
-            <a:ext uri="{C572A759-6A51-4108-AA02-DFA0A04FC94B}">
-              <ma14:wrappingTextBoxFlag xmlns:ma14="http://schemas.microsoft.com/office/mac/drawingml/2011/main" val="1"/>
-            </a:ext>
-          </a:extLst>
-        </p:spPr>
-        <p:txBody>
-          <a:bodyPr/>
-          <a:lstStyle/>
-          <a:p>
-            <a:pPr/>
-            <a:fld id="{86CB4B4D-7CA3-9044-876B-883B54F8677D}" type="slidenum"/>
-          </a:p>
-        </p:txBody>
-      </p:sp>
-      <p:sp>
-        <p:nvSpPr>
-          <p:cNvPr id="763" name="Object Oriented Programming | Operator overloading"/>
+          <p:cNvPr id="761" name="Objects Oriented Programming"/>
           <p:cNvSpPr txBox="1"/>
           <p:nvPr/>
         </p:nvSpPr>
         <p:spPr>
           <a:xfrm>
-            <a:off x="17061319" y="3143"/>
-            <a:ext cx="7329526" cy="461366"/>
+            <a:off x="20036166" y="3143"/>
+            <a:ext cx="4354679" cy="461366"/>
           </a:xfrm>
           <a:prstGeom prst="rect">
             <a:avLst/>
@@ -25937,28 +25854,23 @@
           <a:p>
             <a:pPr/>
             <a:r>
-              <a:t>Object Oriented Programming | Operator overloading</a:t>
-            </a:r>
-          </a:p>
-        </p:txBody>
-      </p:sp>
-      <p:sp>
-        <p:nvSpPr>
-          <p:cNvPr id="764" name="C++98"/>
+              <a:t>Objects Oriented Programming</a:t>
+            </a:r>
+          </a:p>
+        </p:txBody>
+      </p:sp>
+      <p:sp>
+        <p:nvSpPr>
+          <p:cNvPr id="762" name="Slide Number"/>
           <p:cNvSpPr txBox="1"/>
-          <p:nvPr/>
-        </p:nvSpPr>
-        <p:spPr>
-          <a:xfrm>
-            <a:off x="2647" y="2528"/>
-            <a:ext cx="1039064" cy="461366"/>
-          </a:xfrm>
-          <a:prstGeom prst="rect">
-            <a:avLst/>
-          </a:prstGeom>
-          <a:ln w="12700">
-            <a:miter lim="400000"/>
-          </a:ln>
+          <p:nvPr>
+            <p:ph type="sldNum" sz="quarter" idx="4294967295"/>
+          </p:nvPr>
+        </p:nvSpPr>
+        <p:spPr>
+          <a:prstGeom prst="rect">
+            <a:avLst/>
+          </a:prstGeom>
           <a:extLst>
             <a:ext uri="{C572A759-6A51-4108-AA02-DFA0A04FC94B}">
               <ma14:wrappingTextBoxFlag xmlns:ma14="http://schemas.microsoft.com/office/mac/drawingml/2011/main" val="1"/>
@@ -25966,31 +25878,17 @@
           </a:extLst>
         </p:spPr>
         <p:txBody>
-          <a:bodyPr wrap="none" lIns="50800" tIns="50800" rIns="50800" bIns="50800" anchor="ctr">
-            <a:spAutoFit/>
-          </a:bodyPr>
-          <a:lstStyle>
-            <a:lvl1pPr>
-              <a:lnSpc>
-                <a:spcPct val="100000"/>
-              </a:lnSpc>
-              <a:spcBef>
-                <a:spcPts val="0"/>
-              </a:spcBef>
-              <a:defRPr sz="2400"/>
-            </a:lvl1pPr>
-          </a:lstStyle>
-          <a:p>
-            <a:pPr/>
-            <a:r>
-              <a:t>C++98</a:t>
-            </a:r>
+          <a:bodyPr/>
+          <a:lstStyle/>
+          <a:p>
+            <a:pPr/>
+            <a:fld id="{86CB4B4D-7CA3-9044-876B-883B54F8677D}" type="slidenum"/>
           </a:p>
         </p:txBody>
       </p:sp>
       <p:grpSp>
         <p:nvGrpSpPr>
-          <p:cNvPr id="769" name="Group"/>
+          <p:cNvPr id="767" name="Group"/>
           <p:cNvGrpSpPr/>
           <p:nvPr/>
         </p:nvGrpSpPr>
@@ -26004,7 +25902,7 @@
         </p:grpSpPr>
         <p:pic>
           <p:nvPicPr>
-            <p:cNvPr id="765" name="pasted-movie.png" descr="pasted-movie.png"/>
+            <p:cNvPr id="763" name="pasted-movie.png" descr="pasted-movie.png"/>
             <p:cNvPicPr>
               <a:picLocks noChangeAspect="1"/>
             </p:cNvPicPr>
@@ -26035,7 +25933,7 @@
         </p:pic>
         <p:sp>
           <p:nvSpPr>
-            <p:cNvPr id="766" name="Gammasoft"/>
+            <p:cNvPr id="764" name="Gammasoft"/>
             <p:cNvSpPr txBox="1"/>
             <p:nvPr/>
           </p:nvSpPr>
@@ -26074,7 +25972,7 @@
         </p:sp>
         <p:sp>
           <p:nvSpPr>
-            <p:cNvPr id="767" name="Modern C++ Course"/>
+            <p:cNvPr id="765" name="Modern C++ Course"/>
             <p:cNvSpPr txBox="1"/>
             <p:nvPr/>
           </p:nvSpPr>
@@ -26113,7 +26011,530 @@
         </p:sp>
         <p:sp>
           <p:nvSpPr>
-            <p:cNvPr id="768" name="Rectangle"/>
+            <p:cNvPr id="766" name="Rectangle"/>
+            <p:cNvSpPr/>
+            <p:nvPr/>
+          </p:nvSpPr>
+          <p:spPr>
+            <a:xfrm>
+              <a:off x="0" y="0"/>
+              <a:ext cx="24381863" cy="1000421"/>
+            </a:xfrm>
+            <a:prstGeom prst="rect">
+              <a:avLst/>
+            </a:prstGeom>
+            <a:solidFill>
+              <a:srgbClr val="0080FF">
+                <a:alpha val="50561"/>
+              </a:srgbClr>
+            </a:solidFill>
+            <a:ln w="12700" cap="flat">
+              <a:noFill/>
+              <a:miter lim="400000"/>
+            </a:ln>
+            <a:effectLst/>
+          </p:spPr>
+          <p:txBody>
+            <a:bodyPr wrap="square" lIns="50800" tIns="50800" rIns="50800" bIns="50800" numCol="1" anchor="ctr">
+              <a:noAutofit/>
+            </a:bodyPr>
+            <a:lstStyle/>
+            <a:p>
+              <a:pPr algn="ctr" defTabSz="825500">
+                <a:lnSpc>
+                  <a:spcPct val="100000"/>
+                </a:lnSpc>
+                <a:spcBef>
+                  <a:spcPts val="0"/>
+                </a:spcBef>
+                <a:defRPr sz="3200">
+                  <a:solidFill>
+                    <a:srgbClr val="000000"/>
+                  </a:solidFill>
+                  <a:latin typeface="Helvetica Neue Medium"/>
+                  <a:ea typeface="Helvetica Neue Medium"/>
+                  <a:cs typeface="Helvetica Neue Medium"/>
+                  <a:sym typeface="Helvetica Neue Medium"/>
+                </a:defRPr>
+              </a:pPr>
+            </a:p>
+          </p:txBody>
+        </p:sp>
+      </p:grpSp>
+      <p:sp>
+        <p:nvSpPr>
+          <p:cNvPr id="768" name="Objects Oriented Programming (OOP)"/>
+          <p:cNvSpPr txBox="1"/>
+          <p:nvPr>
+            <p:ph type="title" idx="4294967295"/>
+          </p:nvPr>
+        </p:nvSpPr>
+        <p:spPr>
+          <a:xfrm>
+            <a:off x="1206500" y="952500"/>
+            <a:ext cx="18969027" cy="1435100"/>
+          </a:xfrm>
+          <a:prstGeom prst="rect">
+            <a:avLst/>
+          </a:prstGeom>
+        </p:spPr>
+        <p:txBody>
+          <a:bodyPr/>
+          <a:lstStyle/>
+          <a:p>
+            <a:pPr/>
+            <a:r>
+              <a:t>Objects Oriented Programming (OOP) </a:t>
+            </a:r>
+          </a:p>
+        </p:txBody>
+      </p:sp>
+      <p:sp>
+        <p:nvSpPr>
+          <p:cNvPr id="769" name="Objects and classes…"/>
+          <p:cNvSpPr txBox="1"/>
+          <p:nvPr>
+            <p:ph type="body" idx="4294967295"/>
+          </p:nvPr>
+        </p:nvSpPr>
+        <p:spPr>
+          <a:prstGeom prst="rect">
+            <a:avLst/>
+          </a:prstGeom>
+        </p:spPr>
+        <p:txBody>
+          <a:bodyPr numCol="2" spcCol="1098550"/>
+          <a:lstStyle/>
+          <a:p>
+            <a:pPr/>
+            <a:r>
+              <a:t>Objects and classes</a:t>
+            </a:r>
+          </a:p>
+          <a:p>
+            <a:pPr/>
+            <a:r>
+              <a:t>Inheritance</a:t>
+            </a:r>
+          </a:p>
+          <a:p>
+            <a:pPr/>
+            <a:r>
+              <a:t>Constructors / Destructors</a:t>
+            </a:r>
+          </a:p>
+          <a:p>
+            <a:pPr/>
+            <a:r>
+              <a:t>Static members</a:t>
+            </a:r>
+          </a:p>
+          <a:p>
+            <a:pPr/>
+            <a:r>
+              <a:t>Allocating objects</a:t>
+            </a:r>
+          </a:p>
+          <a:p>
+            <a:pPr/>
+            <a:r>
+              <a:t>Advanced Object Oriented</a:t>
+            </a:r>
+          </a:p>
+          <a:p>
+            <a:pPr/>
+            <a:r>
+              <a:t>Type casing</a:t>
+            </a:r>
+          </a:p>
+          <a:p>
+            <a:pPr/>
+            <a:r>
+              <a:t>Operator overloading</a:t>
+            </a:r>
+          </a:p>
+          <a:p>
+            <a:pPr/>
+            <a:r>
+              <a:t>Function objects</a:t>
+            </a:r>
+          </a:p>
+          <a:p>
+            <a:pPr/>
+            <a:r>
+              <a:t>Name Lookups</a:t>
+            </a:r>
+          </a:p>
+        </p:txBody>
+      </p:sp>
+      <p:sp>
+        <p:nvSpPr>
+          <p:cNvPr id="770" name="Rectangle"/>
+          <p:cNvSpPr/>
+          <p:nvPr/>
+        </p:nvSpPr>
+        <p:spPr>
+          <a:xfrm>
+            <a:off x="12685279" y="4198809"/>
+            <a:ext cx="10877146" cy="910672"/>
+          </a:xfrm>
+          <a:prstGeom prst="rect">
+            <a:avLst/>
+          </a:prstGeom>
+          <a:solidFill>
+            <a:srgbClr val="0080FF">
+              <a:alpha val="44038"/>
+            </a:srgbClr>
+          </a:solidFill>
+          <a:ln w="12700">
+            <a:miter lim="400000"/>
+          </a:ln>
+        </p:spPr>
+        <p:txBody>
+          <a:bodyPr lIns="50800" tIns="50800" rIns="50800" bIns="50800" anchor="ctr"/>
+          <a:lstStyle/>
+          <a:p>
+            <a:pPr algn="ctr" defTabSz="825500">
+              <a:lnSpc>
+                <a:spcPct val="100000"/>
+              </a:lnSpc>
+              <a:spcBef>
+                <a:spcPts val="0"/>
+              </a:spcBef>
+              <a:defRPr sz="3200">
+                <a:solidFill>
+                  <a:srgbClr val="000000"/>
+                </a:solidFill>
+                <a:latin typeface="Helvetica Neue Medium"/>
+                <a:ea typeface="Helvetica Neue Medium"/>
+                <a:cs typeface="Helvetica Neue Medium"/>
+                <a:sym typeface="Helvetica Neue Medium"/>
+              </a:defRPr>
+            </a:pPr>
+          </a:p>
+        </p:txBody>
+      </p:sp>
+    </p:spTree>
+  </p:cSld>
+  <p:clrMapOvr>
+    <a:masterClrMapping/>
+  </p:clrMapOvr>
+  <p:transition xmlns:p14="http://schemas.microsoft.com/office/powerpoint/2010/main" spd="med" advClick="1"/>
+</p:sld>
+</file>
+
+<file path=ppt/slides/slide52.xml><?xml version="1.0" encoding="utf-8"?>
+<p:sld xmlns:a="http://schemas.openxmlformats.org/drawingml/2006/main" xmlns:r="http://schemas.openxmlformats.org/officeDocument/2006/relationships" xmlns:p="http://schemas.openxmlformats.org/presentationml/2006/main" xmlns:m="http://schemas.openxmlformats.org/officeDocument/2006/math" xmlns:a14="http://schemas.microsoft.com/office/drawing/2010/main" showMasterSp="1" showMasterPhAnim="1">
+  <p:cSld>
+    <p:spTree>
+      <p:nvGrpSpPr>
+        <p:cNvPr id="1" name=""/>
+        <p:cNvGrpSpPr/>
+        <p:nvPr/>
+      </p:nvGrpSpPr>
+      <p:grpSpPr>
+        <a:xfrm>
+          <a:off x="0" y="0"/>
+          <a:ext cx="0" cy="0"/>
+          <a:chOff x="0" y="0"/>
+          <a:chExt cx="0" cy="0"/>
+        </a:xfrm>
+      </p:grpSpPr>
+      <p:sp>
+        <p:nvSpPr>
+          <p:cNvPr id="772" name="Slide Title"/>
+          <p:cNvSpPr txBox="1"/>
+          <p:nvPr>
+            <p:ph type="title" idx="4294967295"/>
+          </p:nvPr>
+        </p:nvSpPr>
+        <p:spPr>
+          <a:xfrm>
+            <a:off x="1206500" y="952500"/>
+            <a:ext cx="10477500" cy="1435100"/>
+          </a:xfrm>
+          <a:prstGeom prst="rect">
+            <a:avLst/>
+          </a:prstGeom>
+        </p:spPr>
+        <p:txBody>
+          <a:bodyPr/>
+          <a:lstStyle/>
+          <a:p>
+            <a:pPr/>
+          </a:p>
+        </p:txBody>
+      </p:sp>
+      <p:sp>
+        <p:nvSpPr>
+          <p:cNvPr id="773" name="Slide bullet text"/>
+          <p:cNvSpPr txBox="1"/>
+          <p:nvPr>
+            <p:ph type="body" sz="half" idx="4294967295"/>
+          </p:nvPr>
+        </p:nvSpPr>
+        <p:spPr>
+          <a:xfrm>
+            <a:off x="1206500" y="4248504"/>
+            <a:ext cx="10477500" cy="8256012"/>
+          </a:xfrm>
+          <a:prstGeom prst="rect">
+            <a:avLst/>
+          </a:prstGeom>
+        </p:spPr>
+        <p:txBody>
+          <a:bodyPr/>
+          <a:lstStyle/>
+          <a:p>
+            <a:pPr/>
+          </a:p>
+        </p:txBody>
+      </p:sp>
+      <p:sp>
+        <p:nvSpPr>
+          <p:cNvPr id="774" name="Slide Number"/>
+          <p:cNvSpPr txBox="1"/>
+          <p:nvPr>
+            <p:ph type="sldNum" sz="quarter" idx="4294967295"/>
+          </p:nvPr>
+        </p:nvSpPr>
+        <p:spPr>
+          <a:prstGeom prst="rect">
+            <a:avLst/>
+          </a:prstGeom>
+          <a:extLst>
+            <a:ext uri="{C572A759-6A51-4108-AA02-DFA0A04FC94B}">
+              <ma14:wrappingTextBoxFlag xmlns:ma14="http://schemas.microsoft.com/office/mac/drawingml/2011/main" val="1"/>
+            </a:ext>
+          </a:extLst>
+        </p:spPr>
+        <p:txBody>
+          <a:bodyPr/>
+          <a:lstStyle/>
+          <a:p>
+            <a:pPr/>
+            <a:fld id="{86CB4B4D-7CA3-9044-876B-883B54F8677D}" type="slidenum"/>
+          </a:p>
+        </p:txBody>
+      </p:sp>
+      <p:sp>
+        <p:nvSpPr>
+          <p:cNvPr id="775" name="Object Oriented Programming | Operator overloading"/>
+          <p:cNvSpPr txBox="1"/>
+          <p:nvPr/>
+        </p:nvSpPr>
+        <p:spPr>
+          <a:xfrm>
+            <a:off x="17061319" y="3143"/>
+            <a:ext cx="7329526" cy="461366"/>
+          </a:xfrm>
+          <a:prstGeom prst="rect">
+            <a:avLst/>
+          </a:prstGeom>
+          <a:ln w="12700">
+            <a:miter lim="400000"/>
+          </a:ln>
+          <a:extLst>
+            <a:ext uri="{C572A759-6A51-4108-AA02-DFA0A04FC94B}">
+              <ma14:wrappingTextBoxFlag xmlns:ma14="http://schemas.microsoft.com/office/mac/drawingml/2011/main" val="1"/>
+            </a:ext>
+          </a:extLst>
+        </p:spPr>
+        <p:txBody>
+          <a:bodyPr wrap="none" lIns="50800" tIns="50800" rIns="50800" bIns="50800" anchor="ctr">
+            <a:spAutoFit/>
+          </a:bodyPr>
+          <a:lstStyle>
+            <a:lvl1pPr algn="r">
+              <a:lnSpc>
+                <a:spcPct val="100000"/>
+              </a:lnSpc>
+              <a:spcBef>
+                <a:spcPts val="0"/>
+              </a:spcBef>
+              <a:defRPr sz="2400"/>
+            </a:lvl1pPr>
+          </a:lstStyle>
+          <a:p>
+            <a:pPr/>
+            <a:r>
+              <a:t>Object Oriented Programming | Operator overloading</a:t>
+            </a:r>
+          </a:p>
+        </p:txBody>
+      </p:sp>
+      <p:sp>
+        <p:nvSpPr>
+          <p:cNvPr id="776" name="C++98"/>
+          <p:cNvSpPr txBox="1"/>
+          <p:nvPr/>
+        </p:nvSpPr>
+        <p:spPr>
+          <a:xfrm>
+            <a:off x="2647" y="2528"/>
+            <a:ext cx="1039064" cy="461366"/>
+          </a:xfrm>
+          <a:prstGeom prst="rect">
+            <a:avLst/>
+          </a:prstGeom>
+          <a:ln w="12700">
+            <a:miter lim="400000"/>
+          </a:ln>
+          <a:extLst>
+            <a:ext uri="{C572A759-6A51-4108-AA02-DFA0A04FC94B}">
+              <ma14:wrappingTextBoxFlag xmlns:ma14="http://schemas.microsoft.com/office/mac/drawingml/2011/main" val="1"/>
+            </a:ext>
+          </a:extLst>
+        </p:spPr>
+        <p:txBody>
+          <a:bodyPr wrap="none" lIns="50800" tIns="50800" rIns="50800" bIns="50800" anchor="ctr">
+            <a:spAutoFit/>
+          </a:bodyPr>
+          <a:lstStyle>
+            <a:lvl1pPr>
+              <a:lnSpc>
+                <a:spcPct val="100000"/>
+              </a:lnSpc>
+              <a:spcBef>
+                <a:spcPts val="0"/>
+              </a:spcBef>
+              <a:defRPr sz="2400"/>
+            </a:lvl1pPr>
+          </a:lstStyle>
+          <a:p>
+            <a:pPr/>
+            <a:r>
+              <a:t>C++98</a:t>
+            </a:r>
+          </a:p>
+        </p:txBody>
+      </p:sp>
+      <p:grpSp>
+        <p:nvGrpSpPr>
+          <p:cNvPr id="781" name="Group"/>
+          <p:cNvGrpSpPr/>
+          <p:nvPr/>
+        </p:nvGrpSpPr>
+        <p:grpSpPr>
+          <a:xfrm>
+            <a:off x="1068" y="12709669"/>
+            <a:ext cx="24381864" cy="1000421"/>
+            <a:chOff x="0" y="0"/>
+            <a:chExt cx="24381862" cy="1000420"/>
+          </a:xfrm>
+        </p:grpSpPr>
+        <p:pic>
+          <p:nvPicPr>
+            <p:cNvPr id="777" name="pasted-movie.png" descr="pasted-movie.png"/>
+            <p:cNvPicPr>
+              <a:picLocks noChangeAspect="1"/>
+            </p:cNvPicPr>
+            <p:nvPr/>
+          </p:nvPicPr>
+          <p:blipFill>
+            <a:blip r:embed="rId2">
+              <a:extLst/>
+            </a:blip>
+            <a:stretch>
+              <a:fillRect/>
+            </a:stretch>
+          </p:blipFill>
+          <p:spPr>
+            <a:xfrm>
+              <a:off x="550774" y="93809"/>
+              <a:ext cx="812801" cy="812801"/>
+            </a:xfrm>
+            <a:prstGeom prst="rect">
+              <a:avLst/>
+            </a:prstGeom>
+            <a:ln w="12700" cap="flat">
+              <a:noFill/>
+              <a:miter lim="400000"/>
+            </a:ln>
+            <a:effectLst/>
+          </p:spPr>
+        </p:pic>
+        <p:sp>
+          <p:nvSpPr>
+            <p:cNvPr id="778" name="Gammasoft"/>
+            <p:cNvSpPr txBox="1"/>
+            <p:nvPr/>
+          </p:nvSpPr>
+          <p:spPr>
+            <a:xfrm>
+              <a:off x="1547842" y="95994"/>
+              <a:ext cx="3298851" cy="808432"/>
+            </a:xfrm>
+            <a:prstGeom prst="rect">
+              <a:avLst/>
+            </a:prstGeom>
+            <a:noFill/>
+            <a:ln w="12700" cap="flat">
+              <a:noFill/>
+              <a:miter lim="400000"/>
+            </a:ln>
+            <a:effectLst/>
+            <a:extLst>
+              <a:ext uri="{C572A759-6A51-4108-AA02-DFA0A04FC94B}">
+                <ma14:wrappingTextBoxFlag xmlns:ma14="http://schemas.microsoft.com/office/mac/drawingml/2011/main" val="1"/>
+              </a:ext>
+            </a:extLst>
+          </p:spPr>
+          <p:txBody>
+            <a:bodyPr wrap="none" lIns="50800" tIns="50800" rIns="50800" bIns="50800" numCol="1" anchor="ctr">
+              <a:spAutoFit/>
+            </a:bodyPr>
+            <a:lstStyle/>
+            <a:p>
+              <a:pPr/>
+              <a:r>
+                <a:t>Gammasoft</a:t>
+              </a:r>
+            </a:p>
+          </p:txBody>
+        </p:sp>
+        <p:sp>
+          <p:nvSpPr>
+            <p:cNvPr id="779" name="Modern C++ Course"/>
+            <p:cNvSpPr txBox="1"/>
+            <p:nvPr/>
+          </p:nvSpPr>
+          <p:spPr>
+            <a:xfrm>
+              <a:off x="18055790" y="95994"/>
+              <a:ext cx="5711649" cy="808432"/>
+            </a:xfrm>
+            <a:prstGeom prst="rect">
+              <a:avLst/>
+            </a:prstGeom>
+            <a:noFill/>
+            <a:ln w="12700" cap="flat">
+              <a:noFill/>
+              <a:miter lim="400000"/>
+            </a:ln>
+            <a:effectLst/>
+            <a:extLst>
+              <a:ext uri="{C572A759-6A51-4108-AA02-DFA0A04FC94B}">
+                <ma14:wrappingTextBoxFlag xmlns:ma14="http://schemas.microsoft.com/office/mac/drawingml/2011/main" val="1"/>
+              </a:ext>
+            </a:extLst>
+          </p:spPr>
+          <p:txBody>
+            <a:bodyPr wrap="none" lIns="50800" tIns="50800" rIns="50800" bIns="50800" numCol="1" anchor="ctr">
+              <a:spAutoFit/>
+            </a:bodyPr>
+            <a:lstStyle/>
+            <a:p>
+              <a:pPr/>
+              <a:r>
+                <a:t>Modern C++ Course</a:t>
+              </a:r>
+            </a:p>
+          </p:txBody>
+        </p:sp>
+        <p:sp>
+          <p:nvSpPr>
+            <p:cNvPr id="780" name="Rectangle"/>
             <p:cNvSpPr/>
             <p:nvPr/>
           </p:nvSpPr>
@@ -26172,7 +26593,7 @@
 </p:sld>
 </file>
 
-<file path=ppt/slides/slide52.xml><?xml version="1.0" encoding="utf-8"?>
+<file path=ppt/slides/slide53.xml><?xml version="1.0" encoding="utf-8"?>
 <p:sld xmlns:a="http://schemas.openxmlformats.org/drawingml/2006/main" xmlns:r="http://schemas.openxmlformats.org/officeDocument/2006/relationships" xmlns:p="http://schemas.openxmlformats.org/presentationml/2006/main" xmlns:m="http://schemas.openxmlformats.org/officeDocument/2006/math" xmlns:a14="http://schemas.microsoft.com/office/drawing/2010/main" showMasterSp="1" showMasterPhAnim="1">
   <p:cSld>
     <p:spTree>
@@ -26191,7 +26612,7 @@
       </p:grpSpPr>
       <p:sp>
         <p:nvSpPr>
-          <p:cNvPr id="771" name="Objects Oriented Programming"/>
+          <p:cNvPr id="783" name="Objects Oriented Programming"/>
           <p:cNvSpPr txBox="1"/>
           <p:nvPr/>
         </p:nvSpPr>
@@ -26237,7 +26658,7 @@
       </p:sp>
       <p:sp>
         <p:nvSpPr>
-          <p:cNvPr id="772" name="Slide Number"/>
+          <p:cNvPr id="784" name="Slide Number"/>
           <p:cNvSpPr txBox="1"/>
           <p:nvPr>
             <p:ph type="sldNum" sz="quarter" idx="4294967295"/>
@@ -26264,7 +26685,7 @@
       </p:sp>
       <p:grpSp>
         <p:nvGrpSpPr>
-          <p:cNvPr id="777" name="Group"/>
+          <p:cNvPr id="789" name="Group"/>
           <p:cNvGrpSpPr/>
           <p:nvPr/>
         </p:nvGrpSpPr>
@@ -26278,7 +26699,7 @@
         </p:grpSpPr>
         <p:pic>
           <p:nvPicPr>
-            <p:cNvPr id="773" name="pasted-movie.png" descr="pasted-movie.png"/>
+            <p:cNvPr id="785" name="pasted-movie.png" descr="pasted-movie.png"/>
             <p:cNvPicPr>
               <a:picLocks noChangeAspect="1"/>
             </p:cNvPicPr>
@@ -26309,7 +26730,7 @@
         </p:pic>
         <p:sp>
           <p:nvSpPr>
-            <p:cNvPr id="774" name="Gammasoft"/>
+            <p:cNvPr id="786" name="Gammasoft"/>
             <p:cNvSpPr txBox="1"/>
             <p:nvPr/>
           </p:nvSpPr>
@@ -26348,7 +26769,7 @@
         </p:sp>
         <p:sp>
           <p:nvSpPr>
-            <p:cNvPr id="775" name="Modern C++ Course"/>
+            <p:cNvPr id="787" name="Modern C++ Course"/>
             <p:cNvSpPr txBox="1"/>
             <p:nvPr/>
           </p:nvSpPr>
@@ -26387,7 +26808,7 @@
         </p:sp>
         <p:sp>
           <p:nvSpPr>
-            <p:cNvPr id="776" name="Rectangle"/>
+            <p:cNvPr id="788" name="Rectangle"/>
             <p:cNvSpPr/>
             <p:nvPr/>
           </p:nvSpPr>
@@ -26439,7 +26860,7 @@
       </p:grpSp>
       <p:sp>
         <p:nvSpPr>
-          <p:cNvPr id="778" name="Objects Oriented Programming (OOP)"/>
+          <p:cNvPr id="790" name="Objects Oriented Programming (OOP)"/>
           <p:cNvSpPr txBox="1"/>
           <p:nvPr>
             <p:ph type="title" idx="4294967295"/>
@@ -26467,7 +26888,7 @@
       </p:sp>
       <p:sp>
         <p:nvSpPr>
-          <p:cNvPr id="779" name="Objects and classes…"/>
+          <p:cNvPr id="791" name="Objects and classes…"/>
           <p:cNvSpPr txBox="1"/>
           <p:nvPr>
             <p:ph type="body" idx="4294967295"/>
@@ -26545,7 +26966,7 @@
       </p:sp>
       <p:sp>
         <p:nvSpPr>
-          <p:cNvPr id="780" name="Rectangle"/>
+          <p:cNvPr id="792" name="Rectangle"/>
           <p:cNvSpPr/>
           <p:nvPr/>
         </p:nvSpPr>
@@ -26599,7 +27020,7 @@
 </p:sld>
 </file>
 
-<file path=ppt/slides/slide53.xml><?xml version="1.0" encoding="utf-8"?>
+<file path=ppt/slides/slide54.xml><?xml version="1.0" encoding="utf-8"?>
 <p:sld xmlns:a="http://schemas.openxmlformats.org/drawingml/2006/main" xmlns:r="http://schemas.openxmlformats.org/officeDocument/2006/relationships" xmlns:p="http://schemas.openxmlformats.org/presentationml/2006/main" xmlns:m="http://schemas.openxmlformats.org/officeDocument/2006/math" xmlns:a14="http://schemas.microsoft.com/office/drawing/2010/main" showMasterSp="1" showMasterPhAnim="1">
   <p:cSld>
     <p:spTree>
@@ -26618,7 +27039,7 @@
       </p:grpSpPr>
       <p:sp>
         <p:nvSpPr>
-          <p:cNvPr id="782" name="Objects Oriented Programming"/>
+          <p:cNvPr id="794" name="Objects Oriented Programming"/>
           <p:cNvSpPr txBox="1"/>
           <p:nvPr/>
         </p:nvSpPr>
@@ -26664,7 +27085,7 @@
       </p:sp>
       <p:sp>
         <p:nvSpPr>
-          <p:cNvPr id="783" name="Slide Number"/>
+          <p:cNvPr id="795" name="Slide Number"/>
           <p:cNvSpPr txBox="1"/>
           <p:nvPr>
             <p:ph type="sldNum" sz="quarter" idx="4294967295"/>
@@ -26691,7 +27112,7 @@
       </p:sp>
       <p:grpSp>
         <p:nvGrpSpPr>
-          <p:cNvPr id="788" name="Group"/>
+          <p:cNvPr id="800" name="Group"/>
           <p:cNvGrpSpPr/>
           <p:nvPr/>
         </p:nvGrpSpPr>
@@ -26705,7 +27126,7 @@
         </p:grpSpPr>
         <p:pic>
           <p:nvPicPr>
-            <p:cNvPr id="784" name="pasted-movie.png" descr="pasted-movie.png"/>
+            <p:cNvPr id="796" name="pasted-movie.png" descr="pasted-movie.png"/>
             <p:cNvPicPr>
               <a:picLocks noChangeAspect="1"/>
             </p:cNvPicPr>
@@ -26736,7 +27157,7 @@
         </p:pic>
         <p:sp>
           <p:nvSpPr>
-            <p:cNvPr id="785" name="Gammasoft"/>
+            <p:cNvPr id="797" name="Gammasoft"/>
             <p:cNvSpPr txBox="1"/>
             <p:nvPr/>
           </p:nvSpPr>
@@ -26775,7 +27196,7 @@
         </p:sp>
         <p:sp>
           <p:nvSpPr>
-            <p:cNvPr id="786" name="Modern C++ Course"/>
+            <p:cNvPr id="798" name="Modern C++ Course"/>
             <p:cNvSpPr txBox="1"/>
             <p:nvPr/>
           </p:nvSpPr>
@@ -26814,7 +27235,7 @@
         </p:sp>
         <p:sp>
           <p:nvSpPr>
-            <p:cNvPr id="787" name="Rectangle"/>
+            <p:cNvPr id="799" name="Rectangle"/>
             <p:cNvSpPr/>
             <p:nvPr/>
           </p:nvSpPr>
@@ -26866,7 +27287,7 @@
       </p:grpSp>
       <p:sp>
         <p:nvSpPr>
-          <p:cNvPr id="789" name="Objects Oriented Programming (OOP)"/>
+          <p:cNvPr id="801" name="Objects Oriented Programming (OOP)"/>
           <p:cNvSpPr txBox="1"/>
           <p:nvPr>
             <p:ph type="title" idx="4294967295"/>
@@ -26894,7 +27315,7 @@
       </p:sp>
       <p:sp>
         <p:nvSpPr>
-          <p:cNvPr id="790" name="Objects and classes…"/>
+          <p:cNvPr id="802" name="Objects and classes…"/>
           <p:cNvSpPr txBox="1"/>
           <p:nvPr>
             <p:ph type="body" idx="4294967295"/>
@@ -26972,7 +27393,7 @@
       </p:sp>
       <p:sp>
         <p:nvSpPr>
-          <p:cNvPr id="791" name="Rectangle"/>
+          <p:cNvPr id="803" name="Rectangle"/>
           <p:cNvSpPr/>
           <p:nvPr/>
         </p:nvSpPr>
@@ -27026,7 +27447,7 @@
 </p:sld>
 </file>
 
-<file path=ppt/slides/slide54.xml><?xml version="1.0" encoding="utf-8"?>
+<file path=ppt/slides/slide55.xml><?xml version="1.0" encoding="utf-8"?>
 <p:sld xmlns:a="http://schemas.openxmlformats.org/drawingml/2006/main" xmlns:r="http://schemas.openxmlformats.org/officeDocument/2006/relationships" xmlns:p="http://schemas.openxmlformats.org/presentationml/2006/main" xmlns:m="http://schemas.openxmlformats.org/officeDocument/2006/math" xmlns:a14="http://schemas.microsoft.com/office/drawing/2010/main" showMasterSp="1" showMasterPhAnim="1">
   <p:cSld>
     <p:spTree>
@@ -27045,7 +27466,7 @@
       </p:grpSpPr>
       <p:sp>
         <p:nvSpPr>
-          <p:cNvPr id="793" name="Slide Title"/>
+          <p:cNvPr id="805" name="Slide Title"/>
           <p:cNvSpPr txBox="1"/>
           <p:nvPr>
             <p:ph type="title" idx="4294967295"/>
@@ -27070,7 +27491,7 @@
       </p:sp>
       <p:sp>
         <p:nvSpPr>
-          <p:cNvPr id="794" name="Slide bullet text"/>
+          <p:cNvPr id="806" name="Slide bullet text"/>
           <p:cNvSpPr txBox="1"/>
           <p:nvPr>
             <p:ph type="body" sz="half" idx="4294967295"/>
@@ -27095,7 +27516,7 @@
       </p:sp>
       <p:sp>
         <p:nvSpPr>
-          <p:cNvPr id="795" name="Slide Number"/>
+          <p:cNvPr id="807" name="Slide Number"/>
           <p:cNvSpPr txBox="1"/>
           <p:nvPr>
             <p:ph type="sldNum" sz="quarter" idx="4294967295"/>
@@ -27122,7 +27543,7 @@
       </p:sp>
       <p:sp>
         <p:nvSpPr>
-          <p:cNvPr id="796" name="Object Oriented Programming | Function objects"/>
+          <p:cNvPr id="808" name="Object Oriented Programming | Function objects"/>
           <p:cNvSpPr txBox="1"/>
           <p:nvPr/>
         </p:nvSpPr>
@@ -27168,7 +27589,7 @@
       </p:sp>
       <p:sp>
         <p:nvSpPr>
-          <p:cNvPr id="797" name="C++98"/>
+          <p:cNvPr id="809" name="C++98"/>
           <p:cNvSpPr txBox="1"/>
           <p:nvPr/>
         </p:nvSpPr>
@@ -27214,7 +27635,7 @@
       </p:sp>
       <p:grpSp>
         <p:nvGrpSpPr>
-          <p:cNvPr id="802" name="Group"/>
+          <p:cNvPr id="814" name="Group"/>
           <p:cNvGrpSpPr/>
           <p:nvPr/>
         </p:nvGrpSpPr>
@@ -27228,7 +27649,7 @@
         </p:grpSpPr>
         <p:pic>
           <p:nvPicPr>
-            <p:cNvPr id="798" name="pasted-movie.png" descr="pasted-movie.png"/>
+            <p:cNvPr id="810" name="pasted-movie.png" descr="pasted-movie.png"/>
             <p:cNvPicPr>
               <a:picLocks noChangeAspect="1"/>
             </p:cNvPicPr>
@@ -27259,7 +27680,7 @@
         </p:pic>
         <p:sp>
           <p:nvSpPr>
-            <p:cNvPr id="799" name="Gammasoft"/>
+            <p:cNvPr id="811" name="Gammasoft"/>
             <p:cNvSpPr txBox="1"/>
             <p:nvPr/>
           </p:nvSpPr>
@@ -27298,7 +27719,7 @@
         </p:sp>
         <p:sp>
           <p:nvSpPr>
-            <p:cNvPr id="800" name="Modern C++ Course"/>
+            <p:cNvPr id="812" name="Modern C++ Course"/>
             <p:cNvSpPr txBox="1"/>
             <p:nvPr/>
           </p:nvSpPr>
@@ -27337,7 +27758,7 @@
         </p:sp>
         <p:sp>
           <p:nvSpPr>
-            <p:cNvPr id="801" name="Rectangle"/>
+            <p:cNvPr id="813" name="Rectangle"/>
             <p:cNvSpPr/>
             <p:nvPr/>
           </p:nvSpPr>
@@ -27396,7 +27817,7 @@
 </p:sld>
 </file>
 
-<file path=ppt/slides/slide55.xml><?xml version="1.0" encoding="utf-8"?>
+<file path=ppt/slides/slide56.xml><?xml version="1.0" encoding="utf-8"?>
 <p:sld xmlns:a="http://schemas.openxmlformats.org/drawingml/2006/main" xmlns:r="http://schemas.openxmlformats.org/officeDocument/2006/relationships" xmlns:p="http://schemas.openxmlformats.org/presentationml/2006/main" xmlns:m="http://schemas.openxmlformats.org/officeDocument/2006/math" xmlns:a14="http://schemas.microsoft.com/office/drawing/2010/main" showMasterSp="1" showMasterPhAnim="1">
   <p:cSld>
     <p:spTree>
@@ -27415,7 +27836,7 @@
       </p:grpSpPr>
       <p:sp>
         <p:nvSpPr>
-          <p:cNvPr id="804" name="Objects Oriented Programming"/>
+          <p:cNvPr id="816" name="Objects Oriented Programming"/>
           <p:cNvSpPr txBox="1"/>
           <p:nvPr/>
         </p:nvSpPr>
@@ -27461,7 +27882,7 @@
       </p:sp>
       <p:sp>
         <p:nvSpPr>
-          <p:cNvPr id="805" name="Slide Number"/>
+          <p:cNvPr id="817" name="Slide Number"/>
           <p:cNvSpPr txBox="1"/>
           <p:nvPr>
             <p:ph type="sldNum" sz="quarter" idx="4294967295"/>
@@ -27488,7 +27909,7 @@
       </p:sp>
       <p:grpSp>
         <p:nvGrpSpPr>
-          <p:cNvPr id="810" name="Group"/>
+          <p:cNvPr id="822" name="Group"/>
           <p:cNvGrpSpPr/>
           <p:nvPr/>
         </p:nvGrpSpPr>
@@ -27502,7 +27923,7 @@
         </p:grpSpPr>
         <p:pic>
           <p:nvPicPr>
-            <p:cNvPr id="806" name="pasted-movie.png" descr="pasted-movie.png"/>
+            <p:cNvPr id="818" name="pasted-movie.png" descr="pasted-movie.png"/>
             <p:cNvPicPr>
               <a:picLocks noChangeAspect="1"/>
             </p:cNvPicPr>
@@ -27533,7 +27954,7 @@
         </p:pic>
         <p:sp>
           <p:nvSpPr>
-            <p:cNvPr id="807" name="Gammasoft"/>
+            <p:cNvPr id="819" name="Gammasoft"/>
             <p:cNvSpPr txBox="1"/>
             <p:nvPr/>
           </p:nvSpPr>
@@ -27572,7 +27993,7 @@
         </p:sp>
         <p:sp>
           <p:nvSpPr>
-            <p:cNvPr id="808" name="Modern C++ Course"/>
+            <p:cNvPr id="820" name="Modern C++ Course"/>
             <p:cNvSpPr txBox="1"/>
             <p:nvPr/>
           </p:nvSpPr>
@@ -27611,7 +28032,7 @@
         </p:sp>
         <p:sp>
           <p:nvSpPr>
-            <p:cNvPr id="809" name="Rectangle"/>
+            <p:cNvPr id="821" name="Rectangle"/>
             <p:cNvSpPr/>
             <p:nvPr/>
           </p:nvSpPr>
@@ -27663,7 +28084,7 @@
       </p:grpSp>
       <p:sp>
         <p:nvSpPr>
-          <p:cNvPr id="811" name="Objects Oriented Programming (OOP)"/>
+          <p:cNvPr id="823" name="Objects Oriented Programming (OOP)"/>
           <p:cNvSpPr txBox="1"/>
           <p:nvPr>
             <p:ph type="title" idx="4294967295"/>
@@ -27691,7 +28112,7 @@
       </p:sp>
       <p:sp>
         <p:nvSpPr>
-          <p:cNvPr id="812" name="Objects and classes…"/>
+          <p:cNvPr id="824" name="Objects and classes…"/>
           <p:cNvSpPr txBox="1"/>
           <p:nvPr>
             <p:ph type="body" idx="4294967295"/>
@@ -27769,7 +28190,7 @@
       </p:sp>
       <p:sp>
         <p:nvSpPr>
-          <p:cNvPr id="813" name="Rectangle"/>
+          <p:cNvPr id="825" name="Rectangle"/>
           <p:cNvSpPr/>
           <p:nvPr/>
         </p:nvSpPr>
@@ -27823,7 +28244,7 @@
 </p:sld>
 </file>
 
-<file path=ppt/slides/slide56.xml><?xml version="1.0" encoding="utf-8"?>
+<file path=ppt/slides/slide57.xml><?xml version="1.0" encoding="utf-8"?>
 <p:sld xmlns:a="http://schemas.openxmlformats.org/drawingml/2006/main" xmlns:r="http://schemas.openxmlformats.org/officeDocument/2006/relationships" xmlns:p="http://schemas.openxmlformats.org/presentationml/2006/main" xmlns:m="http://schemas.openxmlformats.org/officeDocument/2006/math" xmlns:a14="http://schemas.microsoft.com/office/drawing/2010/main" showMasterSp="1" showMasterPhAnim="1">
   <p:cSld>
     <p:spTree>
@@ -27842,7 +28263,7 @@
       </p:grpSpPr>
       <p:sp>
         <p:nvSpPr>
-          <p:cNvPr id="815" name="Objects Oriented Programming"/>
+          <p:cNvPr id="827" name="Objects Oriented Programming"/>
           <p:cNvSpPr txBox="1"/>
           <p:nvPr/>
         </p:nvSpPr>
@@ -27888,7 +28309,7 @@
       </p:sp>
       <p:sp>
         <p:nvSpPr>
-          <p:cNvPr id="816" name="Slide Number"/>
+          <p:cNvPr id="828" name="Slide Number"/>
           <p:cNvSpPr txBox="1"/>
           <p:nvPr>
             <p:ph type="sldNum" sz="quarter" idx="4294967295"/>
@@ -27915,7 +28336,7 @@
       </p:sp>
       <p:grpSp>
         <p:nvGrpSpPr>
-          <p:cNvPr id="821" name="Group"/>
+          <p:cNvPr id="833" name="Group"/>
           <p:cNvGrpSpPr/>
           <p:nvPr/>
         </p:nvGrpSpPr>
@@ -27929,7 +28350,7 @@
         </p:grpSpPr>
         <p:pic>
           <p:nvPicPr>
-            <p:cNvPr id="817" name="pasted-movie.png" descr="pasted-movie.png"/>
+            <p:cNvPr id="829" name="pasted-movie.png" descr="pasted-movie.png"/>
             <p:cNvPicPr>
               <a:picLocks noChangeAspect="1"/>
             </p:cNvPicPr>
@@ -27960,7 +28381,7 @@
         </p:pic>
         <p:sp>
           <p:nvSpPr>
-            <p:cNvPr id="818" name="Gammasoft"/>
+            <p:cNvPr id="830" name="Gammasoft"/>
             <p:cNvSpPr txBox="1"/>
             <p:nvPr/>
           </p:nvSpPr>
@@ -27999,7 +28420,7 @@
         </p:sp>
         <p:sp>
           <p:nvSpPr>
-            <p:cNvPr id="819" name="Modern C++ Course"/>
+            <p:cNvPr id="831" name="Modern C++ Course"/>
             <p:cNvSpPr txBox="1"/>
             <p:nvPr/>
           </p:nvSpPr>
@@ -28038,7 +28459,7 @@
         </p:sp>
         <p:sp>
           <p:nvSpPr>
-            <p:cNvPr id="820" name="Rectangle"/>
+            <p:cNvPr id="832" name="Rectangle"/>
             <p:cNvSpPr/>
             <p:nvPr/>
           </p:nvSpPr>
@@ -28090,7 +28511,7 @@
       </p:grpSp>
       <p:sp>
         <p:nvSpPr>
-          <p:cNvPr id="822" name="Objects Oriented Programming (OOP)"/>
+          <p:cNvPr id="834" name="Objects Oriented Programming (OOP)"/>
           <p:cNvSpPr txBox="1"/>
           <p:nvPr>
             <p:ph type="title" idx="4294967295"/>
@@ -28118,7 +28539,7 @@
       </p:sp>
       <p:sp>
         <p:nvSpPr>
-          <p:cNvPr id="823" name="Objects and classes…"/>
+          <p:cNvPr id="835" name="Objects and classes…"/>
           <p:cNvSpPr txBox="1"/>
           <p:nvPr>
             <p:ph type="body" idx="4294967295"/>
@@ -28196,7 +28617,7 @@
       </p:sp>
       <p:sp>
         <p:nvSpPr>
-          <p:cNvPr id="824" name="Rectangle"/>
+          <p:cNvPr id="836" name="Rectangle"/>
           <p:cNvSpPr/>
           <p:nvPr/>
         </p:nvSpPr>
@@ -28250,7 +28671,7 @@
 </p:sld>
 </file>
 
-<file path=ppt/slides/slide57.xml><?xml version="1.0" encoding="utf-8"?>
+<file path=ppt/slides/slide58.xml><?xml version="1.0" encoding="utf-8"?>
 <p:sld xmlns:a="http://schemas.openxmlformats.org/drawingml/2006/main" xmlns:r="http://schemas.openxmlformats.org/officeDocument/2006/relationships" xmlns:p="http://schemas.openxmlformats.org/presentationml/2006/main" xmlns:m="http://schemas.openxmlformats.org/officeDocument/2006/math" xmlns:a14="http://schemas.microsoft.com/office/drawing/2010/main" showMasterSp="1" showMasterPhAnim="1">
   <p:cSld>
     <p:spTree>
@@ -28269,7 +28690,7 @@
       </p:grpSpPr>
       <p:sp>
         <p:nvSpPr>
-          <p:cNvPr id="826" name="Slide Title"/>
+          <p:cNvPr id="838" name="Slide Title"/>
           <p:cNvSpPr txBox="1"/>
           <p:nvPr>
             <p:ph type="title" idx="4294967295"/>
@@ -28294,7 +28715,7 @@
       </p:sp>
       <p:sp>
         <p:nvSpPr>
-          <p:cNvPr id="827" name="Slide bullet text"/>
+          <p:cNvPr id="839" name="Slide bullet text"/>
           <p:cNvSpPr txBox="1"/>
           <p:nvPr>
             <p:ph type="body" sz="half" idx="4294967295"/>
@@ -28319,7 +28740,7 @@
       </p:sp>
       <p:sp>
         <p:nvSpPr>
-          <p:cNvPr id="828" name="Slide Number"/>
+          <p:cNvPr id="840" name="Slide Number"/>
           <p:cNvSpPr txBox="1"/>
           <p:nvPr>
             <p:ph type="sldNum" sz="quarter" idx="4294967295"/>
@@ -28346,7 +28767,7 @@
       </p:sp>
       <p:sp>
         <p:nvSpPr>
-          <p:cNvPr id="829" name="Object Oriented Programming | Name Lookups"/>
+          <p:cNvPr id="841" name="Object Oriented Programming | Name Lookups"/>
           <p:cNvSpPr txBox="1"/>
           <p:nvPr/>
         </p:nvSpPr>
@@ -28392,7 +28813,7 @@
       </p:sp>
       <p:sp>
         <p:nvSpPr>
-          <p:cNvPr id="830" name="C++98"/>
+          <p:cNvPr id="842" name="C++98"/>
           <p:cNvSpPr txBox="1"/>
           <p:nvPr/>
         </p:nvSpPr>
@@ -28438,7 +28859,7 @@
       </p:sp>
       <p:grpSp>
         <p:nvGrpSpPr>
-          <p:cNvPr id="835" name="Group"/>
+          <p:cNvPr id="847" name="Group"/>
           <p:cNvGrpSpPr/>
           <p:nvPr/>
         </p:nvGrpSpPr>
@@ -28452,7 +28873,7 @@
         </p:grpSpPr>
         <p:pic>
           <p:nvPicPr>
-            <p:cNvPr id="831" name="pasted-movie.png" descr="pasted-movie.png"/>
+            <p:cNvPr id="843" name="pasted-movie.png" descr="pasted-movie.png"/>
             <p:cNvPicPr>
               <a:picLocks noChangeAspect="1"/>
             </p:cNvPicPr>
@@ -28483,7 +28904,7 @@
         </p:pic>
         <p:sp>
           <p:nvSpPr>
-            <p:cNvPr id="832" name="Gammasoft"/>
+            <p:cNvPr id="844" name="Gammasoft"/>
             <p:cNvSpPr txBox="1"/>
             <p:nvPr/>
           </p:nvSpPr>
@@ -28522,7 +28943,7 @@
         </p:sp>
         <p:sp>
           <p:nvSpPr>
-            <p:cNvPr id="833" name="Modern C++ Course"/>
+            <p:cNvPr id="845" name="Modern C++ Course"/>
             <p:cNvSpPr txBox="1"/>
             <p:nvPr/>
           </p:nvSpPr>
@@ -28561,7 +28982,7 @@
         </p:sp>
         <p:sp>
           <p:nvSpPr>
-            <p:cNvPr id="834" name="Rectangle"/>
+            <p:cNvPr id="846" name="Rectangle"/>
             <p:cNvSpPr/>
             <p:nvPr/>
           </p:nvSpPr>
@@ -28620,7 +29041,7 @@
 </p:sld>
 </file>
 
-<file path=ppt/slides/slide58.xml><?xml version="1.0" encoding="utf-8"?>
+<file path=ppt/slides/slide59.xml><?xml version="1.0" encoding="utf-8"?>
 <p:sld xmlns:a="http://schemas.openxmlformats.org/drawingml/2006/main" xmlns:r="http://schemas.openxmlformats.org/officeDocument/2006/relationships" xmlns:p="http://schemas.openxmlformats.org/presentationml/2006/main" xmlns:m="http://schemas.openxmlformats.org/officeDocument/2006/math" xmlns:a14="http://schemas.microsoft.com/office/drawing/2010/main" showMasterSp="1" showMasterPhAnim="1">
   <p:cSld>
     <p:spTree>
@@ -28639,7 +29060,7 @@
       </p:grpSpPr>
       <p:sp>
         <p:nvSpPr>
-          <p:cNvPr id="837" name="Objects Oriented Programming"/>
+          <p:cNvPr id="849" name="Objects Oriented Programming"/>
           <p:cNvSpPr txBox="1"/>
           <p:nvPr/>
         </p:nvSpPr>
@@ -28685,7 +29106,7 @@
       </p:sp>
       <p:sp>
         <p:nvSpPr>
-          <p:cNvPr id="838" name="Slide Number"/>
+          <p:cNvPr id="850" name="Slide Number"/>
           <p:cNvSpPr txBox="1"/>
           <p:nvPr>
             <p:ph type="sldNum" sz="quarter" idx="4294967295"/>
@@ -28712,7 +29133,7 @@
       </p:sp>
       <p:grpSp>
         <p:nvGrpSpPr>
-          <p:cNvPr id="843" name="Group"/>
+          <p:cNvPr id="855" name="Group"/>
           <p:cNvGrpSpPr/>
           <p:nvPr/>
         </p:nvGrpSpPr>
@@ -28726,7 +29147,7 @@
         </p:grpSpPr>
         <p:pic>
           <p:nvPicPr>
-            <p:cNvPr id="839" name="pasted-movie.png" descr="pasted-movie.png"/>
+            <p:cNvPr id="851" name="pasted-movie.png" descr="pasted-movie.png"/>
             <p:cNvPicPr>
               <a:picLocks noChangeAspect="1"/>
             </p:cNvPicPr>
@@ -28757,7 +29178,7 @@
         </p:pic>
         <p:sp>
           <p:nvSpPr>
-            <p:cNvPr id="840" name="Gammasoft"/>
+            <p:cNvPr id="852" name="Gammasoft"/>
             <p:cNvSpPr txBox="1"/>
             <p:nvPr/>
           </p:nvSpPr>
@@ -28796,7 +29217,7 @@
         </p:sp>
         <p:sp>
           <p:nvSpPr>
-            <p:cNvPr id="841" name="Modern C++ Course"/>
+            <p:cNvPr id="853" name="Modern C++ Course"/>
             <p:cNvSpPr txBox="1"/>
             <p:nvPr/>
           </p:nvSpPr>
@@ -28835,7 +29256,7 @@
         </p:sp>
         <p:sp>
           <p:nvSpPr>
-            <p:cNvPr id="842" name="Rectangle"/>
+            <p:cNvPr id="854" name="Rectangle"/>
             <p:cNvSpPr/>
             <p:nvPr/>
           </p:nvSpPr>
@@ -28887,7 +29308,7 @@
       </p:grpSp>
       <p:sp>
         <p:nvSpPr>
-          <p:cNvPr id="844" name="Objects Oriented Programming (OOP)"/>
+          <p:cNvPr id="856" name="Objects Oriented Programming (OOP)"/>
           <p:cNvSpPr txBox="1"/>
           <p:nvPr>
             <p:ph type="title" idx="4294967295"/>
@@ -28915,7 +29336,7 @@
       </p:sp>
       <p:sp>
         <p:nvSpPr>
-          <p:cNvPr id="845" name="Objects and classes…"/>
+          <p:cNvPr id="857" name="Objects and classes…"/>
           <p:cNvSpPr txBox="1"/>
           <p:nvPr>
             <p:ph type="body" idx="4294967295"/>
@@ -28993,7 +29414,7 @@
       </p:sp>
       <p:sp>
         <p:nvSpPr>
-          <p:cNvPr id="846" name="Rectangle"/>
+          <p:cNvPr id="858" name="Rectangle"/>
           <p:cNvSpPr/>
           <p:nvPr/>
         </p:nvSpPr>
@@ -29035,386 +29456,6 @@
                 <a:sym typeface="Helvetica Neue Medium"/>
               </a:defRPr>
             </a:pPr>
-          </a:p>
-        </p:txBody>
-      </p:sp>
-    </p:spTree>
-  </p:cSld>
-  <p:clrMapOvr>
-    <a:masterClrMapping/>
-  </p:clrMapOvr>
-  <p:transition xmlns:p14="http://schemas.microsoft.com/office/powerpoint/2010/main" spd="med" advClick="1"/>
-</p:sld>
-</file>
-
-<file path=ppt/slides/slide59.xml><?xml version="1.0" encoding="utf-8"?>
-<p:sld xmlns:a="http://schemas.openxmlformats.org/drawingml/2006/main" xmlns:r="http://schemas.openxmlformats.org/officeDocument/2006/relationships" xmlns:p="http://schemas.openxmlformats.org/presentationml/2006/main" xmlns:m="http://schemas.openxmlformats.org/officeDocument/2006/math" xmlns:a14="http://schemas.microsoft.com/office/drawing/2010/main" showMasterSp="1" showMasterPhAnim="1">
-  <p:cSld>
-    <p:spTree>
-      <p:nvGrpSpPr>
-        <p:cNvPr id="1" name=""/>
-        <p:cNvGrpSpPr/>
-        <p:nvPr/>
-      </p:nvGrpSpPr>
-      <p:grpSpPr>
-        <a:xfrm>
-          <a:off x="0" y="0"/>
-          <a:ext cx="0" cy="0"/>
-          <a:chOff x="0" y="0"/>
-          <a:chExt cx="0" cy="0"/>
-        </a:xfrm>
-      </p:grpSpPr>
-      <p:sp>
-        <p:nvSpPr>
-          <p:cNvPr id="848" name="Objects Oriented Programming"/>
-          <p:cNvSpPr txBox="1"/>
-          <p:nvPr/>
-        </p:nvSpPr>
-        <p:spPr>
-          <a:xfrm>
-            <a:off x="20036166" y="3143"/>
-            <a:ext cx="4354679" cy="461366"/>
-          </a:xfrm>
-          <a:prstGeom prst="rect">
-            <a:avLst/>
-          </a:prstGeom>
-          <a:ln w="12700">
-            <a:miter lim="400000"/>
-          </a:ln>
-          <a:extLst>
-            <a:ext uri="{C572A759-6A51-4108-AA02-DFA0A04FC94B}">
-              <ma14:wrappingTextBoxFlag xmlns:ma14="http://schemas.microsoft.com/office/mac/drawingml/2011/main" val="1"/>
-            </a:ext>
-          </a:extLst>
-        </p:spPr>
-        <p:txBody>
-          <a:bodyPr wrap="none" lIns="50800" tIns="50800" rIns="50800" bIns="50800" anchor="ctr">
-            <a:spAutoFit/>
-          </a:bodyPr>
-          <a:lstStyle>
-            <a:lvl1pPr algn="r">
-              <a:lnSpc>
-                <a:spcPct val="100000"/>
-              </a:lnSpc>
-              <a:spcBef>
-                <a:spcPts val="0"/>
-              </a:spcBef>
-              <a:defRPr sz="2400"/>
-            </a:lvl1pPr>
-          </a:lstStyle>
-          <a:p>
-            <a:pPr/>
-            <a:r>
-              <a:t>Objects Oriented Programming</a:t>
-            </a:r>
-          </a:p>
-        </p:txBody>
-      </p:sp>
-      <p:sp>
-        <p:nvSpPr>
-          <p:cNvPr id="849" name="Slide Number"/>
-          <p:cNvSpPr txBox="1"/>
-          <p:nvPr>
-            <p:ph type="sldNum" sz="quarter" idx="4294967295"/>
-          </p:nvPr>
-        </p:nvSpPr>
-        <p:spPr>
-          <a:prstGeom prst="rect">
-            <a:avLst/>
-          </a:prstGeom>
-          <a:extLst>
-            <a:ext uri="{C572A759-6A51-4108-AA02-DFA0A04FC94B}">
-              <ma14:wrappingTextBoxFlag xmlns:ma14="http://schemas.microsoft.com/office/mac/drawingml/2011/main" val="1"/>
-            </a:ext>
-          </a:extLst>
-        </p:spPr>
-        <p:txBody>
-          <a:bodyPr/>
-          <a:lstStyle/>
-          <a:p>
-            <a:pPr/>
-            <a:fld id="{86CB4B4D-7CA3-9044-876B-883B54F8677D}" type="slidenum"/>
-          </a:p>
-        </p:txBody>
-      </p:sp>
-      <p:grpSp>
-        <p:nvGrpSpPr>
-          <p:cNvPr id="854" name="Group"/>
-          <p:cNvGrpSpPr/>
-          <p:nvPr/>
-        </p:nvGrpSpPr>
-        <p:grpSpPr>
-          <a:xfrm>
-            <a:off x="1068" y="12709669"/>
-            <a:ext cx="24381864" cy="1000421"/>
-            <a:chOff x="0" y="0"/>
-            <a:chExt cx="24381862" cy="1000420"/>
-          </a:xfrm>
-        </p:grpSpPr>
-        <p:pic>
-          <p:nvPicPr>
-            <p:cNvPr id="850" name="pasted-movie.png" descr="pasted-movie.png"/>
-            <p:cNvPicPr>
-              <a:picLocks noChangeAspect="1"/>
-            </p:cNvPicPr>
-            <p:nvPr/>
-          </p:nvPicPr>
-          <p:blipFill>
-            <a:blip r:embed="rId2">
-              <a:extLst/>
-            </a:blip>
-            <a:stretch>
-              <a:fillRect/>
-            </a:stretch>
-          </p:blipFill>
-          <p:spPr>
-            <a:xfrm>
-              <a:off x="550774" y="93809"/>
-              <a:ext cx="812801" cy="812801"/>
-            </a:xfrm>
-            <a:prstGeom prst="rect">
-              <a:avLst/>
-            </a:prstGeom>
-            <a:ln w="12700" cap="flat">
-              <a:noFill/>
-              <a:miter lim="400000"/>
-            </a:ln>
-            <a:effectLst/>
-          </p:spPr>
-        </p:pic>
-        <p:sp>
-          <p:nvSpPr>
-            <p:cNvPr id="851" name="Gammasoft"/>
-            <p:cNvSpPr txBox="1"/>
-            <p:nvPr/>
-          </p:nvSpPr>
-          <p:spPr>
-            <a:xfrm>
-              <a:off x="1547842" y="95994"/>
-              <a:ext cx="3298851" cy="808432"/>
-            </a:xfrm>
-            <a:prstGeom prst="rect">
-              <a:avLst/>
-            </a:prstGeom>
-            <a:noFill/>
-            <a:ln w="12700" cap="flat">
-              <a:noFill/>
-              <a:miter lim="400000"/>
-            </a:ln>
-            <a:effectLst/>
-            <a:extLst>
-              <a:ext uri="{C572A759-6A51-4108-AA02-DFA0A04FC94B}">
-                <ma14:wrappingTextBoxFlag xmlns:ma14="http://schemas.microsoft.com/office/mac/drawingml/2011/main" val="1"/>
-              </a:ext>
-            </a:extLst>
-          </p:spPr>
-          <p:txBody>
-            <a:bodyPr wrap="none" lIns="50800" tIns="50800" rIns="50800" bIns="50800" numCol="1" anchor="ctr">
-              <a:spAutoFit/>
-            </a:bodyPr>
-            <a:lstStyle/>
-            <a:p>
-              <a:pPr/>
-              <a:r>
-                <a:t>Gammasoft</a:t>
-              </a:r>
-            </a:p>
-          </p:txBody>
-        </p:sp>
-        <p:sp>
-          <p:nvSpPr>
-            <p:cNvPr id="852" name="Modern C++ Course"/>
-            <p:cNvSpPr txBox="1"/>
-            <p:nvPr/>
-          </p:nvSpPr>
-          <p:spPr>
-            <a:xfrm>
-              <a:off x="18055790" y="95994"/>
-              <a:ext cx="5711649" cy="808432"/>
-            </a:xfrm>
-            <a:prstGeom prst="rect">
-              <a:avLst/>
-            </a:prstGeom>
-            <a:noFill/>
-            <a:ln w="12700" cap="flat">
-              <a:noFill/>
-              <a:miter lim="400000"/>
-            </a:ln>
-            <a:effectLst/>
-            <a:extLst>
-              <a:ext uri="{C572A759-6A51-4108-AA02-DFA0A04FC94B}">
-                <ma14:wrappingTextBoxFlag xmlns:ma14="http://schemas.microsoft.com/office/mac/drawingml/2011/main" val="1"/>
-              </a:ext>
-            </a:extLst>
-          </p:spPr>
-          <p:txBody>
-            <a:bodyPr wrap="none" lIns="50800" tIns="50800" rIns="50800" bIns="50800" numCol="1" anchor="ctr">
-              <a:spAutoFit/>
-            </a:bodyPr>
-            <a:lstStyle/>
-            <a:p>
-              <a:pPr/>
-              <a:r>
-                <a:t>Modern C++ Course</a:t>
-              </a:r>
-            </a:p>
-          </p:txBody>
-        </p:sp>
-        <p:sp>
-          <p:nvSpPr>
-            <p:cNvPr id="853" name="Rectangle"/>
-            <p:cNvSpPr/>
-            <p:nvPr/>
-          </p:nvSpPr>
-          <p:spPr>
-            <a:xfrm>
-              <a:off x="0" y="0"/>
-              <a:ext cx="24381863" cy="1000421"/>
-            </a:xfrm>
-            <a:prstGeom prst="rect">
-              <a:avLst/>
-            </a:prstGeom>
-            <a:solidFill>
-              <a:srgbClr val="0080FF">
-                <a:alpha val="50561"/>
-              </a:srgbClr>
-            </a:solidFill>
-            <a:ln w="12700" cap="flat">
-              <a:noFill/>
-              <a:miter lim="400000"/>
-            </a:ln>
-            <a:effectLst/>
-          </p:spPr>
-          <p:txBody>
-            <a:bodyPr wrap="square" lIns="50800" tIns="50800" rIns="50800" bIns="50800" numCol="1" anchor="ctr">
-              <a:noAutofit/>
-            </a:bodyPr>
-            <a:lstStyle/>
-            <a:p>
-              <a:pPr algn="ctr" defTabSz="825500">
-                <a:lnSpc>
-                  <a:spcPct val="100000"/>
-                </a:lnSpc>
-                <a:spcBef>
-                  <a:spcPts val="0"/>
-                </a:spcBef>
-                <a:defRPr sz="3200">
-                  <a:solidFill>
-                    <a:srgbClr val="000000"/>
-                  </a:solidFill>
-                  <a:latin typeface="Helvetica Neue Medium"/>
-                  <a:ea typeface="Helvetica Neue Medium"/>
-                  <a:cs typeface="Helvetica Neue Medium"/>
-                  <a:sym typeface="Helvetica Neue Medium"/>
-                </a:defRPr>
-              </a:pPr>
-            </a:p>
-          </p:txBody>
-        </p:sp>
-      </p:grpSp>
-      <p:sp>
-        <p:nvSpPr>
-          <p:cNvPr id="855" name="Objects Oriented Programming (OOP)"/>
-          <p:cNvSpPr txBox="1"/>
-          <p:nvPr>
-            <p:ph type="title" idx="4294967295"/>
-          </p:nvPr>
-        </p:nvSpPr>
-        <p:spPr>
-          <a:xfrm>
-            <a:off x="1206500" y="952500"/>
-            <a:ext cx="18969027" cy="1435100"/>
-          </a:xfrm>
-          <a:prstGeom prst="rect">
-            <a:avLst/>
-          </a:prstGeom>
-        </p:spPr>
-        <p:txBody>
-          <a:bodyPr/>
-          <a:lstStyle/>
-          <a:p>
-            <a:pPr/>
-            <a:r>
-              <a:t>Objects Oriented Programming (OOP) </a:t>
-            </a:r>
-          </a:p>
-        </p:txBody>
-      </p:sp>
-      <p:sp>
-        <p:nvSpPr>
-          <p:cNvPr id="856" name="Objects and classes…"/>
-          <p:cNvSpPr txBox="1"/>
-          <p:nvPr>
-            <p:ph type="body" idx="4294967295"/>
-          </p:nvPr>
-        </p:nvSpPr>
-        <p:spPr>
-          <a:prstGeom prst="rect">
-            <a:avLst/>
-          </a:prstGeom>
-        </p:spPr>
-        <p:txBody>
-          <a:bodyPr numCol="2" spcCol="1098550"/>
-          <a:lstStyle/>
-          <a:p>
-            <a:pPr/>
-            <a:r>
-              <a:t>Objects and classes</a:t>
-            </a:r>
-          </a:p>
-          <a:p>
-            <a:pPr/>
-            <a:r>
-              <a:t>Inheritance</a:t>
-            </a:r>
-          </a:p>
-          <a:p>
-            <a:pPr/>
-            <a:r>
-              <a:t>Constructors / Destructors</a:t>
-            </a:r>
-          </a:p>
-          <a:p>
-            <a:pPr/>
-            <a:r>
-              <a:t>Static members</a:t>
-            </a:r>
-          </a:p>
-          <a:p>
-            <a:pPr/>
-            <a:r>
-              <a:t>Allocating objects</a:t>
-            </a:r>
-          </a:p>
-          <a:p>
-            <a:pPr/>
-            <a:r>
-              <a:t>Advanced Object Oriented</a:t>
-            </a:r>
-          </a:p>
-          <a:p>
-            <a:pPr/>
-            <a:r>
-              <a:t>Type casing</a:t>
-            </a:r>
-          </a:p>
-          <a:p>
-            <a:pPr/>
-            <a:r>
-              <a:t>Operator overloading</a:t>
-            </a:r>
-          </a:p>
-          <a:p>
-            <a:pPr/>
-            <a:r>
-              <a:t>Function objects</a:t>
-            </a:r>
-          </a:p>
-          <a:p>
-            <a:pPr/>
-            <a:r>
-              <a:t>Name Lookups</a:t>
-            </a:r>
           </a:p>
         </p:txBody>
       </p:sp>
@@ -29829,92 +29870,21 @@
       </p:grpSpPr>
       <p:sp>
         <p:nvSpPr>
-          <p:cNvPr id="858" name="Introduction…"/>
+          <p:cNvPr id="860" name="Objects Oriented Programming"/>
           <p:cNvSpPr txBox="1"/>
-          <p:nvPr>
-            <p:ph type="body" idx="4294967295"/>
-          </p:nvPr>
-        </p:nvSpPr>
-        <p:spPr>
-          <a:xfrm>
-            <a:off x="1206500" y="4248504"/>
-            <a:ext cx="22070985" cy="8256012"/>
-          </a:xfrm>
-          <a:prstGeom prst="rect">
-            <a:avLst/>
-          </a:prstGeom>
-        </p:spPr>
-        <p:txBody>
-          <a:bodyPr/>
-          <a:lstStyle/>
-          <a:p>
-            <a:pPr marL="889000" indent="-889000">
-              <a:buSzPct val="100000"/>
-              <a:buAutoNum type="arabicPeriod" startAt="1"/>
-            </a:pPr>
-            <a:r>
-              <a:t>Introduction</a:t>
-            </a:r>
-          </a:p>
-          <a:p>
-            <a:pPr marL="889000" indent="-889000">
-              <a:buSzPct val="100000"/>
-              <a:buAutoNum type="arabicPeriod" startAt="1"/>
-            </a:pPr>
-            <a:r>
-              <a:t>Language Basics</a:t>
-            </a:r>
-          </a:p>
-          <a:p>
-            <a:pPr marL="889000" indent="-889000">
-              <a:buSzPct val="100000"/>
-              <a:buAutoNum type="arabicPeriod" startAt="1"/>
-            </a:pPr>
-            <a:r>
-              <a:t>Object Oriented Programming  (OOP)</a:t>
-            </a:r>
-          </a:p>
-          <a:p>
-            <a:pPr marL="889000" indent="-889000">
-              <a:buSzPct val="100000"/>
-              <a:buAutoNum type="arabicPeriod" startAt="1"/>
-            </a:pPr>
-            <a:r>
-              <a:t>Core Modern C++</a:t>
-            </a:r>
-          </a:p>
-          <a:p>
-            <a:pPr marL="889000" indent="-889000">
-              <a:buSzPct val="100000"/>
-              <a:buAutoNum type="arabicPeriod" startAt="1"/>
-            </a:pPr>
-            <a:r>
-              <a:t>Modern C++ Expert</a:t>
-            </a:r>
-          </a:p>
-          <a:p>
-            <a:pPr marL="889000" indent="-889000">
-              <a:buSzPct val="100000"/>
-              <a:buAutoNum type="arabicPeriod" startAt="1"/>
-            </a:pPr>
-            <a:r>
-              <a:t>Advanced Programming</a:t>
-            </a:r>
-          </a:p>
-        </p:txBody>
-      </p:sp>
-      <p:sp>
-        <p:nvSpPr>
-          <p:cNvPr id="859" name="Slide Number"/>
-          <p:cNvSpPr txBox="1"/>
-          <p:nvPr>
-            <p:ph type="sldNum" sz="quarter" idx="4294967295"/>
-          </p:nvPr>
-        </p:nvSpPr>
-        <p:spPr>
-          <a:prstGeom prst="rect">
-            <a:avLst/>
-          </a:prstGeom>
+          <p:nvPr/>
+        </p:nvSpPr>
+        <p:spPr>
+          <a:xfrm>
+            <a:off x="20036166" y="3143"/>
+            <a:ext cx="4354679" cy="461366"/>
+          </a:xfrm>
+          <a:prstGeom prst="rect">
+            <a:avLst/>
+          </a:prstGeom>
+          <a:ln w="12700">
+            <a:miter lim="400000"/>
+          </a:ln>
           <a:extLst>
             <a:ext uri="{C572A759-6A51-4108-AA02-DFA0A04FC94B}">
               <ma14:wrappingTextBoxFlag xmlns:ma14="http://schemas.microsoft.com/office/mac/drawingml/2011/main" val="1"/>
@@ -29922,86 +29892,52 @@
           </a:extLst>
         </p:spPr>
         <p:txBody>
-          <a:bodyPr/>
-          <a:lstStyle/>
-          <a:p>
-            <a:pPr/>
-            <a:fld id="{86CB4B4D-7CA3-9044-876B-883B54F8677D}" type="slidenum"/>
-          </a:p>
-        </p:txBody>
-      </p:sp>
-      <p:sp>
-        <p:nvSpPr>
-          <p:cNvPr id="860" name="Outline"/>
-          <p:cNvSpPr txBox="1"/>
-          <p:nvPr>
-            <p:ph type="title" idx="4294967295"/>
-          </p:nvPr>
-        </p:nvSpPr>
-        <p:spPr>
-          <a:xfrm>
-            <a:off x="1206500" y="952500"/>
-            <a:ext cx="10477500" cy="1435100"/>
-          </a:xfrm>
-          <a:prstGeom prst="rect">
-            <a:avLst/>
-          </a:prstGeom>
-        </p:spPr>
-        <p:txBody>
-          <a:bodyPr/>
-          <a:lstStyle/>
-          <a:p>
-            <a:pPr/>
-            <a:r>
-              <a:t>Outline</a:t>
-            </a:r>
-          </a:p>
-        </p:txBody>
-      </p:sp>
-      <p:sp>
-        <p:nvSpPr>
-          <p:cNvPr id="861" name="Rectangle"/>
-          <p:cNvSpPr/>
-          <p:nvPr/>
-        </p:nvSpPr>
-        <p:spPr>
-          <a:xfrm>
-            <a:off x="1229879" y="6664424"/>
-            <a:ext cx="11560369" cy="910673"/>
-          </a:xfrm>
-          <a:prstGeom prst="rect">
-            <a:avLst/>
-          </a:prstGeom>
-          <a:solidFill>
-            <a:srgbClr val="0080FF">
-              <a:alpha val="44038"/>
-            </a:srgbClr>
-          </a:solidFill>
-          <a:ln w="12700">
-            <a:miter lim="400000"/>
-          </a:ln>
-        </p:spPr>
-        <p:txBody>
-          <a:bodyPr lIns="50800" tIns="50800" rIns="50800" bIns="50800" anchor="ctr"/>
-          <a:lstStyle/>
-          <a:p>
-            <a:pPr algn="ctr" defTabSz="825500">
+          <a:bodyPr wrap="none" lIns="50800" tIns="50800" rIns="50800" bIns="50800" anchor="ctr">
+            <a:spAutoFit/>
+          </a:bodyPr>
+          <a:lstStyle>
+            <a:lvl1pPr algn="r">
               <a:lnSpc>
                 <a:spcPct val="100000"/>
               </a:lnSpc>
               <a:spcBef>
                 <a:spcPts val="0"/>
               </a:spcBef>
-              <a:defRPr sz="3200">
-                <a:solidFill>
-                  <a:srgbClr val="000000"/>
-                </a:solidFill>
-                <a:latin typeface="Helvetica Neue Medium"/>
-                <a:ea typeface="Helvetica Neue Medium"/>
-                <a:cs typeface="Helvetica Neue Medium"/>
-                <a:sym typeface="Helvetica Neue Medium"/>
-              </a:defRPr>
-            </a:pPr>
+              <a:defRPr sz="2400"/>
+            </a:lvl1pPr>
+          </a:lstStyle>
+          <a:p>
+            <a:pPr/>
+            <a:r>
+              <a:t>Objects Oriented Programming</a:t>
+            </a:r>
+          </a:p>
+        </p:txBody>
+      </p:sp>
+      <p:sp>
+        <p:nvSpPr>
+          <p:cNvPr id="861" name="Slide Number"/>
+          <p:cNvSpPr txBox="1"/>
+          <p:nvPr>
+            <p:ph type="sldNum" sz="quarter" idx="4294967295"/>
+          </p:nvPr>
+        </p:nvSpPr>
+        <p:spPr>
+          <a:prstGeom prst="rect">
+            <a:avLst/>
+          </a:prstGeom>
+          <a:extLst>
+            <a:ext uri="{C572A759-6A51-4108-AA02-DFA0A04FC94B}">
+              <ma14:wrappingTextBoxFlag xmlns:ma14="http://schemas.microsoft.com/office/mac/drawingml/2011/main" val="1"/>
+            </a:ext>
+          </a:extLst>
+        </p:spPr>
+        <p:txBody>
+          <a:bodyPr/>
+          <a:lstStyle/>
+          <a:p>
+            <a:pPr/>
+            <a:fld id="{86CB4B4D-7CA3-9044-876B-883B54F8677D}" type="slidenum"/>
           </a:p>
         </p:txBody>
       </p:sp>
@@ -30180,6 +30116,112 @@
           </p:txBody>
         </p:sp>
       </p:grpSp>
+      <p:sp>
+        <p:nvSpPr>
+          <p:cNvPr id="867" name="Objects Oriented Programming (OOP)"/>
+          <p:cNvSpPr txBox="1"/>
+          <p:nvPr>
+            <p:ph type="title" idx="4294967295"/>
+          </p:nvPr>
+        </p:nvSpPr>
+        <p:spPr>
+          <a:xfrm>
+            <a:off x="1206500" y="952500"/>
+            <a:ext cx="18969027" cy="1435100"/>
+          </a:xfrm>
+          <a:prstGeom prst="rect">
+            <a:avLst/>
+          </a:prstGeom>
+        </p:spPr>
+        <p:txBody>
+          <a:bodyPr/>
+          <a:lstStyle/>
+          <a:p>
+            <a:pPr/>
+            <a:r>
+              <a:t>Objects Oriented Programming (OOP) </a:t>
+            </a:r>
+          </a:p>
+        </p:txBody>
+      </p:sp>
+      <p:sp>
+        <p:nvSpPr>
+          <p:cNvPr id="868" name="Objects and classes…"/>
+          <p:cNvSpPr txBox="1"/>
+          <p:nvPr>
+            <p:ph type="body" idx="4294967295"/>
+          </p:nvPr>
+        </p:nvSpPr>
+        <p:spPr>
+          <a:prstGeom prst="rect">
+            <a:avLst/>
+          </a:prstGeom>
+        </p:spPr>
+        <p:txBody>
+          <a:bodyPr numCol="2" spcCol="1098550"/>
+          <a:lstStyle/>
+          <a:p>
+            <a:pPr/>
+            <a:r>
+              <a:t>Objects and classes</a:t>
+            </a:r>
+          </a:p>
+          <a:p>
+            <a:pPr/>
+            <a:r>
+              <a:t>Inheritance</a:t>
+            </a:r>
+          </a:p>
+          <a:p>
+            <a:pPr/>
+            <a:r>
+              <a:t>Constructors / Destructors</a:t>
+            </a:r>
+          </a:p>
+          <a:p>
+            <a:pPr/>
+            <a:r>
+              <a:t>Static members</a:t>
+            </a:r>
+          </a:p>
+          <a:p>
+            <a:pPr/>
+            <a:r>
+              <a:t>Allocating objects</a:t>
+            </a:r>
+          </a:p>
+          <a:p>
+            <a:pPr/>
+            <a:r>
+              <a:t>Advanced Object Oriented</a:t>
+            </a:r>
+          </a:p>
+          <a:p>
+            <a:pPr/>
+            <a:r>
+              <a:t>Type casing</a:t>
+            </a:r>
+          </a:p>
+          <a:p>
+            <a:pPr/>
+            <a:r>
+              <a:t>Operator overloading</a:t>
+            </a:r>
+          </a:p>
+          <a:p>
+            <a:pPr/>
+            <a:r>
+              <a:t>Function objects</a:t>
+            </a:r>
+          </a:p>
+          <a:p>
+            <a:pPr/>
+            <a:r>
+              <a:t>Name Lookups</a:t>
+            </a:r>
+          </a:p>
+        </p:txBody>
+      </p:sp>
     </p:spTree>
   </p:cSld>
   <p:clrMapOvr>
@@ -30208,7 +30250,83 @@
       </p:grpSpPr>
       <p:sp>
         <p:nvSpPr>
-          <p:cNvPr id="868" name="Slide Number"/>
+          <p:cNvPr id="870" name="Introduction…"/>
+          <p:cNvSpPr txBox="1"/>
+          <p:nvPr>
+            <p:ph type="body" idx="4294967295"/>
+          </p:nvPr>
+        </p:nvSpPr>
+        <p:spPr>
+          <a:xfrm>
+            <a:off x="1206500" y="4248504"/>
+            <a:ext cx="22070985" cy="8256012"/>
+          </a:xfrm>
+          <a:prstGeom prst="rect">
+            <a:avLst/>
+          </a:prstGeom>
+        </p:spPr>
+        <p:txBody>
+          <a:bodyPr/>
+          <a:lstStyle/>
+          <a:p>
+            <a:pPr marL="889000" indent="-889000">
+              <a:buSzPct val="100000"/>
+              <a:buAutoNum type="arabicPeriod" startAt="1"/>
+            </a:pPr>
+            <a:r>
+              <a:t>Introduction</a:t>
+            </a:r>
+          </a:p>
+          <a:p>
+            <a:pPr marL="889000" indent="-889000">
+              <a:buSzPct val="100000"/>
+              <a:buAutoNum type="arabicPeriod" startAt="1"/>
+            </a:pPr>
+            <a:r>
+              <a:t>Language Basics</a:t>
+            </a:r>
+          </a:p>
+          <a:p>
+            <a:pPr marL="889000" indent="-889000">
+              <a:buSzPct val="100000"/>
+              <a:buAutoNum type="arabicPeriod" startAt="1"/>
+            </a:pPr>
+            <a:r>
+              <a:t>Object Oriented Programming  (OOP)</a:t>
+            </a:r>
+          </a:p>
+          <a:p>
+            <a:pPr marL="889000" indent="-889000">
+              <a:buSzPct val="100000"/>
+              <a:buAutoNum type="arabicPeriod" startAt="1"/>
+            </a:pPr>
+            <a:r>
+              <a:t>Core Modern C++</a:t>
+            </a:r>
+          </a:p>
+          <a:p>
+            <a:pPr marL="889000" indent="-889000">
+              <a:buSzPct val="100000"/>
+              <a:buAutoNum type="arabicPeriod" startAt="1"/>
+            </a:pPr>
+            <a:r>
+              <a:t>Modern C++ Expert</a:t>
+            </a:r>
+          </a:p>
+          <a:p>
+            <a:pPr marL="889000" indent="-889000">
+              <a:buSzPct val="100000"/>
+              <a:buAutoNum type="arabicPeriod" startAt="1"/>
+            </a:pPr>
+            <a:r>
+              <a:t>Advanced Programming</a:t>
+            </a:r>
+          </a:p>
+        </p:txBody>
+      </p:sp>
+      <p:sp>
+        <p:nvSpPr>
+          <p:cNvPr id="871" name="Slide Number"/>
           <p:cNvSpPr txBox="1"/>
           <p:nvPr>
             <p:ph type="sldNum" sz="quarter" idx="4294967295"/>
@@ -30235,53 +30353,82 @@
       </p:sp>
       <p:sp>
         <p:nvSpPr>
-          <p:cNvPr id="869" name="End"/>
+          <p:cNvPr id="872" name="Outline"/>
           <p:cNvSpPr txBox="1"/>
+          <p:nvPr>
+            <p:ph type="title" idx="4294967295"/>
+          </p:nvPr>
+        </p:nvSpPr>
+        <p:spPr>
+          <a:xfrm>
+            <a:off x="1206500" y="952500"/>
+            <a:ext cx="10477500" cy="1435100"/>
+          </a:xfrm>
+          <a:prstGeom prst="rect">
+            <a:avLst/>
+          </a:prstGeom>
+        </p:spPr>
+        <p:txBody>
+          <a:bodyPr/>
+          <a:lstStyle/>
+          <a:p>
+            <a:pPr/>
+            <a:r>
+              <a:t>Outline</a:t>
+            </a:r>
+          </a:p>
+        </p:txBody>
+      </p:sp>
+      <p:sp>
+        <p:nvSpPr>
+          <p:cNvPr id="873" name="Rectangle"/>
+          <p:cNvSpPr/>
           <p:nvPr/>
         </p:nvSpPr>
         <p:spPr>
           <a:xfrm>
-            <a:off x="11167618" y="6168806"/>
-            <a:ext cx="2048765" cy="1378388"/>
-          </a:xfrm>
-          <a:prstGeom prst="rect">
-            <a:avLst/>
-          </a:prstGeom>
+            <a:off x="1229879" y="6664424"/>
+            <a:ext cx="11560369" cy="910673"/>
+          </a:xfrm>
+          <a:prstGeom prst="rect">
+            <a:avLst/>
+          </a:prstGeom>
+          <a:solidFill>
+            <a:srgbClr val="0080FF">
+              <a:alpha val="44038"/>
+            </a:srgbClr>
+          </a:solidFill>
           <a:ln w="12700">
             <a:miter lim="400000"/>
           </a:ln>
-          <a:extLst>
-            <a:ext uri="{C572A759-6A51-4108-AA02-DFA0A04FC94B}">
-              <ma14:wrappingTextBoxFlag xmlns:ma14="http://schemas.microsoft.com/office/mac/drawingml/2011/main" val="1"/>
-            </a:ext>
-          </a:extLst>
-        </p:spPr>
-        <p:txBody>
-          <a:bodyPr wrap="none" lIns="50800" tIns="50800" rIns="50800" bIns="50800" anchor="ctr">
-            <a:spAutoFit/>
-          </a:bodyPr>
-          <a:lstStyle>
-            <a:lvl1pPr>
+        </p:spPr>
+        <p:txBody>
+          <a:bodyPr lIns="50800" tIns="50800" rIns="50800" bIns="50800" anchor="ctr"/>
+          <a:lstStyle/>
+          <a:p>
+            <a:pPr algn="ctr" defTabSz="825500">
               <a:lnSpc>
-                <a:spcPct val="80000"/>
+                <a:spcPct val="100000"/>
               </a:lnSpc>
               <a:spcBef>
                 <a:spcPts val="0"/>
               </a:spcBef>
-              <a:defRPr b="1" spc="-170" sz="8500"/>
-            </a:lvl1pPr>
-          </a:lstStyle>
-          <a:p>
-            <a:pPr/>
-            <a:r>
-              <a:t>End</a:t>
-            </a:r>
+              <a:defRPr sz="3200">
+                <a:solidFill>
+                  <a:srgbClr val="000000"/>
+                </a:solidFill>
+                <a:latin typeface="Helvetica Neue Medium"/>
+                <a:ea typeface="Helvetica Neue Medium"/>
+                <a:cs typeface="Helvetica Neue Medium"/>
+                <a:sym typeface="Helvetica Neue Medium"/>
+              </a:defRPr>
+            </a:pPr>
           </a:p>
         </p:txBody>
       </p:sp>
       <p:grpSp>
         <p:nvGrpSpPr>
-          <p:cNvPr id="874" name="Group"/>
+          <p:cNvPr id="878" name="Group"/>
           <p:cNvGrpSpPr/>
           <p:nvPr/>
         </p:nvGrpSpPr>
@@ -30295,7 +30442,7 @@
         </p:grpSpPr>
         <p:pic>
           <p:nvPicPr>
-            <p:cNvPr id="870" name="pasted-movie.png" descr="pasted-movie.png"/>
+            <p:cNvPr id="874" name="pasted-movie.png" descr="pasted-movie.png"/>
             <p:cNvPicPr>
               <a:picLocks noChangeAspect="1"/>
             </p:cNvPicPr>
@@ -30326,7 +30473,7 @@
         </p:pic>
         <p:sp>
           <p:nvSpPr>
-            <p:cNvPr id="871" name="Gammasoft"/>
+            <p:cNvPr id="875" name="Gammasoft"/>
             <p:cNvSpPr txBox="1"/>
             <p:nvPr/>
           </p:nvSpPr>
@@ -30365,7 +30512,7 @@
         </p:sp>
         <p:sp>
           <p:nvSpPr>
-            <p:cNvPr id="872" name="Modern C++ Course"/>
+            <p:cNvPr id="876" name="Modern C++ Course"/>
             <p:cNvSpPr txBox="1"/>
             <p:nvPr/>
           </p:nvSpPr>
@@ -30404,7 +30551,281 @@
         </p:sp>
         <p:sp>
           <p:nvSpPr>
-            <p:cNvPr id="873" name="Rectangle"/>
+            <p:cNvPr id="877" name="Rectangle"/>
+            <p:cNvSpPr/>
+            <p:nvPr/>
+          </p:nvSpPr>
+          <p:spPr>
+            <a:xfrm>
+              <a:off x="0" y="0"/>
+              <a:ext cx="24381863" cy="1000421"/>
+            </a:xfrm>
+            <a:prstGeom prst="rect">
+              <a:avLst/>
+            </a:prstGeom>
+            <a:solidFill>
+              <a:srgbClr val="0080FF">
+                <a:alpha val="50561"/>
+              </a:srgbClr>
+            </a:solidFill>
+            <a:ln w="12700" cap="flat">
+              <a:noFill/>
+              <a:miter lim="400000"/>
+            </a:ln>
+            <a:effectLst/>
+          </p:spPr>
+          <p:txBody>
+            <a:bodyPr wrap="square" lIns="50800" tIns="50800" rIns="50800" bIns="50800" numCol="1" anchor="ctr">
+              <a:noAutofit/>
+            </a:bodyPr>
+            <a:lstStyle/>
+            <a:p>
+              <a:pPr algn="ctr" defTabSz="825500">
+                <a:lnSpc>
+                  <a:spcPct val="100000"/>
+                </a:lnSpc>
+                <a:spcBef>
+                  <a:spcPts val="0"/>
+                </a:spcBef>
+                <a:defRPr sz="3200">
+                  <a:solidFill>
+                    <a:srgbClr val="000000"/>
+                  </a:solidFill>
+                  <a:latin typeface="Helvetica Neue Medium"/>
+                  <a:ea typeface="Helvetica Neue Medium"/>
+                  <a:cs typeface="Helvetica Neue Medium"/>
+                  <a:sym typeface="Helvetica Neue Medium"/>
+                </a:defRPr>
+              </a:pPr>
+            </a:p>
+          </p:txBody>
+        </p:sp>
+      </p:grpSp>
+    </p:spTree>
+  </p:cSld>
+  <p:clrMapOvr>
+    <a:masterClrMapping/>
+  </p:clrMapOvr>
+  <p:transition xmlns:p14="http://schemas.microsoft.com/office/powerpoint/2010/main" spd="med" advClick="1"/>
+</p:sld>
+</file>
+
+<file path=ppt/slides/slide62.xml><?xml version="1.0" encoding="utf-8"?>
+<p:sld xmlns:a="http://schemas.openxmlformats.org/drawingml/2006/main" xmlns:r="http://schemas.openxmlformats.org/officeDocument/2006/relationships" xmlns:p="http://schemas.openxmlformats.org/presentationml/2006/main" xmlns:m="http://schemas.openxmlformats.org/officeDocument/2006/math" xmlns:a14="http://schemas.microsoft.com/office/drawing/2010/main" showMasterSp="1" showMasterPhAnim="1">
+  <p:cSld>
+    <p:spTree>
+      <p:nvGrpSpPr>
+        <p:cNvPr id="1" name=""/>
+        <p:cNvGrpSpPr/>
+        <p:nvPr/>
+      </p:nvGrpSpPr>
+      <p:grpSpPr>
+        <a:xfrm>
+          <a:off x="0" y="0"/>
+          <a:ext cx="0" cy="0"/>
+          <a:chOff x="0" y="0"/>
+          <a:chExt cx="0" cy="0"/>
+        </a:xfrm>
+      </p:grpSpPr>
+      <p:sp>
+        <p:nvSpPr>
+          <p:cNvPr id="880" name="Slide Number"/>
+          <p:cNvSpPr txBox="1"/>
+          <p:nvPr>
+            <p:ph type="sldNum" sz="quarter" idx="4294967295"/>
+          </p:nvPr>
+        </p:nvSpPr>
+        <p:spPr>
+          <a:prstGeom prst="rect">
+            <a:avLst/>
+          </a:prstGeom>
+          <a:extLst>
+            <a:ext uri="{C572A759-6A51-4108-AA02-DFA0A04FC94B}">
+              <ma14:wrappingTextBoxFlag xmlns:ma14="http://schemas.microsoft.com/office/mac/drawingml/2011/main" val="1"/>
+            </a:ext>
+          </a:extLst>
+        </p:spPr>
+        <p:txBody>
+          <a:bodyPr/>
+          <a:lstStyle/>
+          <a:p>
+            <a:pPr/>
+            <a:fld id="{86CB4B4D-7CA3-9044-876B-883B54F8677D}" type="slidenum"/>
+          </a:p>
+        </p:txBody>
+      </p:sp>
+      <p:sp>
+        <p:nvSpPr>
+          <p:cNvPr id="881" name="End"/>
+          <p:cNvSpPr txBox="1"/>
+          <p:nvPr/>
+        </p:nvSpPr>
+        <p:spPr>
+          <a:xfrm>
+            <a:off x="11167618" y="6168806"/>
+            <a:ext cx="2048765" cy="1378388"/>
+          </a:xfrm>
+          <a:prstGeom prst="rect">
+            <a:avLst/>
+          </a:prstGeom>
+          <a:ln w="12700">
+            <a:miter lim="400000"/>
+          </a:ln>
+          <a:extLst>
+            <a:ext uri="{C572A759-6A51-4108-AA02-DFA0A04FC94B}">
+              <ma14:wrappingTextBoxFlag xmlns:ma14="http://schemas.microsoft.com/office/mac/drawingml/2011/main" val="1"/>
+            </a:ext>
+          </a:extLst>
+        </p:spPr>
+        <p:txBody>
+          <a:bodyPr wrap="none" lIns="50800" tIns="50800" rIns="50800" bIns="50800" anchor="ctr">
+            <a:spAutoFit/>
+          </a:bodyPr>
+          <a:lstStyle>
+            <a:lvl1pPr>
+              <a:lnSpc>
+                <a:spcPct val="80000"/>
+              </a:lnSpc>
+              <a:spcBef>
+                <a:spcPts val="0"/>
+              </a:spcBef>
+              <a:defRPr b="1" spc="-170" sz="8500"/>
+            </a:lvl1pPr>
+          </a:lstStyle>
+          <a:p>
+            <a:pPr/>
+            <a:r>
+              <a:t>End</a:t>
+            </a:r>
+          </a:p>
+        </p:txBody>
+      </p:sp>
+      <p:grpSp>
+        <p:nvGrpSpPr>
+          <p:cNvPr id="886" name="Group"/>
+          <p:cNvGrpSpPr/>
+          <p:nvPr/>
+        </p:nvGrpSpPr>
+        <p:grpSpPr>
+          <a:xfrm>
+            <a:off x="1068" y="12709669"/>
+            <a:ext cx="24381864" cy="1000421"/>
+            <a:chOff x="0" y="0"/>
+            <a:chExt cx="24381862" cy="1000420"/>
+          </a:xfrm>
+        </p:grpSpPr>
+        <p:pic>
+          <p:nvPicPr>
+            <p:cNvPr id="882" name="pasted-movie.png" descr="pasted-movie.png"/>
+            <p:cNvPicPr>
+              <a:picLocks noChangeAspect="1"/>
+            </p:cNvPicPr>
+            <p:nvPr/>
+          </p:nvPicPr>
+          <p:blipFill>
+            <a:blip r:embed="rId2">
+              <a:extLst/>
+            </a:blip>
+            <a:stretch>
+              <a:fillRect/>
+            </a:stretch>
+          </p:blipFill>
+          <p:spPr>
+            <a:xfrm>
+              <a:off x="550774" y="93809"/>
+              <a:ext cx="812801" cy="812801"/>
+            </a:xfrm>
+            <a:prstGeom prst="rect">
+              <a:avLst/>
+            </a:prstGeom>
+            <a:ln w="12700" cap="flat">
+              <a:noFill/>
+              <a:miter lim="400000"/>
+            </a:ln>
+            <a:effectLst/>
+          </p:spPr>
+        </p:pic>
+        <p:sp>
+          <p:nvSpPr>
+            <p:cNvPr id="883" name="Gammasoft"/>
+            <p:cNvSpPr txBox="1"/>
+            <p:nvPr/>
+          </p:nvSpPr>
+          <p:spPr>
+            <a:xfrm>
+              <a:off x="1547842" y="95994"/>
+              <a:ext cx="3298851" cy="808432"/>
+            </a:xfrm>
+            <a:prstGeom prst="rect">
+              <a:avLst/>
+            </a:prstGeom>
+            <a:noFill/>
+            <a:ln w="12700" cap="flat">
+              <a:noFill/>
+              <a:miter lim="400000"/>
+            </a:ln>
+            <a:effectLst/>
+            <a:extLst>
+              <a:ext uri="{C572A759-6A51-4108-AA02-DFA0A04FC94B}">
+                <ma14:wrappingTextBoxFlag xmlns:ma14="http://schemas.microsoft.com/office/mac/drawingml/2011/main" val="1"/>
+              </a:ext>
+            </a:extLst>
+          </p:spPr>
+          <p:txBody>
+            <a:bodyPr wrap="none" lIns="50800" tIns="50800" rIns="50800" bIns="50800" numCol="1" anchor="ctr">
+              <a:spAutoFit/>
+            </a:bodyPr>
+            <a:lstStyle/>
+            <a:p>
+              <a:pPr/>
+              <a:r>
+                <a:t>Gammasoft</a:t>
+              </a:r>
+            </a:p>
+          </p:txBody>
+        </p:sp>
+        <p:sp>
+          <p:nvSpPr>
+            <p:cNvPr id="884" name="Modern C++ Course"/>
+            <p:cNvSpPr txBox="1"/>
+            <p:nvPr/>
+          </p:nvSpPr>
+          <p:spPr>
+            <a:xfrm>
+              <a:off x="18055790" y="95994"/>
+              <a:ext cx="5711649" cy="808432"/>
+            </a:xfrm>
+            <a:prstGeom prst="rect">
+              <a:avLst/>
+            </a:prstGeom>
+            <a:noFill/>
+            <a:ln w="12700" cap="flat">
+              <a:noFill/>
+              <a:miter lim="400000"/>
+            </a:ln>
+            <a:effectLst/>
+            <a:extLst>
+              <a:ext uri="{C572A759-6A51-4108-AA02-DFA0A04FC94B}">
+                <ma14:wrappingTextBoxFlag xmlns:ma14="http://schemas.microsoft.com/office/mac/drawingml/2011/main" val="1"/>
+              </a:ext>
+            </a:extLst>
+          </p:spPr>
+          <p:txBody>
+            <a:bodyPr wrap="none" lIns="50800" tIns="50800" rIns="50800" bIns="50800" numCol="1" anchor="ctr">
+              <a:spAutoFit/>
+            </a:bodyPr>
+            <a:lstStyle/>
+            <a:p>
+              <a:pPr/>
+              <a:r>
+                <a:t>Modern C++ Course</a:t>
+              </a:r>
+            </a:p>
+          </p:txBody>
+        </p:sp>
+        <p:sp>
+          <p:nvSpPr>
+            <p:cNvPr id="885" name="Rectangle"/>
             <p:cNvSpPr/>
             <p:nvPr/>
           </p:nvSpPr>

--- a/course/powerpoints/object_oriented_programming.pptx
+++ b/course/powerpoints/object_oriented_programming.pptx
@@ -19356,7 +19356,7 @@
       </p:grpSpPr>
       <p:sp>
         <p:nvSpPr>
-          <p:cNvPr id="607" name="Slide Title"/>
+          <p:cNvPr id="607" name="Class constructors and destructors"/>
           <p:cNvSpPr txBox="1"/>
           <p:nvPr>
             <p:ph type="title" idx="4294967295"/>
@@ -19365,7 +19365,7 @@
         <p:spPr>
           <a:xfrm>
             <a:off x="1206500" y="952500"/>
-            <a:ext cx="10477500" cy="1435100"/>
+            <a:ext cx="17913662" cy="1435100"/>
           </a:xfrm>
           <a:prstGeom prst="rect">
             <a:avLst/>
@@ -19376,12 +19376,15 @@
           <a:lstStyle/>
           <a:p>
             <a:pPr/>
-          </a:p>
-        </p:txBody>
-      </p:sp>
-      <p:sp>
-        <p:nvSpPr>
-          <p:cNvPr id="608" name="Slide bullet text"/>
+            <a:r>
+              <a:t>Class constructors and destructors </a:t>
+            </a:r>
+          </a:p>
+        </p:txBody>
+      </p:sp>
+      <p:sp>
+        <p:nvSpPr>
+          <p:cNvPr id="608" name="Concept…"/>
           <p:cNvSpPr txBox="1"/>
           <p:nvPr>
             <p:ph type="body" sz="half" idx="4294967295"/>
@@ -19400,7 +19403,69 @@
           <a:bodyPr/>
           <a:lstStyle/>
           <a:p>
-            <a:pPr/>
+            <a:pPr marL="0" indent="0" defTabSz="2340805">
+              <a:spcBef>
+                <a:spcPts val="4300"/>
+              </a:spcBef>
+              <a:buSzTx/>
+              <a:buNone/>
+              <a:defRPr sz="4608"/>
+            </a:pPr>
+            <a:r>
+              <a:t>Concept</a:t>
+            </a:r>
+          </a:p>
+          <a:p>
+            <a:pPr marL="585215" indent="-585215" defTabSz="2340805">
+              <a:spcBef>
+                <a:spcPts val="4300"/>
+              </a:spcBef>
+              <a:defRPr sz="4608"/>
+            </a:pPr>
+            <a:r>
+              <a:t>special functions called when building/destroying an object</a:t>
+            </a:r>
+          </a:p>
+          <a:p>
+            <a:pPr marL="585215" indent="-585215" defTabSz="2340805">
+              <a:spcBef>
+                <a:spcPts val="4300"/>
+              </a:spcBef>
+              <a:defRPr sz="4608"/>
+            </a:pPr>
+            <a:r>
+              <a:t>a class can have several constructors, but only one destructor</a:t>
+            </a:r>
+          </a:p>
+          <a:p>
+            <a:pPr marL="585215" indent="-585215" defTabSz="2340805">
+              <a:spcBef>
+                <a:spcPts val="4300"/>
+              </a:spcBef>
+              <a:defRPr sz="4608"/>
+            </a:pPr>
+            <a:r>
+              <a:t>the constructors have the same name as the class</a:t>
+            </a:r>
+          </a:p>
+          <a:p>
+            <a:pPr marL="585215" indent="-585215" defTabSz="2340805">
+              <a:spcBef>
+                <a:spcPts val="4300"/>
+              </a:spcBef>
+              <a:defRPr sz="4608"/>
+            </a:pPr>
+            <a:r>
+              <a:t>same for the destructor with a leading </a:t>
+            </a:r>
+            <a:r>
+              <a:rPr>
+                <a:solidFill>
+                  <a:srgbClr val="0080FF"/>
+                </a:solidFill>
+              </a:rPr>
+              <a:t>~</a:t>
+            </a:r>
           </a:p>
         </p:txBody>
       </p:sp>
@@ -19479,7 +19544,7 @@
       </p:sp>
       <p:sp>
         <p:nvSpPr>
-          <p:cNvPr id="611" name="C++98"/>
+          <p:cNvPr id="611" name="C++11"/>
           <p:cNvSpPr txBox="1"/>
           <p:nvPr/>
         </p:nvSpPr>
@@ -19518,7 +19583,7 @@
           <a:p>
             <a:pPr/>
             <a:r>
-              <a:t>C++98</a:t>
+              <a:t>C++11</a:t>
             </a:r>
           </a:p>
         </p:txBody>
@@ -19698,6 +19763,35 @@
           </p:txBody>
         </p:sp>
       </p:grpSp>
+      <p:pic>
+        <p:nvPicPr>
+          <p:cNvPr id="617" name="pasted-movie.png" descr="pasted-movie.png"/>
+          <p:cNvPicPr>
+            <a:picLocks noChangeAspect="1"/>
+          </p:cNvPicPr>
+          <p:nvPr/>
+        </p:nvPicPr>
+        <p:blipFill>
+          <a:blip r:embed="rId3">
+            <a:extLst/>
+          </a:blip>
+          <a:stretch>
+            <a:fillRect/>
+          </a:stretch>
+        </p:blipFill>
+        <p:spPr>
+          <a:xfrm>
+            <a:off x="13852351" y="2722634"/>
+            <a:ext cx="7924801" cy="9652001"/>
+          </a:xfrm>
+          <a:prstGeom prst="rect">
+            <a:avLst/>
+          </a:prstGeom>
+          <a:ln w="12700">
+            <a:miter lim="400000"/>
+          </a:ln>
+        </p:spPr>
+      </p:pic>
     </p:spTree>
   </p:cSld>
   <p:clrMapOvr>
@@ -19726,7 +19820,7 @@
       </p:grpSpPr>
       <p:sp>
         <p:nvSpPr>
-          <p:cNvPr id="618" name="Objects Oriented Programming"/>
+          <p:cNvPr id="619" name="Objects Oriented Programming"/>
           <p:cNvSpPr txBox="1"/>
           <p:nvPr/>
         </p:nvSpPr>
@@ -19772,7 +19866,7 @@
       </p:sp>
       <p:sp>
         <p:nvSpPr>
-          <p:cNvPr id="619" name="Slide Number"/>
+          <p:cNvPr id="620" name="Slide Number"/>
           <p:cNvSpPr txBox="1"/>
           <p:nvPr>
             <p:ph type="sldNum" sz="quarter" idx="4294967295"/>
@@ -19799,7 +19893,7 @@
       </p:sp>
       <p:grpSp>
         <p:nvGrpSpPr>
-          <p:cNvPr id="624" name="Group"/>
+          <p:cNvPr id="625" name="Group"/>
           <p:cNvGrpSpPr/>
           <p:nvPr/>
         </p:nvGrpSpPr>
@@ -19813,7 +19907,7 @@
         </p:grpSpPr>
         <p:pic>
           <p:nvPicPr>
-            <p:cNvPr id="620" name="pasted-movie.png" descr="pasted-movie.png"/>
+            <p:cNvPr id="621" name="pasted-movie.png" descr="pasted-movie.png"/>
             <p:cNvPicPr>
               <a:picLocks noChangeAspect="1"/>
             </p:cNvPicPr>
@@ -19844,7 +19938,7 @@
         </p:pic>
         <p:sp>
           <p:nvSpPr>
-            <p:cNvPr id="621" name="Gammasoft"/>
+            <p:cNvPr id="622" name="Gammasoft"/>
             <p:cNvSpPr txBox="1"/>
             <p:nvPr/>
           </p:nvSpPr>
@@ -19883,7 +19977,7 @@
         </p:sp>
         <p:sp>
           <p:nvSpPr>
-            <p:cNvPr id="622" name="Modern C++ Course"/>
+            <p:cNvPr id="623" name="Modern C++ Course"/>
             <p:cNvSpPr txBox="1"/>
             <p:nvPr/>
           </p:nvSpPr>
@@ -19922,7 +20016,7 @@
         </p:sp>
         <p:sp>
           <p:nvSpPr>
-            <p:cNvPr id="623" name="Rectangle"/>
+            <p:cNvPr id="624" name="Rectangle"/>
             <p:cNvSpPr/>
             <p:nvPr/>
           </p:nvSpPr>
@@ -19974,7 +20068,7 @@
       </p:grpSp>
       <p:sp>
         <p:nvSpPr>
-          <p:cNvPr id="625" name="Objects Oriented Programming (OOP)"/>
+          <p:cNvPr id="626" name="Objects Oriented Programming (OOP)"/>
           <p:cNvSpPr txBox="1"/>
           <p:nvPr>
             <p:ph type="title" idx="4294967295"/>
@@ -20002,7 +20096,7 @@
       </p:sp>
       <p:sp>
         <p:nvSpPr>
-          <p:cNvPr id="626" name="Objects and classes…"/>
+          <p:cNvPr id="627" name="Objects and classes…"/>
           <p:cNvSpPr txBox="1"/>
           <p:nvPr>
             <p:ph type="body" idx="4294967295"/>
@@ -20080,7 +20174,7 @@
       </p:sp>
       <p:sp>
         <p:nvSpPr>
-          <p:cNvPr id="627" name="Rectangle"/>
+          <p:cNvPr id="628" name="Rectangle"/>
           <p:cNvSpPr/>
           <p:nvPr/>
         </p:nvSpPr>
@@ -20153,7 +20247,7 @@
       </p:grpSpPr>
       <p:sp>
         <p:nvSpPr>
-          <p:cNvPr id="629" name="Objects Oriented Programming"/>
+          <p:cNvPr id="630" name="Objects Oriented Programming"/>
           <p:cNvSpPr txBox="1"/>
           <p:nvPr/>
         </p:nvSpPr>
@@ -20199,7 +20293,7 @@
       </p:sp>
       <p:sp>
         <p:nvSpPr>
-          <p:cNvPr id="630" name="Slide Number"/>
+          <p:cNvPr id="631" name="Slide Number"/>
           <p:cNvSpPr txBox="1"/>
           <p:nvPr>
             <p:ph type="sldNum" sz="quarter" idx="4294967295"/>
@@ -20226,7 +20320,7 @@
       </p:sp>
       <p:grpSp>
         <p:nvGrpSpPr>
-          <p:cNvPr id="635" name="Group"/>
+          <p:cNvPr id="636" name="Group"/>
           <p:cNvGrpSpPr/>
           <p:nvPr/>
         </p:nvGrpSpPr>
@@ -20240,7 +20334,7 @@
         </p:grpSpPr>
         <p:pic>
           <p:nvPicPr>
-            <p:cNvPr id="631" name="pasted-movie.png" descr="pasted-movie.png"/>
+            <p:cNvPr id="632" name="pasted-movie.png" descr="pasted-movie.png"/>
             <p:cNvPicPr>
               <a:picLocks noChangeAspect="1"/>
             </p:cNvPicPr>
@@ -20271,7 +20365,7 @@
         </p:pic>
         <p:sp>
           <p:nvSpPr>
-            <p:cNvPr id="632" name="Gammasoft"/>
+            <p:cNvPr id="633" name="Gammasoft"/>
             <p:cNvSpPr txBox="1"/>
             <p:nvPr/>
           </p:nvSpPr>
@@ -20310,7 +20404,7 @@
         </p:sp>
         <p:sp>
           <p:nvSpPr>
-            <p:cNvPr id="633" name="Modern C++ Course"/>
+            <p:cNvPr id="634" name="Modern C++ Course"/>
             <p:cNvSpPr txBox="1"/>
             <p:nvPr/>
           </p:nvSpPr>
@@ -20349,7 +20443,7 @@
         </p:sp>
         <p:sp>
           <p:nvSpPr>
-            <p:cNvPr id="634" name="Rectangle"/>
+            <p:cNvPr id="635" name="Rectangle"/>
             <p:cNvSpPr/>
             <p:nvPr/>
           </p:nvSpPr>
@@ -20401,7 +20495,7 @@
       </p:grpSp>
       <p:sp>
         <p:nvSpPr>
-          <p:cNvPr id="636" name="Objects Oriented Programming (OOP)"/>
+          <p:cNvPr id="637" name="Objects Oriented Programming (OOP)"/>
           <p:cNvSpPr txBox="1"/>
           <p:nvPr>
             <p:ph type="title" idx="4294967295"/>
@@ -20429,7 +20523,7 @@
       </p:sp>
       <p:sp>
         <p:nvSpPr>
-          <p:cNvPr id="637" name="Objects and classes…"/>
+          <p:cNvPr id="638" name="Objects and classes…"/>
           <p:cNvSpPr txBox="1"/>
           <p:nvPr>
             <p:ph type="body" idx="4294967295"/>
@@ -20507,7 +20601,7 @@
       </p:sp>
       <p:sp>
         <p:nvSpPr>
-          <p:cNvPr id="638" name="Rectangle"/>
+          <p:cNvPr id="639" name="Rectangle"/>
           <p:cNvSpPr/>
           <p:nvPr/>
         </p:nvSpPr>
@@ -20963,7 +21057,7 @@
       </p:grpSpPr>
       <p:sp>
         <p:nvSpPr>
-          <p:cNvPr id="640" name="Slide Title"/>
+          <p:cNvPr id="641" name="Slide Title"/>
           <p:cNvSpPr txBox="1"/>
           <p:nvPr>
             <p:ph type="title" idx="4294967295"/>
@@ -20988,7 +21082,7 @@
       </p:sp>
       <p:sp>
         <p:nvSpPr>
-          <p:cNvPr id="641" name="Slide bullet text"/>
+          <p:cNvPr id="642" name="Slide bullet text"/>
           <p:cNvSpPr txBox="1"/>
           <p:nvPr>
             <p:ph type="body" sz="half" idx="4294967295"/>
@@ -21013,7 +21107,7 @@
       </p:sp>
       <p:sp>
         <p:nvSpPr>
-          <p:cNvPr id="642" name="Slide Number"/>
+          <p:cNvPr id="643" name="Slide Number"/>
           <p:cNvSpPr txBox="1"/>
           <p:nvPr>
             <p:ph type="sldNum" sz="quarter" idx="4294967295"/>
@@ -21040,7 +21134,7 @@
       </p:sp>
       <p:sp>
         <p:nvSpPr>
-          <p:cNvPr id="643" name="Object Oriented Programming | Static members"/>
+          <p:cNvPr id="644" name="Object Oriented Programming | Static members"/>
           <p:cNvSpPr txBox="1"/>
           <p:nvPr/>
         </p:nvSpPr>
@@ -21086,7 +21180,7 @@
       </p:sp>
       <p:sp>
         <p:nvSpPr>
-          <p:cNvPr id="644" name="C++98"/>
+          <p:cNvPr id="645" name="C++98"/>
           <p:cNvSpPr txBox="1"/>
           <p:nvPr/>
         </p:nvSpPr>
@@ -21132,7 +21226,7 @@
       </p:sp>
       <p:grpSp>
         <p:nvGrpSpPr>
-          <p:cNvPr id="649" name="Group"/>
+          <p:cNvPr id="650" name="Group"/>
           <p:cNvGrpSpPr/>
           <p:nvPr/>
         </p:nvGrpSpPr>
@@ -21146,7 +21240,7 @@
         </p:grpSpPr>
         <p:pic>
           <p:nvPicPr>
-            <p:cNvPr id="645" name="pasted-movie.png" descr="pasted-movie.png"/>
+            <p:cNvPr id="646" name="pasted-movie.png" descr="pasted-movie.png"/>
             <p:cNvPicPr>
               <a:picLocks noChangeAspect="1"/>
             </p:cNvPicPr>
@@ -21177,7 +21271,7 @@
         </p:pic>
         <p:sp>
           <p:nvSpPr>
-            <p:cNvPr id="646" name="Gammasoft"/>
+            <p:cNvPr id="647" name="Gammasoft"/>
             <p:cNvSpPr txBox="1"/>
             <p:nvPr/>
           </p:nvSpPr>
@@ -21216,7 +21310,7 @@
         </p:sp>
         <p:sp>
           <p:nvSpPr>
-            <p:cNvPr id="647" name="Modern C++ Course"/>
+            <p:cNvPr id="648" name="Modern C++ Course"/>
             <p:cNvSpPr txBox="1"/>
             <p:nvPr/>
           </p:nvSpPr>
@@ -21255,7 +21349,7 @@
         </p:sp>
         <p:sp>
           <p:nvSpPr>
-            <p:cNvPr id="648" name="Rectangle"/>
+            <p:cNvPr id="649" name="Rectangle"/>
             <p:cNvSpPr/>
             <p:nvPr/>
           </p:nvSpPr>
@@ -21333,7 +21427,7 @@
       </p:grpSpPr>
       <p:sp>
         <p:nvSpPr>
-          <p:cNvPr id="651" name="Objects Oriented Programming"/>
+          <p:cNvPr id="652" name="Objects Oriented Programming"/>
           <p:cNvSpPr txBox="1"/>
           <p:nvPr/>
         </p:nvSpPr>
@@ -21379,7 +21473,7 @@
       </p:sp>
       <p:sp>
         <p:nvSpPr>
-          <p:cNvPr id="652" name="Slide Number"/>
+          <p:cNvPr id="653" name="Slide Number"/>
           <p:cNvSpPr txBox="1"/>
           <p:nvPr>
             <p:ph type="sldNum" sz="quarter" idx="4294967295"/>
@@ -21406,7 +21500,7 @@
       </p:sp>
       <p:grpSp>
         <p:nvGrpSpPr>
-          <p:cNvPr id="657" name="Group"/>
+          <p:cNvPr id="658" name="Group"/>
           <p:cNvGrpSpPr/>
           <p:nvPr/>
         </p:nvGrpSpPr>
@@ -21420,7 +21514,7 @@
         </p:grpSpPr>
         <p:pic>
           <p:nvPicPr>
-            <p:cNvPr id="653" name="pasted-movie.png" descr="pasted-movie.png"/>
+            <p:cNvPr id="654" name="pasted-movie.png" descr="pasted-movie.png"/>
             <p:cNvPicPr>
               <a:picLocks noChangeAspect="1"/>
             </p:cNvPicPr>
@@ -21451,7 +21545,7 @@
         </p:pic>
         <p:sp>
           <p:nvSpPr>
-            <p:cNvPr id="654" name="Gammasoft"/>
+            <p:cNvPr id="655" name="Gammasoft"/>
             <p:cNvSpPr txBox="1"/>
             <p:nvPr/>
           </p:nvSpPr>
@@ -21490,7 +21584,7 @@
         </p:sp>
         <p:sp>
           <p:nvSpPr>
-            <p:cNvPr id="655" name="Modern C++ Course"/>
+            <p:cNvPr id="656" name="Modern C++ Course"/>
             <p:cNvSpPr txBox="1"/>
             <p:nvPr/>
           </p:nvSpPr>
@@ -21529,7 +21623,7 @@
         </p:sp>
         <p:sp>
           <p:nvSpPr>
-            <p:cNvPr id="656" name="Rectangle"/>
+            <p:cNvPr id="657" name="Rectangle"/>
             <p:cNvSpPr/>
             <p:nvPr/>
           </p:nvSpPr>
@@ -21581,7 +21675,7 @@
       </p:grpSp>
       <p:sp>
         <p:nvSpPr>
-          <p:cNvPr id="658" name="Objects Oriented Programming (OOP)"/>
+          <p:cNvPr id="659" name="Objects Oriented Programming (OOP)"/>
           <p:cNvSpPr txBox="1"/>
           <p:nvPr>
             <p:ph type="title" idx="4294967295"/>
@@ -21609,7 +21703,7 @@
       </p:sp>
       <p:sp>
         <p:nvSpPr>
-          <p:cNvPr id="659" name="Objects and classes…"/>
+          <p:cNvPr id="660" name="Objects and classes…"/>
           <p:cNvSpPr txBox="1"/>
           <p:nvPr>
             <p:ph type="body" idx="4294967295"/>
@@ -21687,7 +21781,7 @@
       </p:sp>
       <p:sp>
         <p:nvSpPr>
-          <p:cNvPr id="660" name="Rectangle"/>
+          <p:cNvPr id="661" name="Rectangle"/>
           <p:cNvSpPr/>
           <p:nvPr/>
         </p:nvSpPr>
@@ -21760,7 +21854,7 @@
       </p:grpSpPr>
       <p:sp>
         <p:nvSpPr>
-          <p:cNvPr id="662" name="Objects Oriented Programming"/>
+          <p:cNvPr id="663" name="Objects Oriented Programming"/>
           <p:cNvSpPr txBox="1"/>
           <p:nvPr/>
         </p:nvSpPr>
@@ -21806,7 +21900,7 @@
       </p:sp>
       <p:sp>
         <p:nvSpPr>
-          <p:cNvPr id="663" name="Slide Number"/>
+          <p:cNvPr id="664" name="Slide Number"/>
           <p:cNvSpPr txBox="1"/>
           <p:nvPr>
             <p:ph type="sldNum" sz="quarter" idx="4294967295"/>
@@ -21833,7 +21927,7 @@
       </p:sp>
       <p:grpSp>
         <p:nvGrpSpPr>
-          <p:cNvPr id="668" name="Group"/>
+          <p:cNvPr id="669" name="Group"/>
           <p:cNvGrpSpPr/>
           <p:nvPr/>
         </p:nvGrpSpPr>
@@ -21847,7 +21941,7 @@
         </p:grpSpPr>
         <p:pic>
           <p:nvPicPr>
-            <p:cNvPr id="664" name="pasted-movie.png" descr="pasted-movie.png"/>
+            <p:cNvPr id="665" name="pasted-movie.png" descr="pasted-movie.png"/>
             <p:cNvPicPr>
               <a:picLocks noChangeAspect="1"/>
             </p:cNvPicPr>
@@ -21878,7 +21972,7 @@
         </p:pic>
         <p:sp>
           <p:nvSpPr>
-            <p:cNvPr id="665" name="Gammasoft"/>
+            <p:cNvPr id="666" name="Gammasoft"/>
             <p:cNvSpPr txBox="1"/>
             <p:nvPr/>
           </p:nvSpPr>
@@ -21917,7 +22011,7 @@
         </p:sp>
         <p:sp>
           <p:nvSpPr>
-            <p:cNvPr id="666" name="Modern C++ Course"/>
+            <p:cNvPr id="667" name="Modern C++ Course"/>
             <p:cNvSpPr txBox="1"/>
             <p:nvPr/>
           </p:nvSpPr>
@@ -21956,7 +22050,7 @@
         </p:sp>
         <p:sp>
           <p:nvSpPr>
-            <p:cNvPr id="667" name="Rectangle"/>
+            <p:cNvPr id="668" name="Rectangle"/>
             <p:cNvSpPr/>
             <p:nvPr/>
           </p:nvSpPr>
@@ -22008,7 +22102,7 @@
       </p:grpSp>
       <p:sp>
         <p:nvSpPr>
-          <p:cNvPr id="669" name="Objects Oriented Programming (OOP)"/>
+          <p:cNvPr id="670" name="Objects Oriented Programming (OOP)"/>
           <p:cNvSpPr txBox="1"/>
           <p:nvPr>
             <p:ph type="title" idx="4294967295"/>
@@ -22036,7 +22130,7 @@
       </p:sp>
       <p:sp>
         <p:nvSpPr>
-          <p:cNvPr id="670" name="Objects and classes…"/>
+          <p:cNvPr id="671" name="Objects and classes…"/>
           <p:cNvSpPr txBox="1"/>
           <p:nvPr>
             <p:ph type="body" idx="4294967295"/>
@@ -22114,7 +22208,7 @@
       </p:sp>
       <p:sp>
         <p:nvSpPr>
-          <p:cNvPr id="671" name="Rectangle"/>
+          <p:cNvPr id="672" name="Rectangle"/>
           <p:cNvSpPr/>
           <p:nvPr/>
         </p:nvSpPr>
@@ -22187,7 +22281,7 @@
       </p:grpSpPr>
       <p:sp>
         <p:nvSpPr>
-          <p:cNvPr id="673" name="Slide Title"/>
+          <p:cNvPr id="674" name="Slide Title"/>
           <p:cNvSpPr txBox="1"/>
           <p:nvPr>
             <p:ph type="title" idx="4294967295"/>
@@ -22212,7 +22306,7 @@
       </p:sp>
       <p:sp>
         <p:nvSpPr>
-          <p:cNvPr id="674" name="Slide bullet text"/>
+          <p:cNvPr id="675" name="Slide bullet text"/>
           <p:cNvSpPr txBox="1"/>
           <p:nvPr>
             <p:ph type="body" sz="half" idx="4294967295"/>
@@ -22237,7 +22331,7 @@
       </p:sp>
       <p:sp>
         <p:nvSpPr>
-          <p:cNvPr id="675" name="Slide Number"/>
+          <p:cNvPr id="676" name="Slide Number"/>
           <p:cNvSpPr txBox="1"/>
           <p:nvPr>
             <p:ph type="sldNum" sz="quarter" idx="4294967295"/>
@@ -22264,7 +22358,7 @@
       </p:sp>
       <p:sp>
         <p:nvSpPr>
-          <p:cNvPr id="676" name="Object Oriented Programming | Allocating objects"/>
+          <p:cNvPr id="677" name="Object Oriented Programming | Allocating objects"/>
           <p:cNvSpPr txBox="1"/>
           <p:nvPr/>
         </p:nvSpPr>
@@ -22310,7 +22404,7 @@
       </p:sp>
       <p:sp>
         <p:nvSpPr>
-          <p:cNvPr id="677" name="C++98"/>
+          <p:cNvPr id="678" name="C++98"/>
           <p:cNvSpPr txBox="1"/>
           <p:nvPr/>
         </p:nvSpPr>
@@ -22356,7 +22450,7 @@
       </p:sp>
       <p:grpSp>
         <p:nvGrpSpPr>
-          <p:cNvPr id="682" name="Group"/>
+          <p:cNvPr id="683" name="Group"/>
           <p:cNvGrpSpPr/>
           <p:nvPr/>
         </p:nvGrpSpPr>
@@ -22370,7 +22464,7 @@
         </p:grpSpPr>
         <p:pic>
           <p:nvPicPr>
-            <p:cNvPr id="678" name="pasted-movie.png" descr="pasted-movie.png"/>
+            <p:cNvPr id="679" name="pasted-movie.png" descr="pasted-movie.png"/>
             <p:cNvPicPr>
               <a:picLocks noChangeAspect="1"/>
             </p:cNvPicPr>
@@ -22401,7 +22495,7 @@
         </p:pic>
         <p:sp>
           <p:nvSpPr>
-            <p:cNvPr id="679" name="Gammasoft"/>
+            <p:cNvPr id="680" name="Gammasoft"/>
             <p:cNvSpPr txBox="1"/>
             <p:nvPr/>
           </p:nvSpPr>
@@ -22440,7 +22534,7 @@
         </p:sp>
         <p:sp>
           <p:nvSpPr>
-            <p:cNvPr id="680" name="Modern C++ Course"/>
+            <p:cNvPr id="681" name="Modern C++ Course"/>
             <p:cNvSpPr txBox="1"/>
             <p:nvPr/>
           </p:nvSpPr>
@@ -22479,7 +22573,7 @@
         </p:sp>
         <p:sp>
           <p:nvSpPr>
-            <p:cNvPr id="681" name="Rectangle"/>
+            <p:cNvPr id="682" name="Rectangle"/>
             <p:cNvSpPr/>
             <p:nvPr/>
           </p:nvSpPr>
@@ -22557,7 +22651,7 @@
       </p:grpSpPr>
       <p:sp>
         <p:nvSpPr>
-          <p:cNvPr id="684" name="Objects Oriented Programming"/>
+          <p:cNvPr id="685" name="Objects Oriented Programming"/>
           <p:cNvSpPr txBox="1"/>
           <p:nvPr/>
         </p:nvSpPr>
@@ -22603,7 +22697,7 @@
       </p:sp>
       <p:sp>
         <p:nvSpPr>
-          <p:cNvPr id="685" name="Slide Number"/>
+          <p:cNvPr id="686" name="Slide Number"/>
           <p:cNvSpPr txBox="1"/>
           <p:nvPr>
             <p:ph type="sldNum" sz="quarter" idx="4294967295"/>
@@ -22630,7 +22724,7 @@
       </p:sp>
       <p:grpSp>
         <p:nvGrpSpPr>
-          <p:cNvPr id="690" name="Group"/>
+          <p:cNvPr id="691" name="Group"/>
           <p:cNvGrpSpPr/>
           <p:nvPr/>
         </p:nvGrpSpPr>
@@ -22644,7 +22738,7 @@
         </p:grpSpPr>
         <p:pic>
           <p:nvPicPr>
-            <p:cNvPr id="686" name="pasted-movie.png" descr="pasted-movie.png"/>
+            <p:cNvPr id="687" name="pasted-movie.png" descr="pasted-movie.png"/>
             <p:cNvPicPr>
               <a:picLocks noChangeAspect="1"/>
             </p:cNvPicPr>
@@ -22675,7 +22769,7 @@
         </p:pic>
         <p:sp>
           <p:nvSpPr>
-            <p:cNvPr id="687" name="Gammasoft"/>
+            <p:cNvPr id="688" name="Gammasoft"/>
             <p:cNvSpPr txBox="1"/>
             <p:nvPr/>
           </p:nvSpPr>
@@ -22714,7 +22808,7 @@
         </p:sp>
         <p:sp>
           <p:nvSpPr>
-            <p:cNvPr id="688" name="Modern C++ Course"/>
+            <p:cNvPr id="689" name="Modern C++ Course"/>
             <p:cNvSpPr txBox="1"/>
             <p:nvPr/>
           </p:nvSpPr>
@@ -22753,7 +22847,7 @@
         </p:sp>
         <p:sp>
           <p:nvSpPr>
-            <p:cNvPr id="689" name="Rectangle"/>
+            <p:cNvPr id="690" name="Rectangle"/>
             <p:cNvSpPr/>
             <p:nvPr/>
           </p:nvSpPr>
@@ -22805,7 +22899,7 @@
       </p:grpSp>
       <p:sp>
         <p:nvSpPr>
-          <p:cNvPr id="691" name="Objects Oriented Programming (OOP)"/>
+          <p:cNvPr id="692" name="Objects Oriented Programming (OOP)"/>
           <p:cNvSpPr txBox="1"/>
           <p:nvPr>
             <p:ph type="title" idx="4294967295"/>
@@ -22833,7 +22927,7 @@
       </p:sp>
       <p:sp>
         <p:nvSpPr>
-          <p:cNvPr id="692" name="Objects and classes…"/>
+          <p:cNvPr id="693" name="Objects and classes…"/>
           <p:cNvSpPr txBox="1"/>
           <p:nvPr>
             <p:ph type="body" idx="4294967295"/>
@@ -22911,7 +23005,7 @@
       </p:sp>
       <p:sp>
         <p:nvSpPr>
-          <p:cNvPr id="693" name="Rectangle"/>
+          <p:cNvPr id="694" name="Rectangle"/>
           <p:cNvSpPr/>
           <p:nvPr/>
         </p:nvSpPr>
@@ -22984,7 +23078,7 @@
       </p:grpSpPr>
       <p:sp>
         <p:nvSpPr>
-          <p:cNvPr id="695" name="Objects Oriented Programming"/>
+          <p:cNvPr id="696" name="Objects Oriented Programming"/>
           <p:cNvSpPr txBox="1"/>
           <p:nvPr/>
         </p:nvSpPr>
@@ -23030,7 +23124,7 @@
       </p:sp>
       <p:sp>
         <p:nvSpPr>
-          <p:cNvPr id="696" name="Slide Number"/>
+          <p:cNvPr id="697" name="Slide Number"/>
           <p:cNvSpPr txBox="1"/>
           <p:nvPr>
             <p:ph type="sldNum" sz="quarter" idx="4294967295"/>
@@ -23057,7 +23151,7 @@
       </p:sp>
       <p:grpSp>
         <p:nvGrpSpPr>
-          <p:cNvPr id="701" name="Group"/>
+          <p:cNvPr id="702" name="Group"/>
           <p:cNvGrpSpPr/>
           <p:nvPr/>
         </p:nvGrpSpPr>
@@ -23071,7 +23165,7 @@
         </p:grpSpPr>
         <p:pic>
           <p:nvPicPr>
-            <p:cNvPr id="697" name="pasted-movie.png" descr="pasted-movie.png"/>
+            <p:cNvPr id="698" name="pasted-movie.png" descr="pasted-movie.png"/>
             <p:cNvPicPr>
               <a:picLocks noChangeAspect="1"/>
             </p:cNvPicPr>
@@ -23102,7 +23196,7 @@
         </p:pic>
         <p:sp>
           <p:nvSpPr>
-            <p:cNvPr id="698" name="Gammasoft"/>
+            <p:cNvPr id="699" name="Gammasoft"/>
             <p:cNvSpPr txBox="1"/>
             <p:nvPr/>
           </p:nvSpPr>
@@ -23141,7 +23235,7 @@
         </p:sp>
         <p:sp>
           <p:nvSpPr>
-            <p:cNvPr id="699" name="Modern C++ Course"/>
+            <p:cNvPr id="700" name="Modern C++ Course"/>
             <p:cNvSpPr txBox="1"/>
             <p:nvPr/>
           </p:nvSpPr>
@@ -23180,7 +23274,7 @@
         </p:sp>
         <p:sp>
           <p:nvSpPr>
-            <p:cNvPr id="700" name="Rectangle"/>
+            <p:cNvPr id="701" name="Rectangle"/>
             <p:cNvSpPr/>
             <p:nvPr/>
           </p:nvSpPr>
@@ -23232,7 +23326,7 @@
       </p:grpSp>
       <p:sp>
         <p:nvSpPr>
-          <p:cNvPr id="702" name="Objects Oriented Programming (OOP)"/>
+          <p:cNvPr id="703" name="Objects Oriented Programming (OOP)"/>
           <p:cNvSpPr txBox="1"/>
           <p:nvPr>
             <p:ph type="title" idx="4294967295"/>
@@ -23260,7 +23354,7 @@
       </p:sp>
       <p:sp>
         <p:nvSpPr>
-          <p:cNvPr id="703" name="Objects and classes…"/>
+          <p:cNvPr id="704" name="Objects and classes…"/>
           <p:cNvSpPr txBox="1"/>
           <p:nvPr>
             <p:ph type="body" idx="4294967295"/>
@@ -23338,7 +23432,7 @@
       </p:sp>
       <p:sp>
         <p:nvSpPr>
-          <p:cNvPr id="704" name="Rectangle"/>
+          <p:cNvPr id="705" name="Rectangle"/>
           <p:cNvSpPr/>
           <p:nvPr/>
         </p:nvSpPr>
@@ -23411,7 +23505,7 @@
       </p:grpSpPr>
       <p:sp>
         <p:nvSpPr>
-          <p:cNvPr id="706" name="Slide Title"/>
+          <p:cNvPr id="707" name="Slide Title"/>
           <p:cNvSpPr txBox="1"/>
           <p:nvPr>
             <p:ph type="title" idx="4294967295"/>
@@ -23436,7 +23530,7 @@
       </p:sp>
       <p:sp>
         <p:nvSpPr>
-          <p:cNvPr id="707" name="Slide bullet text"/>
+          <p:cNvPr id="708" name="Slide bullet text"/>
           <p:cNvSpPr txBox="1"/>
           <p:nvPr>
             <p:ph type="body" sz="half" idx="4294967295"/>
@@ -23461,7 +23555,7 @@
       </p:sp>
       <p:sp>
         <p:nvSpPr>
-          <p:cNvPr id="708" name="Slide Number"/>
+          <p:cNvPr id="709" name="Slide Number"/>
           <p:cNvSpPr txBox="1"/>
           <p:nvPr>
             <p:ph type="sldNum" sz="quarter" idx="4294967295"/>
@@ -23488,7 +23582,7 @@
       </p:sp>
       <p:sp>
         <p:nvSpPr>
-          <p:cNvPr id="709" name="Object Oriented Programming | Advanced Object Oriented"/>
+          <p:cNvPr id="710" name="Object Oriented Programming | Advanced Object Oriented"/>
           <p:cNvSpPr txBox="1"/>
           <p:nvPr/>
         </p:nvSpPr>
@@ -23534,7 +23628,7 @@
       </p:sp>
       <p:sp>
         <p:nvSpPr>
-          <p:cNvPr id="710" name="C++98"/>
+          <p:cNvPr id="711" name="C++98"/>
           <p:cNvSpPr txBox="1"/>
           <p:nvPr/>
         </p:nvSpPr>
@@ -23580,7 +23674,7 @@
       </p:sp>
       <p:grpSp>
         <p:nvGrpSpPr>
-          <p:cNvPr id="715" name="Group"/>
+          <p:cNvPr id="716" name="Group"/>
           <p:cNvGrpSpPr/>
           <p:nvPr/>
         </p:nvGrpSpPr>
@@ -23594,7 +23688,7 @@
         </p:grpSpPr>
         <p:pic>
           <p:nvPicPr>
-            <p:cNvPr id="711" name="pasted-movie.png" descr="pasted-movie.png"/>
+            <p:cNvPr id="712" name="pasted-movie.png" descr="pasted-movie.png"/>
             <p:cNvPicPr>
               <a:picLocks noChangeAspect="1"/>
             </p:cNvPicPr>
@@ -23625,7 +23719,7 @@
         </p:pic>
         <p:sp>
           <p:nvSpPr>
-            <p:cNvPr id="712" name="Gammasoft"/>
+            <p:cNvPr id="713" name="Gammasoft"/>
             <p:cNvSpPr txBox="1"/>
             <p:nvPr/>
           </p:nvSpPr>
@@ -23664,7 +23758,7 @@
         </p:sp>
         <p:sp>
           <p:nvSpPr>
-            <p:cNvPr id="713" name="Modern C++ Course"/>
+            <p:cNvPr id="714" name="Modern C++ Course"/>
             <p:cNvSpPr txBox="1"/>
             <p:nvPr/>
           </p:nvSpPr>
@@ -23703,7 +23797,7 @@
         </p:sp>
         <p:sp>
           <p:nvSpPr>
-            <p:cNvPr id="714" name="Rectangle"/>
+            <p:cNvPr id="715" name="Rectangle"/>
             <p:cNvSpPr/>
             <p:nvPr/>
           </p:nvSpPr>
@@ -23781,7 +23875,7 @@
       </p:grpSpPr>
       <p:sp>
         <p:nvSpPr>
-          <p:cNvPr id="717" name="Objects Oriented Programming"/>
+          <p:cNvPr id="718" name="Objects Oriented Programming"/>
           <p:cNvSpPr txBox="1"/>
           <p:nvPr/>
         </p:nvSpPr>
@@ -23827,7 +23921,7 @@
       </p:sp>
       <p:sp>
         <p:nvSpPr>
-          <p:cNvPr id="718" name="Slide Number"/>
+          <p:cNvPr id="719" name="Slide Number"/>
           <p:cNvSpPr txBox="1"/>
           <p:nvPr>
             <p:ph type="sldNum" sz="quarter" idx="4294967295"/>
@@ -23854,7 +23948,7 @@
       </p:sp>
       <p:grpSp>
         <p:nvGrpSpPr>
-          <p:cNvPr id="723" name="Group"/>
+          <p:cNvPr id="724" name="Group"/>
           <p:cNvGrpSpPr/>
           <p:nvPr/>
         </p:nvGrpSpPr>
@@ -23868,7 +23962,7 @@
         </p:grpSpPr>
         <p:pic>
           <p:nvPicPr>
-            <p:cNvPr id="719" name="pasted-movie.png" descr="pasted-movie.png"/>
+            <p:cNvPr id="720" name="pasted-movie.png" descr="pasted-movie.png"/>
             <p:cNvPicPr>
               <a:picLocks noChangeAspect="1"/>
             </p:cNvPicPr>
@@ -23899,7 +23993,7 @@
         </p:pic>
         <p:sp>
           <p:nvSpPr>
-            <p:cNvPr id="720" name="Gammasoft"/>
+            <p:cNvPr id="721" name="Gammasoft"/>
             <p:cNvSpPr txBox="1"/>
             <p:nvPr/>
           </p:nvSpPr>
@@ -23938,7 +24032,7 @@
         </p:sp>
         <p:sp>
           <p:nvSpPr>
-            <p:cNvPr id="721" name="Modern C++ Course"/>
+            <p:cNvPr id="722" name="Modern C++ Course"/>
             <p:cNvSpPr txBox="1"/>
             <p:nvPr/>
           </p:nvSpPr>
@@ -23977,7 +24071,7 @@
         </p:sp>
         <p:sp>
           <p:nvSpPr>
-            <p:cNvPr id="722" name="Rectangle"/>
+            <p:cNvPr id="723" name="Rectangle"/>
             <p:cNvSpPr/>
             <p:nvPr/>
           </p:nvSpPr>
@@ -24029,7 +24123,7 @@
       </p:grpSp>
       <p:sp>
         <p:nvSpPr>
-          <p:cNvPr id="724" name="Objects Oriented Programming (OOP)"/>
+          <p:cNvPr id="725" name="Objects Oriented Programming (OOP)"/>
           <p:cNvSpPr txBox="1"/>
           <p:nvPr>
             <p:ph type="title" idx="4294967295"/>
@@ -24057,7 +24151,7 @@
       </p:sp>
       <p:sp>
         <p:nvSpPr>
-          <p:cNvPr id="725" name="Objects and classes…"/>
+          <p:cNvPr id="726" name="Objects and classes…"/>
           <p:cNvSpPr txBox="1"/>
           <p:nvPr>
             <p:ph type="body" idx="4294967295"/>
@@ -24135,7 +24229,7 @@
       </p:sp>
       <p:sp>
         <p:nvSpPr>
-          <p:cNvPr id="726" name="Rectangle"/>
+          <p:cNvPr id="727" name="Rectangle"/>
           <p:cNvSpPr/>
           <p:nvPr/>
         </p:nvSpPr>
@@ -24208,7 +24302,7 @@
       </p:grpSpPr>
       <p:sp>
         <p:nvSpPr>
-          <p:cNvPr id="728" name="Objects Oriented Programming"/>
+          <p:cNvPr id="729" name="Objects Oriented Programming"/>
           <p:cNvSpPr txBox="1"/>
           <p:nvPr/>
         </p:nvSpPr>
@@ -24254,7 +24348,7 @@
       </p:sp>
       <p:sp>
         <p:nvSpPr>
-          <p:cNvPr id="729" name="Slide Number"/>
+          <p:cNvPr id="730" name="Slide Number"/>
           <p:cNvSpPr txBox="1"/>
           <p:nvPr>
             <p:ph type="sldNum" sz="quarter" idx="4294967295"/>
@@ -24281,7 +24375,7 @@
       </p:sp>
       <p:grpSp>
         <p:nvGrpSpPr>
-          <p:cNvPr id="734" name="Group"/>
+          <p:cNvPr id="735" name="Group"/>
           <p:cNvGrpSpPr/>
           <p:nvPr/>
         </p:nvGrpSpPr>
@@ -24295,7 +24389,7 @@
         </p:grpSpPr>
         <p:pic>
           <p:nvPicPr>
-            <p:cNvPr id="730" name="pasted-movie.png" descr="pasted-movie.png"/>
+            <p:cNvPr id="731" name="pasted-movie.png" descr="pasted-movie.png"/>
             <p:cNvPicPr>
               <a:picLocks noChangeAspect="1"/>
             </p:cNvPicPr>
@@ -24326,7 +24420,7 @@
         </p:pic>
         <p:sp>
           <p:nvSpPr>
-            <p:cNvPr id="731" name="Gammasoft"/>
+            <p:cNvPr id="732" name="Gammasoft"/>
             <p:cNvSpPr txBox="1"/>
             <p:nvPr/>
           </p:nvSpPr>
@@ -24365,7 +24459,7 @@
         </p:sp>
         <p:sp>
           <p:nvSpPr>
-            <p:cNvPr id="732" name="Modern C++ Course"/>
+            <p:cNvPr id="733" name="Modern C++ Course"/>
             <p:cNvSpPr txBox="1"/>
             <p:nvPr/>
           </p:nvSpPr>
@@ -24404,7 +24498,7 @@
         </p:sp>
         <p:sp>
           <p:nvSpPr>
-            <p:cNvPr id="733" name="Rectangle"/>
+            <p:cNvPr id="734" name="Rectangle"/>
             <p:cNvSpPr/>
             <p:nvPr/>
           </p:nvSpPr>
@@ -24456,7 +24550,7 @@
       </p:grpSp>
       <p:sp>
         <p:nvSpPr>
-          <p:cNvPr id="735" name="Objects Oriented Programming (OOP)"/>
+          <p:cNvPr id="736" name="Objects Oriented Programming (OOP)"/>
           <p:cNvSpPr txBox="1"/>
           <p:nvPr>
             <p:ph type="title" idx="4294967295"/>
@@ -24484,7 +24578,7 @@
       </p:sp>
       <p:sp>
         <p:nvSpPr>
-          <p:cNvPr id="736" name="Objects and classes…"/>
+          <p:cNvPr id="737" name="Objects and classes…"/>
           <p:cNvSpPr txBox="1"/>
           <p:nvPr>
             <p:ph type="body" idx="4294967295"/>
@@ -24562,7 +24656,7 @@
       </p:sp>
       <p:sp>
         <p:nvSpPr>
-          <p:cNvPr id="737" name="Rectangle"/>
+          <p:cNvPr id="738" name="Rectangle"/>
           <p:cNvSpPr/>
           <p:nvPr/>
         </p:nvSpPr>
@@ -24635,7 +24729,7 @@
       </p:grpSpPr>
       <p:sp>
         <p:nvSpPr>
-          <p:cNvPr id="739" name="Slide Title"/>
+          <p:cNvPr id="740" name="Slide Title"/>
           <p:cNvSpPr txBox="1"/>
           <p:nvPr>
             <p:ph type="title" idx="4294967295"/>
@@ -24660,7 +24754,7 @@
       </p:sp>
       <p:sp>
         <p:nvSpPr>
-          <p:cNvPr id="740" name="Slide bullet text"/>
+          <p:cNvPr id="741" name="Slide bullet text"/>
           <p:cNvSpPr txBox="1"/>
           <p:nvPr>
             <p:ph type="body" sz="half" idx="4294967295"/>
@@ -24685,7 +24779,7 @@
       </p:sp>
       <p:sp>
         <p:nvSpPr>
-          <p:cNvPr id="741" name="Slide Number"/>
+          <p:cNvPr id="742" name="Slide Number"/>
           <p:cNvSpPr txBox="1"/>
           <p:nvPr>
             <p:ph type="sldNum" sz="quarter" idx="4294967295"/>
@@ -24712,7 +24806,7 @@
       </p:sp>
       <p:sp>
         <p:nvSpPr>
-          <p:cNvPr id="742" name="Object Oriented Programming | Type casing"/>
+          <p:cNvPr id="743" name="Object Oriented Programming | Type casing"/>
           <p:cNvSpPr txBox="1"/>
           <p:nvPr/>
         </p:nvSpPr>
@@ -24758,7 +24852,7 @@
       </p:sp>
       <p:sp>
         <p:nvSpPr>
-          <p:cNvPr id="743" name="C++98"/>
+          <p:cNvPr id="744" name="C++98"/>
           <p:cNvSpPr txBox="1"/>
           <p:nvPr/>
         </p:nvSpPr>
@@ -24804,7 +24898,7 @@
       </p:sp>
       <p:grpSp>
         <p:nvGrpSpPr>
-          <p:cNvPr id="748" name="Group"/>
+          <p:cNvPr id="749" name="Group"/>
           <p:cNvGrpSpPr/>
           <p:nvPr/>
         </p:nvGrpSpPr>
@@ -24818,7 +24912,7 @@
         </p:grpSpPr>
         <p:pic>
           <p:nvPicPr>
-            <p:cNvPr id="744" name="pasted-movie.png" descr="pasted-movie.png"/>
+            <p:cNvPr id="745" name="pasted-movie.png" descr="pasted-movie.png"/>
             <p:cNvPicPr>
               <a:picLocks noChangeAspect="1"/>
             </p:cNvPicPr>
@@ -24849,7 +24943,7 @@
         </p:pic>
         <p:sp>
           <p:nvSpPr>
-            <p:cNvPr id="745" name="Gammasoft"/>
+            <p:cNvPr id="746" name="Gammasoft"/>
             <p:cNvSpPr txBox="1"/>
             <p:nvPr/>
           </p:nvSpPr>
@@ -24888,7 +24982,7 @@
         </p:sp>
         <p:sp>
           <p:nvSpPr>
-            <p:cNvPr id="746" name="Modern C++ Course"/>
+            <p:cNvPr id="747" name="Modern C++ Course"/>
             <p:cNvSpPr txBox="1"/>
             <p:nvPr/>
           </p:nvSpPr>
@@ -24927,7 +25021,7 @@
         </p:sp>
         <p:sp>
           <p:nvSpPr>
-            <p:cNvPr id="747" name="Rectangle"/>
+            <p:cNvPr id="748" name="Rectangle"/>
             <p:cNvSpPr/>
             <p:nvPr/>
           </p:nvSpPr>
@@ -25388,7 +25482,7 @@
       </p:grpSpPr>
       <p:sp>
         <p:nvSpPr>
-          <p:cNvPr id="750" name="Objects Oriented Programming"/>
+          <p:cNvPr id="751" name="Objects Oriented Programming"/>
           <p:cNvSpPr txBox="1"/>
           <p:nvPr/>
         </p:nvSpPr>
@@ -25434,7 +25528,7 @@
       </p:sp>
       <p:sp>
         <p:nvSpPr>
-          <p:cNvPr id="751" name="Slide Number"/>
+          <p:cNvPr id="752" name="Slide Number"/>
           <p:cNvSpPr txBox="1"/>
           <p:nvPr>
             <p:ph type="sldNum" sz="quarter" idx="4294967295"/>
@@ -25461,7 +25555,7 @@
       </p:sp>
       <p:grpSp>
         <p:nvGrpSpPr>
-          <p:cNvPr id="756" name="Group"/>
+          <p:cNvPr id="757" name="Group"/>
           <p:cNvGrpSpPr/>
           <p:nvPr/>
         </p:nvGrpSpPr>
@@ -25475,7 +25569,7 @@
         </p:grpSpPr>
         <p:pic>
           <p:nvPicPr>
-            <p:cNvPr id="752" name="pasted-movie.png" descr="pasted-movie.png"/>
+            <p:cNvPr id="753" name="pasted-movie.png" descr="pasted-movie.png"/>
             <p:cNvPicPr>
               <a:picLocks noChangeAspect="1"/>
             </p:cNvPicPr>
@@ -25506,7 +25600,7 @@
         </p:pic>
         <p:sp>
           <p:nvSpPr>
-            <p:cNvPr id="753" name="Gammasoft"/>
+            <p:cNvPr id="754" name="Gammasoft"/>
             <p:cNvSpPr txBox="1"/>
             <p:nvPr/>
           </p:nvSpPr>
@@ -25545,7 +25639,7 @@
         </p:sp>
         <p:sp>
           <p:nvSpPr>
-            <p:cNvPr id="754" name="Modern C++ Course"/>
+            <p:cNvPr id="755" name="Modern C++ Course"/>
             <p:cNvSpPr txBox="1"/>
             <p:nvPr/>
           </p:nvSpPr>
@@ -25584,7 +25678,7 @@
         </p:sp>
         <p:sp>
           <p:nvSpPr>
-            <p:cNvPr id="755" name="Rectangle"/>
+            <p:cNvPr id="756" name="Rectangle"/>
             <p:cNvSpPr/>
             <p:nvPr/>
           </p:nvSpPr>
@@ -25636,7 +25730,7 @@
       </p:grpSp>
       <p:sp>
         <p:nvSpPr>
-          <p:cNvPr id="757" name="Objects Oriented Programming (OOP)"/>
+          <p:cNvPr id="758" name="Objects Oriented Programming (OOP)"/>
           <p:cNvSpPr txBox="1"/>
           <p:nvPr>
             <p:ph type="title" idx="4294967295"/>
@@ -25664,7 +25758,7 @@
       </p:sp>
       <p:sp>
         <p:nvSpPr>
-          <p:cNvPr id="758" name="Objects and classes…"/>
+          <p:cNvPr id="759" name="Objects and classes…"/>
           <p:cNvSpPr txBox="1"/>
           <p:nvPr>
             <p:ph type="body" idx="4294967295"/>
@@ -25742,7 +25836,7 @@
       </p:sp>
       <p:sp>
         <p:nvSpPr>
-          <p:cNvPr id="759" name="Rectangle"/>
+          <p:cNvPr id="760" name="Rectangle"/>
           <p:cNvSpPr/>
           <p:nvPr/>
         </p:nvSpPr>
@@ -25815,7 +25909,7 @@
       </p:grpSpPr>
       <p:sp>
         <p:nvSpPr>
-          <p:cNvPr id="761" name="Objects Oriented Programming"/>
+          <p:cNvPr id="762" name="Objects Oriented Programming"/>
           <p:cNvSpPr txBox="1"/>
           <p:nvPr/>
         </p:nvSpPr>
@@ -25861,7 +25955,7 @@
       </p:sp>
       <p:sp>
         <p:nvSpPr>
-          <p:cNvPr id="762" name="Slide Number"/>
+          <p:cNvPr id="763" name="Slide Number"/>
           <p:cNvSpPr txBox="1"/>
           <p:nvPr>
             <p:ph type="sldNum" sz="quarter" idx="4294967295"/>
@@ -25888,7 +25982,7 @@
       </p:sp>
       <p:grpSp>
         <p:nvGrpSpPr>
-          <p:cNvPr id="767" name="Group"/>
+          <p:cNvPr id="768" name="Group"/>
           <p:cNvGrpSpPr/>
           <p:nvPr/>
         </p:nvGrpSpPr>
@@ -25902,7 +25996,7 @@
         </p:grpSpPr>
         <p:pic>
           <p:nvPicPr>
-            <p:cNvPr id="763" name="pasted-movie.png" descr="pasted-movie.png"/>
+            <p:cNvPr id="764" name="pasted-movie.png" descr="pasted-movie.png"/>
             <p:cNvPicPr>
               <a:picLocks noChangeAspect="1"/>
             </p:cNvPicPr>
@@ -25933,7 +26027,7 @@
         </p:pic>
         <p:sp>
           <p:nvSpPr>
-            <p:cNvPr id="764" name="Gammasoft"/>
+            <p:cNvPr id="765" name="Gammasoft"/>
             <p:cNvSpPr txBox="1"/>
             <p:nvPr/>
           </p:nvSpPr>
@@ -25972,7 +26066,7 @@
         </p:sp>
         <p:sp>
           <p:nvSpPr>
-            <p:cNvPr id="765" name="Modern C++ Course"/>
+            <p:cNvPr id="766" name="Modern C++ Course"/>
             <p:cNvSpPr txBox="1"/>
             <p:nvPr/>
           </p:nvSpPr>
@@ -26011,7 +26105,7 @@
         </p:sp>
         <p:sp>
           <p:nvSpPr>
-            <p:cNvPr id="766" name="Rectangle"/>
+            <p:cNvPr id="767" name="Rectangle"/>
             <p:cNvSpPr/>
             <p:nvPr/>
           </p:nvSpPr>
@@ -26063,7 +26157,7 @@
       </p:grpSp>
       <p:sp>
         <p:nvSpPr>
-          <p:cNvPr id="768" name="Objects Oriented Programming (OOP)"/>
+          <p:cNvPr id="769" name="Objects Oriented Programming (OOP)"/>
           <p:cNvSpPr txBox="1"/>
           <p:nvPr>
             <p:ph type="title" idx="4294967295"/>
@@ -26091,7 +26185,7 @@
       </p:sp>
       <p:sp>
         <p:nvSpPr>
-          <p:cNvPr id="769" name="Objects and classes…"/>
+          <p:cNvPr id="770" name="Objects and classes…"/>
           <p:cNvSpPr txBox="1"/>
           <p:nvPr>
             <p:ph type="body" idx="4294967295"/>
@@ -26169,7 +26263,7 @@
       </p:sp>
       <p:sp>
         <p:nvSpPr>
-          <p:cNvPr id="770" name="Rectangle"/>
+          <p:cNvPr id="771" name="Rectangle"/>
           <p:cNvSpPr/>
           <p:nvPr/>
         </p:nvSpPr>
@@ -26242,7 +26336,7 @@
       </p:grpSpPr>
       <p:sp>
         <p:nvSpPr>
-          <p:cNvPr id="772" name="Slide Title"/>
+          <p:cNvPr id="773" name="Slide Title"/>
           <p:cNvSpPr txBox="1"/>
           <p:nvPr>
             <p:ph type="title" idx="4294967295"/>
@@ -26267,7 +26361,7 @@
       </p:sp>
       <p:sp>
         <p:nvSpPr>
-          <p:cNvPr id="773" name="Slide bullet text"/>
+          <p:cNvPr id="774" name="Slide bullet text"/>
           <p:cNvSpPr txBox="1"/>
           <p:nvPr>
             <p:ph type="body" sz="half" idx="4294967295"/>
@@ -26292,7 +26386,7 @@
       </p:sp>
       <p:sp>
         <p:nvSpPr>
-          <p:cNvPr id="774" name="Slide Number"/>
+          <p:cNvPr id="775" name="Slide Number"/>
           <p:cNvSpPr txBox="1"/>
           <p:nvPr>
             <p:ph type="sldNum" sz="quarter" idx="4294967295"/>
@@ -26319,7 +26413,7 @@
       </p:sp>
       <p:sp>
         <p:nvSpPr>
-          <p:cNvPr id="775" name="Object Oriented Programming | Operator overloading"/>
+          <p:cNvPr id="776" name="Object Oriented Programming | Operator overloading"/>
           <p:cNvSpPr txBox="1"/>
           <p:nvPr/>
         </p:nvSpPr>
@@ -26365,7 +26459,7 @@
       </p:sp>
       <p:sp>
         <p:nvSpPr>
-          <p:cNvPr id="776" name="C++98"/>
+          <p:cNvPr id="777" name="C++98"/>
           <p:cNvSpPr txBox="1"/>
           <p:nvPr/>
         </p:nvSpPr>
@@ -26411,7 +26505,7 @@
       </p:sp>
       <p:grpSp>
         <p:nvGrpSpPr>
-          <p:cNvPr id="781" name="Group"/>
+          <p:cNvPr id="782" name="Group"/>
           <p:cNvGrpSpPr/>
           <p:nvPr/>
         </p:nvGrpSpPr>
@@ -26425,7 +26519,7 @@
         </p:grpSpPr>
         <p:pic>
           <p:nvPicPr>
-            <p:cNvPr id="777" name="pasted-movie.png" descr="pasted-movie.png"/>
+            <p:cNvPr id="778" name="pasted-movie.png" descr="pasted-movie.png"/>
             <p:cNvPicPr>
               <a:picLocks noChangeAspect="1"/>
             </p:cNvPicPr>
@@ -26456,7 +26550,7 @@
         </p:pic>
         <p:sp>
           <p:nvSpPr>
-            <p:cNvPr id="778" name="Gammasoft"/>
+            <p:cNvPr id="779" name="Gammasoft"/>
             <p:cNvSpPr txBox="1"/>
             <p:nvPr/>
           </p:nvSpPr>
@@ -26495,7 +26589,7 @@
         </p:sp>
         <p:sp>
           <p:nvSpPr>
-            <p:cNvPr id="779" name="Modern C++ Course"/>
+            <p:cNvPr id="780" name="Modern C++ Course"/>
             <p:cNvSpPr txBox="1"/>
             <p:nvPr/>
           </p:nvSpPr>
@@ -26534,7 +26628,7 @@
         </p:sp>
         <p:sp>
           <p:nvSpPr>
-            <p:cNvPr id="780" name="Rectangle"/>
+            <p:cNvPr id="781" name="Rectangle"/>
             <p:cNvSpPr/>
             <p:nvPr/>
           </p:nvSpPr>
@@ -26612,7 +26706,7 @@
       </p:grpSpPr>
       <p:sp>
         <p:nvSpPr>
-          <p:cNvPr id="783" name="Objects Oriented Programming"/>
+          <p:cNvPr id="784" name="Objects Oriented Programming"/>
           <p:cNvSpPr txBox="1"/>
           <p:nvPr/>
         </p:nvSpPr>
@@ -26658,7 +26752,7 @@
       </p:sp>
       <p:sp>
         <p:nvSpPr>
-          <p:cNvPr id="784" name="Slide Number"/>
+          <p:cNvPr id="785" name="Slide Number"/>
           <p:cNvSpPr txBox="1"/>
           <p:nvPr>
             <p:ph type="sldNum" sz="quarter" idx="4294967295"/>
@@ -26685,7 +26779,7 @@
       </p:sp>
       <p:grpSp>
         <p:nvGrpSpPr>
-          <p:cNvPr id="789" name="Group"/>
+          <p:cNvPr id="790" name="Group"/>
           <p:cNvGrpSpPr/>
           <p:nvPr/>
         </p:nvGrpSpPr>
@@ -26699,7 +26793,7 @@
         </p:grpSpPr>
         <p:pic>
           <p:nvPicPr>
-            <p:cNvPr id="785" name="pasted-movie.png" descr="pasted-movie.png"/>
+            <p:cNvPr id="786" name="pasted-movie.png" descr="pasted-movie.png"/>
             <p:cNvPicPr>
               <a:picLocks noChangeAspect="1"/>
             </p:cNvPicPr>
@@ -26730,7 +26824,7 @@
         </p:pic>
         <p:sp>
           <p:nvSpPr>
-            <p:cNvPr id="786" name="Gammasoft"/>
+            <p:cNvPr id="787" name="Gammasoft"/>
             <p:cNvSpPr txBox="1"/>
             <p:nvPr/>
           </p:nvSpPr>
@@ -26769,7 +26863,7 @@
         </p:sp>
         <p:sp>
           <p:nvSpPr>
-            <p:cNvPr id="787" name="Modern C++ Course"/>
+            <p:cNvPr id="788" name="Modern C++ Course"/>
             <p:cNvSpPr txBox="1"/>
             <p:nvPr/>
           </p:nvSpPr>
@@ -26808,7 +26902,7 @@
         </p:sp>
         <p:sp>
           <p:nvSpPr>
-            <p:cNvPr id="788" name="Rectangle"/>
+            <p:cNvPr id="789" name="Rectangle"/>
             <p:cNvSpPr/>
             <p:nvPr/>
           </p:nvSpPr>
@@ -26860,7 +26954,7 @@
       </p:grpSp>
       <p:sp>
         <p:nvSpPr>
-          <p:cNvPr id="790" name="Objects Oriented Programming (OOP)"/>
+          <p:cNvPr id="791" name="Objects Oriented Programming (OOP)"/>
           <p:cNvSpPr txBox="1"/>
           <p:nvPr>
             <p:ph type="title" idx="4294967295"/>
@@ -26888,7 +26982,7 @@
       </p:sp>
       <p:sp>
         <p:nvSpPr>
-          <p:cNvPr id="791" name="Objects and classes…"/>
+          <p:cNvPr id="792" name="Objects and classes…"/>
           <p:cNvSpPr txBox="1"/>
           <p:nvPr>
             <p:ph type="body" idx="4294967295"/>
@@ -26966,7 +27060,7 @@
       </p:sp>
       <p:sp>
         <p:nvSpPr>
-          <p:cNvPr id="792" name="Rectangle"/>
+          <p:cNvPr id="793" name="Rectangle"/>
           <p:cNvSpPr/>
           <p:nvPr/>
         </p:nvSpPr>
@@ -27039,7 +27133,7 @@
       </p:grpSpPr>
       <p:sp>
         <p:nvSpPr>
-          <p:cNvPr id="794" name="Objects Oriented Programming"/>
+          <p:cNvPr id="795" name="Objects Oriented Programming"/>
           <p:cNvSpPr txBox="1"/>
           <p:nvPr/>
         </p:nvSpPr>
@@ -27085,7 +27179,7 @@
       </p:sp>
       <p:sp>
         <p:nvSpPr>
-          <p:cNvPr id="795" name="Slide Number"/>
+          <p:cNvPr id="796" name="Slide Number"/>
           <p:cNvSpPr txBox="1"/>
           <p:nvPr>
             <p:ph type="sldNum" sz="quarter" idx="4294967295"/>
@@ -27112,7 +27206,7 @@
       </p:sp>
       <p:grpSp>
         <p:nvGrpSpPr>
-          <p:cNvPr id="800" name="Group"/>
+          <p:cNvPr id="801" name="Group"/>
           <p:cNvGrpSpPr/>
           <p:nvPr/>
         </p:nvGrpSpPr>
@@ -27126,7 +27220,7 @@
         </p:grpSpPr>
         <p:pic>
           <p:nvPicPr>
-            <p:cNvPr id="796" name="pasted-movie.png" descr="pasted-movie.png"/>
+            <p:cNvPr id="797" name="pasted-movie.png" descr="pasted-movie.png"/>
             <p:cNvPicPr>
               <a:picLocks noChangeAspect="1"/>
             </p:cNvPicPr>
@@ -27157,7 +27251,7 @@
         </p:pic>
         <p:sp>
           <p:nvSpPr>
-            <p:cNvPr id="797" name="Gammasoft"/>
+            <p:cNvPr id="798" name="Gammasoft"/>
             <p:cNvSpPr txBox="1"/>
             <p:nvPr/>
           </p:nvSpPr>
@@ -27196,7 +27290,7 @@
         </p:sp>
         <p:sp>
           <p:nvSpPr>
-            <p:cNvPr id="798" name="Modern C++ Course"/>
+            <p:cNvPr id="799" name="Modern C++ Course"/>
             <p:cNvSpPr txBox="1"/>
             <p:nvPr/>
           </p:nvSpPr>
@@ -27235,7 +27329,7 @@
         </p:sp>
         <p:sp>
           <p:nvSpPr>
-            <p:cNvPr id="799" name="Rectangle"/>
+            <p:cNvPr id="800" name="Rectangle"/>
             <p:cNvSpPr/>
             <p:nvPr/>
           </p:nvSpPr>
@@ -27287,7 +27381,7 @@
       </p:grpSp>
       <p:sp>
         <p:nvSpPr>
-          <p:cNvPr id="801" name="Objects Oriented Programming (OOP)"/>
+          <p:cNvPr id="802" name="Objects Oriented Programming (OOP)"/>
           <p:cNvSpPr txBox="1"/>
           <p:nvPr>
             <p:ph type="title" idx="4294967295"/>
@@ -27315,7 +27409,7 @@
       </p:sp>
       <p:sp>
         <p:nvSpPr>
-          <p:cNvPr id="802" name="Objects and classes…"/>
+          <p:cNvPr id="803" name="Objects and classes…"/>
           <p:cNvSpPr txBox="1"/>
           <p:nvPr>
             <p:ph type="body" idx="4294967295"/>
@@ -27393,7 +27487,7 @@
       </p:sp>
       <p:sp>
         <p:nvSpPr>
-          <p:cNvPr id="803" name="Rectangle"/>
+          <p:cNvPr id="804" name="Rectangle"/>
           <p:cNvSpPr/>
           <p:nvPr/>
         </p:nvSpPr>
@@ -27466,7 +27560,7 @@
       </p:grpSpPr>
       <p:sp>
         <p:nvSpPr>
-          <p:cNvPr id="805" name="Slide Title"/>
+          <p:cNvPr id="806" name="Slide Title"/>
           <p:cNvSpPr txBox="1"/>
           <p:nvPr>
             <p:ph type="title" idx="4294967295"/>
@@ -27491,7 +27585,7 @@
       </p:sp>
       <p:sp>
         <p:nvSpPr>
-          <p:cNvPr id="806" name="Slide bullet text"/>
+          <p:cNvPr id="807" name="Slide bullet text"/>
           <p:cNvSpPr txBox="1"/>
           <p:nvPr>
             <p:ph type="body" sz="half" idx="4294967295"/>
@@ -27516,7 +27610,7 @@
       </p:sp>
       <p:sp>
         <p:nvSpPr>
-          <p:cNvPr id="807" name="Slide Number"/>
+          <p:cNvPr id="808" name="Slide Number"/>
           <p:cNvSpPr txBox="1"/>
           <p:nvPr>
             <p:ph type="sldNum" sz="quarter" idx="4294967295"/>
@@ -27543,7 +27637,7 @@
       </p:sp>
       <p:sp>
         <p:nvSpPr>
-          <p:cNvPr id="808" name="Object Oriented Programming | Function objects"/>
+          <p:cNvPr id="809" name="Object Oriented Programming | Function objects"/>
           <p:cNvSpPr txBox="1"/>
           <p:nvPr/>
         </p:nvSpPr>
@@ -27589,7 +27683,7 @@
       </p:sp>
       <p:sp>
         <p:nvSpPr>
-          <p:cNvPr id="809" name="C++98"/>
+          <p:cNvPr id="810" name="C++98"/>
           <p:cNvSpPr txBox="1"/>
           <p:nvPr/>
         </p:nvSpPr>
@@ -27635,7 +27729,7 @@
       </p:sp>
       <p:grpSp>
         <p:nvGrpSpPr>
-          <p:cNvPr id="814" name="Group"/>
+          <p:cNvPr id="815" name="Group"/>
           <p:cNvGrpSpPr/>
           <p:nvPr/>
         </p:nvGrpSpPr>
@@ -27649,7 +27743,7 @@
         </p:grpSpPr>
         <p:pic>
           <p:nvPicPr>
-            <p:cNvPr id="810" name="pasted-movie.png" descr="pasted-movie.png"/>
+            <p:cNvPr id="811" name="pasted-movie.png" descr="pasted-movie.png"/>
             <p:cNvPicPr>
               <a:picLocks noChangeAspect="1"/>
             </p:cNvPicPr>
@@ -27680,7 +27774,7 @@
         </p:pic>
         <p:sp>
           <p:nvSpPr>
-            <p:cNvPr id="811" name="Gammasoft"/>
+            <p:cNvPr id="812" name="Gammasoft"/>
             <p:cNvSpPr txBox="1"/>
             <p:nvPr/>
           </p:nvSpPr>
@@ -27719,7 +27813,7 @@
         </p:sp>
         <p:sp>
           <p:nvSpPr>
-            <p:cNvPr id="812" name="Modern C++ Course"/>
+            <p:cNvPr id="813" name="Modern C++ Course"/>
             <p:cNvSpPr txBox="1"/>
             <p:nvPr/>
           </p:nvSpPr>
@@ -27758,7 +27852,7 @@
         </p:sp>
         <p:sp>
           <p:nvSpPr>
-            <p:cNvPr id="813" name="Rectangle"/>
+            <p:cNvPr id="814" name="Rectangle"/>
             <p:cNvSpPr/>
             <p:nvPr/>
           </p:nvSpPr>
@@ -27836,7 +27930,7 @@
       </p:grpSpPr>
       <p:sp>
         <p:nvSpPr>
-          <p:cNvPr id="816" name="Objects Oriented Programming"/>
+          <p:cNvPr id="817" name="Objects Oriented Programming"/>
           <p:cNvSpPr txBox="1"/>
           <p:nvPr/>
         </p:nvSpPr>
@@ -27882,7 +27976,7 @@
       </p:sp>
       <p:sp>
         <p:nvSpPr>
-          <p:cNvPr id="817" name="Slide Number"/>
+          <p:cNvPr id="818" name="Slide Number"/>
           <p:cNvSpPr txBox="1"/>
           <p:nvPr>
             <p:ph type="sldNum" sz="quarter" idx="4294967295"/>
@@ -27909,7 +28003,7 @@
       </p:sp>
       <p:grpSp>
         <p:nvGrpSpPr>
-          <p:cNvPr id="822" name="Group"/>
+          <p:cNvPr id="823" name="Group"/>
           <p:cNvGrpSpPr/>
           <p:nvPr/>
         </p:nvGrpSpPr>
@@ -27923,7 +28017,7 @@
         </p:grpSpPr>
         <p:pic>
           <p:nvPicPr>
-            <p:cNvPr id="818" name="pasted-movie.png" descr="pasted-movie.png"/>
+            <p:cNvPr id="819" name="pasted-movie.png" descr="pasted-movie.png"/>
             <p:cNvPicPr>
               <a:picLocks noChangeAspect="1"/>
             </p:cNvPicPr>
@@ -27954,7 +28048,7 @@
         </p:pic>
         <p:sp>
           <p:nvSpPr>
-            <p:cNvPr id="819" name="Gammasoft"/>
+            <p:cNvPr id="820" name="Gammasoft"/>
             <p:cNvSpPr txBox="1"/>
             <p:nvPr/>
           </p:nvSpPr>
@@ -27993,7 +28087,7 @@
         </p:sp>
         <p:sp>
           <p:nvSpPr>
-            <p:cNvPr id="820" name="Modern C++ Course"/>
+            <p:cNvPr id="821" name="Modern C++ Course"/>
             <p:cNvSpPr txBox="1"/>
             <p:nvPr/>
           </p:nvSpPr>
@@ -28032,7 +28126,7 @@
         </p:sp>
         <p:sp>
           <p:nvSpPr>
-            <p:cNvPr id="821" name="Rectangle"/>
+            <p:cNvPr id="822" name="Rectangle"/>
             <p:cNvSpPr/>
             <p:nvPr/>
           </p:nvSpPr>
@@ -28084,7 +28178,7 @@
       </p:grpSp>
       <p:sp>
         <p:nvSpPr>
-          <p:cNvPr id="823" name="Objects Oriented Programming (OOP)"/>
+          <p:cNvPr id="824" name="Objects Oriented Programming (OOP)"/>
           <p:cNvSpPr txBox="1"/>
           <p:nvPr>
             <p:ph type="title" idx="4294967295"/>
@@ -28112,7 +28206,7 @@
       </p:sp>
       <p:sp>
         <p:nvSpPr>
-          <p:cNvPr id="824" name="Objects and classes…"/>
+          <p:cNvPr id="825" name="Objects and classes…"/>
           <p:cNvSpPr txBox="1"/>
           <p:nvPr>
             <p:ph type="body" idx="4294967295"/>
@@ -28190,7 +28284,7 @@
       </p:sp>
       <p:sp>
         <p:nvSpPr>
-          <p:cNvPr id="825" name="Rectangle"/>
+          <p:cNvPr id="826" name="Rectangle"/>
           <p:cNvSpPr/>
           <p:nvPr/>
         </p:nvSpPr>
@@ -28263,7 +28357,7 @@
       </p:grpSpPr>
       <p:sp>
         <p:nvSpPr>
-          <p:cNvPr id="827" name="Objects Oriented Programming"/>
+          <p:cNvPr id="828" name="Objects Oriented Programming"/>
           <p:cNvSpPr txBox="1"/>
           <p:nvPr/>
         </p:nvSpPr>
@@ -28309,7 +28403,7 @@
       </p:sp>
       <p:sp>
         <p:nvSpPr>
-          <p:cNvPr id="828" name="Slide Number"/>
+          <p:cNvPr id="829" name="Slide Number"/>
           <p:cNvSpPr txBox="1"/>
           <p:nvPr>
             <p:ph type="sldNum" sz="quarter" idx="4294967295"/>
@@ -28336,7 +28430,7 @@
       </p:sp>
       <p:grpSp>
         <p:nvGrpSpPr>
-          <p:cNvPr id="833" name="Group"/>
+          <p:cNvPr id="834" name="Group"/>
           <p:cNvGrpSpPr/>
           <p:nvPr/>
         </p:nvGrpSpPr>
@@ -28350,7 +28444,7 @@
         </p:grpSpPr>
         <p:pic>
           <p:nvPicPr>
-            <p:cNvPr id="829" name="pasted-movie.png" descr="pasted-movie.png"/>
+            <p:cNvPr id="830" name="pasted-movie.png" descr="pasted-movie.png"/>
             <p:cNvPicPr>
               <a:picLocks noChangeAspect="1"/>
             </p:cNvPicPr>
@@ -28381,7 +28475,7 @@
         </p:pic>
         <p:sp>
           <p:nvSpPr>
-            <p:cNvPr id="830" name="Gammasoft"/>
+            <p:cNvPr id="831" name="Gammasoft"/>
             <p:cNvSpPr txBox="1"/>
             <p:nvPr/>
           </p:nvSpPr>
@@ -28420,7 +28514,7 @@
         </p:sp>
         <p:sp>
           <p:nvSpPr>
-            <p:cNvPr id="831" name="Modern C++ Course"/>
+            <p:cNvPr id="832" name="Modern C++ Course"/>
             <p:cNvSpPr txBox="1"/>
             <p:nvPr/>
           </p:nvSpPr>
@@ -28459,7 +28553,7 @@
         </p:sp>
         <p:sp>
           <p:nvSpPr>
-            <p:cNvPr id="832" name="Rectangle"/>
+            <p:cNvPr id="833" name="Rectangle"/>
             <p:cNvSpPr/>
             <p:nvPr/>
           </p:nvSpPr>
@@ -28511,7 +28605,7 @@
       </p:grpSp>
       <p:sp>
         <p:nvSpPr>
-          <p:cNvPr id="834" name="Objects Oriented Programming (OOP)"/>
+          <p:cNvPr id="835" name="Objects Oriented Programming (OOP)"/>
           <p:cNvSpPr txBox="1"/>
           <p:nvPr>
             <p:ph type="title" idx="4294967295"/>
@@ -28539,7 +28633,7 @@
       </p:sp>
       <p:sp>
         <p:nvSpPr>
-          <p:cNvPr id="835" name="Objects and classes…"/>
+          <p:cNvPr id="836" name="Objects and classes…"/>
           <p:cNvSpPr txBox="1"/>
           <p:nvPr>
             <p:ph type="body" idx="4294967295"/>
@@ -28617,7 +28711,7 @@
       </p:sp>
       <p:sp>
         <p:nvSpPr>
-          <p:cNvPr id="836" name="Rectangle"/>
+          <p:cNvPr id="837" name="Rectangle"/>
           <p:cNvSpPr/>
           <p:nvPr/>
         </p:nvSpPr>
@@ -28690,7 +28784,7 @@
       </p:grpSpPr>
       <p:sp>
         <p:nvSpPr>
-          <p:cNvPr id="838" name="Slide Title"/>
+          <p:cNvPr id="839" name="Slide Title"/>
           <p:cNvSpPr txBox="1"/>
           <p:nvPr>
             <p:ph type="title" idx="4294967295"/>
@@ -28715,7 +28809,7 @@
       </p:sp>
       <p:sp>
         <p:nvSpPr>
-          <p:cNvPr id="839" name="Slide bullet text"/>
+          <p:cNvPr id="840" name="Slide bullet text"/>
           <p:cNvSpPr txBox="1"/>
           <p:nvPr>
             <p:ph type="body" sz="half" idx="4294967295"/>
@@ -28740,7 +28834,7 @@
       </p:sp>
       <p:sp>
         <p:nvSpPr>
-          <p:cNvPr id="840" name="Slide Number"/>
+          <p:cNvPr id="841" name="Slide Number"/>
           <p:cNvSpPr txBox="1"/>
           <p:nvPr>
             <p:ph type="sldNum" sz="quarter" idx="4294967295"/>
@@ -28767,7 +28861,7 @@
       </p:sp>
       <p:sp>
         <p:nvSpPr>
-          <p:cNvPr id="841" name="Object Oriented Programming | Name Lookups"/>
+          <p:cNvPr id="842" name="Object Oriented Programming | Name Lookups"/>
           <p:cNvSpPr txBox="1"/>
           <p:nvPr/>
         </p:nvSpPr>
@@ -28813,7 +28907,7 @@
       </p:sp>
       <p:sp>
         <p:nvSpPr>
-          <p:cNvPr id="842" name="C++98"/>
+          <p:cNvPr id="843" name="C++98"/>
           <p:cNvSpPr txBox="1"/>
           <p:nvPr/>
         </p:nvSpPr>
@@ -28859,7 +28953,7 @@
       </p:sp>
       <p:grpSp>
         <p:nvGrpSpPr>
-          <p:cNvPr id="847" name="Group"/>
+          <p:cNvPr id="848" name="Group"/>
           <p:cNvGrpSpPr/>
           <p:nvPr/>
         </p:nvGrpSpPr>
@@ -28873,7 +28967,7 @@
         </p:grpSpPr>
         <p:pic>
           <p:nvPicPr>
-            <p:cNvPr id="843" name="pasted-movie.png" descr="pasted-movie.png"/>
+            <p:cNvPr id="844" name="pasted-movie.png" descr="pasted-movie.png"/>
             <p:cNvPicPr>
               <a:picLocks noChangeAspect="1"/>
             </p:cNvPicPr>
@@ -28904,7 +28998,7 @@
         </p:pic>
         <p:sp>
           <p:nvSpPr>
-            <p:cNvPr id="844" name="Gammasoft"/>
+            <p:cNvPr id="845" name="Gammasoft"/>
             <p:cNvSpPr txBox="1"/>
             <p:nvPr/>
           </p:nvSpPr>
@@ -28943,7 +29037,7 @@
         </p:sp>
         <p:sp>
           <p:nvSpPr>
-            <p:cNvPr id="845" name="Modern C++ Course"/>
+            <p:cNvPr id="846" name="Modern C++ Course"/>
             <p:cNvSpPr txBox="1"/>
             <p:nvPr/>
           </p:nvSpPr>
@@ -28982,7 +29076,7 @@
         </p:sp>
         <p:sp>
           <p:nvSpPr>
-            <p:cNvPr id="846" name="Rectangle"/>
+            <p:cNvPr id="847" name="Rectangle"/>
             <p:cNvSpPr/>
             <p:nvPr/>
           </p:nvSpPr>
@@ -29060,7 +29154,7 @@
       </p:grpSpPr>
       <p:sp>
         <p:nvSpPr>
-          <p:cNvPr id="849" name="Objects Oriented Programming"/>
+          <p:cNvPr id="850" name="Objects Oriented Programming"/>
           <p:cNvSpPr txBox="1"/>
           <p:nvPr/>
         </p:nvSpPr>
@@ -29106,7 +29200,7 @@
       </p:sp>
       <p:sp>
         <p:nvSpPr>
-          <p:cNvPr id="850" name="Slide Number"/>
+          <p:cNvPr id="851" name="Slide Number"/>
           <p:cNvSpPr txBox="1"/>
           <p:nvPr>
             <p:ph type="sldNum" sz="quarter" idx="4294967295"/>
@@ -29133,7 +29227,7 @@
       </p:sp>
       <p:grpSp>
         <p:nvGrpSpPr>
-          <p:cNvPr id="855" name="Group"/>
+          <p:cNvPr id="856" name="Group"/>
           <p:cNvGrpSpPr/>
           <p:nvPr/>
         </p:nvGrpSpPr>
@@ -29147,7 +29241,7 @@
         </p:grpSpPr>
         <p:pic>
           <p:nvPicPr>
-            <p:cNvPr id="851" name="pasted-movie.png" descr="pasted-movie.png"/>
+            <p:cNvPr id="852" name="pasted-movie.png" descr="pasted-movie.png"/>
             <p:cNvPicPr>
               <a:picLocks noChangeAspect="1"/>
             </p:cNvPicPr>
@@ -29178,7 +29272,7 @@
         </p:pic>
         <p:sp>
           <p:nvSpPr>
-            <p:cNvPr id="852" name="Gammasoft"/>
+            <p:cNvPr id="853" name="Gammasoft"/>
             <p:cNvSpPr txBox="1"/>
             <p:nvPr/>
           </p:nvSpPr>
@@ -29217,7 +29311,7 @@
         </p:sp>
         <p:sp>
           <p:nvSpPr>
-            <p:cNvPr id="853" name="Modern C++ Course"/>
+            <p:cNvPr id="854" name="Modern C++ Course"/>
             <p:cNvSpPr txBox="1"/>
             <p:nvPr/>
           </p:nvSpPr>
@@ -29256,7 +29350,7 @@
         </p:sp>
         <p:sp>
           <p:nvSpPr>
-            <p:cNvPr id="854" name="Rectangle"/>
+            <p:cNvPr id="855" name="Rectangle"/>
             <p:cNvSpPr/>
             <p:nvPr/>
           </p:nvSpPr>
@@ -29308,7 +29402,7 @@
       </p:grpSp>
       <p:sp>
         <p:nvSpPr>
-          <p:cNvPr id="856" name="Objects Oriented Programming (OOP)"/>
+          <p:cNvPr id="857" name="Objects Oriented Programming (OOP)"/>
           <p:cNvSpPr txBox="1"/>
           <p:nvPr>
             <p:ph type="title" idx="4294967295"/>
@@ -29336,7 +29430,7 @@
       </p:sp>
       <p:sp>
         <p:nvSpPr>
-          <p:cNvPr id="857" name="Objects and classes…"/>
+          <p:cNvPr id="858" name="Objects and classes…"/>
           <p:cNvSpPr txBox="1"/>
           <p:nvPr>
             <p:ph type="body" idx="4294967295"/>
@@ -29414,7 +29508,7 @@
       </p:sp>
       <p:sp>
         <p:nvSpPr>
-          <p:cNvPr id="858" name="Rectangle"/>
+          <p:cNvPr id="859" name="Rectangle"/>
           <p:cNvSpPr/>
           <p:nvPr/>
         </p:nvSpPr>
@@ -29870,7 +29964,7 @@
       </p:grpSpPr>
       <p:sp>
         <p:nvSpPr>
-          <p:cNvPr id="860" name="Objects Oriented Programming"/>
+          <p:cNvPr id="861" name="Objects Oriented Programming"/>
           <p:cNvSpPr txBox="1"/>
           <p:nvPr/>
         </p:nvSpPr>
@@ -29916,7 +30010,7 @@
       </p:sp>
       <p:sp>
         <p:nvSpPr>
-          <p:cNvPr id="861" name="Slide Number"/>
+          <p:cNvPr id="862" name="Slide Number"/>
           <p:cNvSpPr txBox="1"/>
           <p:nvPr>
             <p:ph type="sldNum" sz="quarter" idx="4294967295"/>
@@ -29943,7 +30037,7 @@
       </p:sp>
       <p:grpSp>
         <p:nvGrpSpPr>
-          <p:cNvPr id="866" name="Group"/>
+          <p:cNvPr id="867" name="Group"/>
           <p:cNvGrpSpPr/>
           <p:nvPr/>
         </p:nvGrpSpPr>
@@ -29957,7 +30051,7 @@
         </p:grpSpPr>
         <p:pic>
           <p:nvPicPr>
-            <p:cNvPr id="862" name="pasted-movie.png" descr="pasted-movie.png"/>
+            <p:cNvPr id="863" name="pasted-movie.png" descr="pasted-movie.png"/>
             <p:cNvPicPr>
               <a:picLocks noChangeAspect="1"/>
             </p:cNvPicPr>
@@ -29988,7 +30082,7 @@
         </p:pic>
         <p:sp>
           <p:nvSpPr>
-            <p:cNvPr id="863" name="Gammasoft"/>
+            <p:cNvPr id="864" name="Gammasoft"/>
             <p:cNvSpPr txBox="1"/>
             <p:nvPr/>
           </p:nvSpPr>
@@ -30027,7 +30121,7 @@
         </p:sp>
         <p:sp>
           <p:nvSpPr>
-            <p:cNvPr id="864" name="Modern C++ Course"/>
+            <p:cNvPr id="865" name="Modern C++ Course"/>
             <p:cNvSpPr txBox="1"/>
             <p:nvPr/>
           </p:nvSpPr>
@@ -30066,7 +30160,7 @@
         </p:sp>
         <p:sp>
           <p:nvSpPr>
-            <p:cNvPr id="865" name="Rectangle"/>
+            <p:cNvPr id="866" name="Rectangle"/>
             <p:cNvSpPr/>
             <p:nvPr/>
           </p:nvSpPr>
@@ -30118,7 +30212,7 @@
       </p:grpSp>
       <p:sp>
         <p:nvSpPr>
-          <p:cNvPr id="867" name="Objects Oriented Programming (OOP)"/>
+          <p:cNvPr id="868" name="Objects Oriented Programming (OOP)"/>
           <p:cNvSpPr txBox="1"/>
           <p:nvPr>
             <p:ph type="title" idx="4294967295"/>
@@ -30146,7 +30240,7 @@
       </p:sp>
       <p:sp>
         <p:nvSpPr>
-          <p:cNvPr id="868" name="Objects and classes…"/>
+          <p:cNvPr id="869" name="Objects and classes…"/>
           <p:cNvSpPr txBox="1"/>
           <p:nvPr>
             <p:ph type="body" idx="4294967295"/>
@@ -30250,7 +30344,7 @@
       </p:grpSpPr>
       <p:sp>
         <p:nvSpPr>
-          <p:cNvPr id="870" name="Introduction…"/>
+          <p:cNvPr id="871" name="Introduction…"/>
           <p:cNvSpPr txBox="1"/>
           <p:nvPr>
             <p:ph type="body" idx="4294967295"/>
@@ -30326,7 +30420,7 @@
       </p:sp>
       <p:sp>
         <p:nvSpPr>
-          <p:cNvPr id="871" name="Slide Number"/>
+          <p:cNvPr id="872" name="Slide Number"/>
           <p:cNvSpPr txBox="1"/>
           <p:nvPr>
             <p:ph type="sldNum" sz="quarter" idx="4294967295"/>
@@ -30353,7 +30447,7 @@
       </p:sp>
       <p:sp>
         <p:nvSpPr>
-          <p:cNvPr id="872" name="Outline"/>
+          <p:cNvPr id="873" name="Outline"/>
           <p:cNvSpPr txBox="1"/>
           <p:nvPr>
             <p:ph type="title" idx="4294967295"/>
@@ -30381,7 +30475,7 @@
       </p:sp>
       <p:sp>
         <p:nvSpPr>
-          <p:cNvPr id="873" name="Rectangle"/>
+          <p:cNvPr id="874" name="Rectangle"/>
           <p:cNvSpPr/>
           <p:nvPr/>
         </p:nvSpPr>
@@ -30428,7 +30522,7 @@
       </p:sp>
       <p:grpSp>
         <p:nvGrpSpPr>
-          <p:cNvPr id="878" name="Group"/>
+          <p:cNvPr id="879" name="Group"/>
           <p:cNvGrpSpPr/>
           <p:nvPr/>
         </p:nvGrpSpPr>
@@ -30442,7 +30536,7 @@
         </p:grpSpPr>
         <p:pic>
           <p:nvPicPr>
-            <p:cNvPr id="874" name="pasted-movie.png" descr="pasted-movie.png"/>
+            <p:cNvPr id="875" name="pasted-movie.png" descr="pasted-movie.png"/>
             <p:cNvPicPr>
               <a:picLocks noChangeAspect="1"/>
             </p:cNvPicPr>
@@ -30473,7 +30567,7 @@
         </p:pic>
         <p:sp>
           <p:nvSpPr>
-            <p:cNvPr id="875" name="Gammasoft"/>
+            <p:cNvPr id="876" name="Gammasoft"/>
             <p:cNvSpPr txBox="1"/>
             <p:nvPr/>
           </p:nvSpPr>
@@ -30512,7 +30606,7 @@
         </p:sp>
         <p:sp>
           <p:nvSpPr>
-            <p:cNvPr id="876" name="Modern C++ Course"/>
+            <p:cNvPr id="877" name="Modern C++ Course"/>
             <p:cNvSpPr txBox="1"/>
             <p:nvPr/>
           </p:nvSpPr>
@@ -30551,7 +30645,7 @@
         </p:sp>
         <p:sp>
           <p:nvSpPr>
-            <p:cNvPr id="877" name="Rectangle"/>
+            <p:cNvPr id="878" name="Rectangle"/>
             <p:cNvSpPr/>
             <p:nvPr/>
           </p:nvSpPr>
@@ -30629,7 +30723,7 @@
       </p:grpSpPr>
       <p:sp>
         <p:nvSpPr>
-          <p:cNvPr id="880" name="Slide Number"/>
+          <p:cNvPr id="881" name="Slide Number"/>
           <p:cNvSpPr txBox="1"/>
           <p:nvPr>
             <p:ph type="sldNum" sz="quarter" idx="4294967295"/>
@@ -30656,7 +30750,7 @@
       </p:sp>
       <p:sp>
         <p:nvSpPr>
-          <p:cNvPr id="881" name="End"/>
+          <p:cNvPr id="882" name="End"/>
           <p:cNvSpPr txBox="1"/>
           <p:nvPr/>
         </p:nvSpPr>
@@ -30702,7 +30796,7 @@
       </p:sp>
       <p:grpSp>
         <p:nvGrpSpPr>
-          <p:cNvPr id="886" name="Group"/>
+          <p:cNvPr id="887" name="Group"/>
           <p:cNvGrpSpPr/>
           <p:nvPr/>
         </p:nvGrpSpPr>
@@ -30716,7 +30810,7 @@
         </p:grpSpPr>
         <p:pic>
           <p:nvPicPr>
-            <p:cNvPr id="882" name="pasted-movie.png" descr="pasted-movie.png"/>
+            <p:cNvPr id="883" name="pasted-movie.png" descr="pasted-movie.png"/>
             <p:cNvPicPr>
               <a:picLocks noChangeAspect="1"/>
             </p:cNvPicPr>
@@ -30747,7 +30841,7 @@
         </p:pic>
         <p:sp>
           <p:nvSpPr>
-            <p:cNvPr id="883" name="Gammasoft"/>
+            <p:cNvPr id="884" name="Gammasoft"/>
             <p:cNvSpPr txBox="1"/>
             <p:nvPr/>
           </p:nvSpPr>
@@ -30786,7 +30880,7 @@
         </p:sp>
         <p:sp>
           <p:nvSpPr>
-            <p:cNvPr id="884" name="Modern C++ Course"/>
+            <p:cNvPr id="885" name="Modern C++ Course"/>
             <p:cNvSpPr txBox="1"/>
             <p:nvPr/>
           </p:nvSpPr>
@@ -30825,7 +30919,7 @@
         </p:sp>
         <p:sp>
           <p:nvSpPr>
-            <p:cNvPr id="885" name="Rectangle"/>
+            <p:cNvPr id="886" name="Rectangle"/>
             <p:cNvSpPr/>
             <p:nvPr/>
           </p:nvSpPr>
